--- a/Presentation.pptx
+++ b/Presentation.pptx
@@ -7,6 +7,7 @@
   <p:sldIdLst>
     <p:sldId id="256" r:id="rId2"/>
     <p:sldId id="257" r:id="rId3"/>
+    <p:sldId id="258" r:id="rId4"/>
   </p:sldIdLst>
   <p:sldSz cx="12192000" cy="6858000"/>
   <p:notesSz cx="6858000" cy="9144000"/>
@@ -105,6 +106,11 @@
       </a:defRPr>
     </a:lvl9pPr>
   </p:defaultTextStyle>
+  <p:extLst>
+    <p:ext uri="{EFAFB233-063F-42B5-8137-9DF3F51BA10A}">
+      <p15:sldGuideLst xmlns:p15="http://schemas.microsoft.com/office/powerpoint/2012/main"/>
+    </p:ext>
+  </p:extLst>
 </p:presentation>
 </file>
 
@@ -1320,7 +1326,7 @@
             <a:fld id="{9334D819-9F07-4261-B09B-9E467E5D9002}" type="datetimeFigureOut">
               <a:rPr lang="en-US" dirty="0"/>
               <a:pPr/>
-              <a:t>3/18/2017</a:t>
+              <a:t>4/2/2017</a:t>
             </a:fld>
             <a:endParaRPr lang="en-US" dirty="0"/>
           </a:p>
@@ -1554,7 +1560,7 @@
           <a:p>
             <a:fld id="{9334D819-9F07-4261-B09B-9E467E5D9002}" type="datetimeFigureOut">
               <a:rPr lang="en-US" dirty="0"/>
-              <a:t>3/18/2017</a:t>
+              <a:t>4/2/2017</a:t>
             </a:fld>
             <a:endParaRPr lang="en-US" dirty="0"/>
           </a:p>
@@ -1729,7 +1735,7 @@
           <a:p>
             <a:fld id="{9334D819-9F07-4261-B09B-9E467E5D9002}" type="datetimeFigureOut">
               <a:rPr lang="en-US" dirty="0"/>
-              <a:t>3/18/2017</a:t>
+              <a:t>4/2/2017</a:t>
             </a:fld>
             <a:endParaRPr lang="en-US" dirty="0"/>
           </a:p>
@@ -1894,7 +1900,7 @@
           <a:p>
             <a:fld id="{9334D819-9F07-4261-B09B-9E467E5D9002}" type="datetimeFigureOut">
               <a:rPr lang="en-US" dirty="0"/>
-              <a:t>3/18/2017</a:t>
+              <a:t>4/2/2017</a:t>
             </a:fld>
             <a:endParaRPr lang="en-US" dirty="0"/>
           </a:p>
@@ -2166,7 +2172,7 @@
             <a:fld id="{9334D819-9F07-4261-B09B-9E467E5D9002}" type="datetimeFigureOut">
               <a:rPr lang="en-US" dirty="0"/>
               <a:pPr/>
-              <a:t>3/18/2017</a:t>
+              <a:t>4/2/2017</a:t>
             </a:fld>
             <a:endParaRPr lang="en-US" dirty="0"/>
           </a:p>
@@ -3363,7 +3369,7 @@
           <a:p>
             <a:fld id="{9334D819-9F07-4261-B09B-9E467E5D9002}" type="datetimeFigureOut">
               <a:rPr lang="en-US" dirty="0"/>
-              <a:t>3/18/2017</a:t>
+              <a:t>4/2/2017</a:t>
             </a:fld>
             <a:endParaRPr lang="en-US" dirty="0"/>
           </a:p>
@@ -3748,7 +3754,7 @@
           <a:p>
             <a:fld id="{9334D819-9F07-4261-B09B-9E467E5D9002}" type="datetimeFigureOut">
               <a:rPr lang="en-US" dirty="0"/>
-              <a:t>3/18/2017</a:t>
+              <a:t>4/2/2017</a:t>
             </a:fld>
             <a:endParaRPr lang="en-US" dirty="0"/>
           </a:p>
@@ -3866,7 +3872,7 @@
           <a:p>
             <a:fld id="{9334D819-9F07-4261-B09B-9E467E5D9002}" type="datetimeFigureOut">
               <a:rPr lang="en-US" dirty="0"/>
-              <a:t>3/18/2017</a:t>
+              <a:t>4/2/2017</a:t>
             </a:fld>
             <a:endParaRPr lang="en-US" dirty="0"/>
           </a:p>
@@ -3956,7 +3962,7 @@
           <a:p>
             <a:fld id="{9334D819-9F07-4261-B09B-9E467E5D9002}" type="datetimeFigureOut">
               <a:rPr lang="en-US" dirty="0"/>
-              <a:t>3/18/2017</a:t>
+              <a:t>4/2/2017</a:t>
             </a:fld>
             <a:endParaRPr lang="en-US" dirty="0"/>
           </a:p>
@@ -4714,7 +4720,7 @@
           <a:p>
             <a:fld id="{9334D819-9F07-4261-B09B-9E467E5D9002}" type="datetimeFigureOut">
               <a:rPr lang="en-US" dirty="0"/>
-              <a:t>3/18/2017</a:t>
+              <a:t>4/2/2017</a:t>
             </a:fld>
             <a:endParaRPr lang="en-US" dirty="0"/>
           </a:p>
@@ -5549,7 +5555,7 @@
           <a:p>
             <a:fld id="{9334D819-9F07-4261-B09B-9E467E5D9002}" type="datetimeFigureOut">
               <a:rPr lang="en-US" dirty="0"/>
-              <a:t>3/18/2017</a:t>
+              <a:t>4/2/2017</a:t>
             </a:fld>
             <a:endParaRPr lang="en-US" dirty="0"/>
           </a:p>
@@ -5772,7 +5778,7 @@
             <a:fld id="{9334D819-9F07-4261-B09B-9E467E5D9002}" type="datetimeFigureOut">
               <a:rPr lang="en-US" dirty="0"/>
               <a:pPr/>
-              <a:t>3/18/2017</a:t>
+              <a:t>4/2/2017</a:t>
             </a:fld>
             <a:endParaRPr lang="en-US" dirty="0"/>
           </a:p>
@@ -6767,54 +6773,79 @@
           <a:chExt cx="0" cy="0"/>
         </a:xfrm>
       </p:grpSpPr>
-      <p:pic>
-        <p:nvPicPr>
-          <p:cNvPr id="9" name="Picture 8"/>
-          <p:cNvPicPr>
-            <a:picLocks noChangeAspect="1"/>
-          </p:cNvPicPr>
+      <p:sp>
+        <p:nvSpPr>
+          <p:cNvPr id="2" name="TextBox 1"/>
+          <p:cNvSpPr txBox="1"/>
           <p:nvPr/>
-        </p:nvPicPr>
-        <p:blipFill>
-          <a:blip r:embed="rId2"/>
-          <a:stretch>
-            <a:fillRect/>
-          </a:stretch>
-        </p:blipFill>
+        </p:nvSpPr>
         <p:spPr>
           <a:xfrm>
-            <a:off x="4563354" y="1525173"/>
-            <a:ext cx="3487322" cy="3487322"/>
+            <a:off x="4346713" y="1298713"/>
+            <a:ext cx="3657600" cy="3785652"/>
           </a:xfrm>
           <a:prstGeom prst="rect">
             <a:avLst/>
           </a:prstGeom>
+          <a:noFill/>
         </p:spPr>
-      </p:pic>
-      <p:pic>
-        <p:nvPicPr>
-          <p:cNvPr id="13" name="Picture 12"/>
-          <p:cNvPicPr>
-            <a:picLocks noChangeAspect="1"/>
-          </p:cNvPicPr>
+        <p:txBody>
+          <a:bodyPr wrap="square" rtlCol="0">
+            <a:spAutoFit/>
+          </a:bodyPr>
+          <a:lstStyle/>
+          <a:p>
+            <a:pPr algn="ctr"/>
+            <a:r>
+              <a:rPr lang="en-PH" sz="6000" dirty="0">
+                <a:latin typeface="Bookman Old Style" panose="02050604050505020204" pitchFamily="18" charset="0"/>
+              </a:rPr>
+              <a:t>RFID Counter and Reader</a:t>
+            </a:r>
+          </a:p>
+        </p:txBody>
+      </p:sp>
+      <p:sp>
+        <p:nvSpPr>
+          <p:cNvPr id="3" name="TextBox 2"/>
+          <p:cNvSpPr txBox="1"/>
           <p:nvPr/>
-        </p:nvPicPr>
-        <p:blipFill>
-          <a:blip r:embed="rId3"/>
-          <a:stretch>
-            <a:fillRect/>
-          </a:stretch>
-        </p:blipFill>
+        </p:nvSpPr>
         <p:spPr>
           <a:xfrm>
-            <a:off x="2878015" y="4651423"/>
-            <a:ext cx="6858000" cy="3238500"/>
+            <a:off x="477078" y="5300870"/>
+            <a:ext cx="8269357" cy="1384995"/>
           </a:xfrm>
           <a:prstGeom prst="rect">
             <a:avLst/>
           </a:prstGeom>
+          <a:noFill/>
         </p:spPr>
-      </p:pic>
+        <p:txBody>
+          <a:bodyPr wrap="square" rtlCol="0">
+            <a:spAutoFit/>
+          </a:bodyPr>
+          <a:lstStyle/>
+          <a:p>
+            <a:r>
+              <a:rPr lang="en-PH" sz="2800" dirty="0"/>
+              <a:t>Jana Marie Gardon</a:t>
+            </a:r>
+          </a:p>
+          <a:p>
+            <a:r>
+              <a:rPr lang="en-PH" sz="2800" dirty="0"/>
+              <a:t>Johanna Marisse Heramia</a:t>
+            </a:r>
+          </a:p>
+          <a:p>
+            <a:r>
+              <a:rPr lang="en-PH" sz="2800" dirty="0"/>
+              <a:t>Jose Lorenzo Tadeo</a:t>
+            </a:r>
+          </a:p>
+        </p:txBody>
+      </p:sp>
     </p:spTree>
     <p:extLst>
       <p:ext uri="{BB962C8B-B14F-4D97-AF65-F5344CB8AC3E}">
@@ -6860,7 +6891,10 @@
           <a:bodyPr/>
           <a:lstStyle/>
           <a:p>
-            <a:endParaRPr lang="en-PH"/>
+            <a:r>
+              <a:rPr lang="en-PH" dirty="0"/>
+              <a:t>Materials:</a:t>
+            </a:r>
           </a:p>
         </p:txBody>
       </p:sp>
@@ -6876,10 +6910,27 @@
         </p:nvSpPr>
         <p:spPr/>
         <p:txBody>
-          <a:bodyPr/>
+          <a:bodyPr>
+            <a:normAutofit/>
+          </a:bodyPr>
           <a:lstStyle/>
           <a:p>
-            <a:endParaRPr lang="en-PH"/>
+            <a:r>
+              <a:rPr lang="en-PH" sz="3200" dirty="0"/>
+              <a:t>Arduino 328 Board</a:t>
+            </a:r>
+          </a:p>
+          <a:p>
+            <a:r>
+              <a:rPr lang="en-PH" sz="3200" dirty="0"/>
+              <a:t>PN532 RFID/NFC Shield</a:t>
+            </a:r>
+          </a:p>
+          <a:p>
+            <a:r>
+              <a:rPr lang="en-PH" sz="3200" dirty="0"/>
+              <a:t>RFID Card</a:t>
+            </a:r>
           </a:p>
         </p:txBody>
       </p:sp>
@@ -6887,6 +6938,74 @@
     <p:extLst>
       <p:ext uri="{BB962C8B-B14F-4D97-AF65-F5344CB8AC3E}">
         <p14:creationId xmlns:p14="http://schemas.microsoft.com/office/powerpoint/2010/main" val="737375059"/>
+      </p:ext>
+    </p:extLst>
+  </p:cSld>
+  <p:clrMapOvr>
+    <a:masterClrMapping/>
+  </p:clrMapOvr>
+</p:sld>
+</file>
+
+<file path=ppt/slides/slide3.xml><?xml version="1.0" encoding="utf-8"?>
+<p:sld xmlns:a="http://schemas.openxmlformats.org/drawingml/2006/main" xmlns:r="http://schemas.openxmlformats.org/officeDocument/2006/relationships" xmlns:p="http://schemas.openxmlformats.org/presentationml/2006/main">
+  <p:cSld>
+    <p:spTree>
+      <p:nvGrpSpPr>
+        <p:cNvPr id="1" name=""/>
+        <p:cNvGrpSpPr/>
+        <p:nvPr/>
+      </p:nvGrpSpPr>
+      <p:grpSpPr>
+        <a:xfrm>
+          <a:off x="0" y="0"/>
+          <a:ext cx="0" cy="0"/>
+          <a:chOff x="0" y="0"/>
+          <a:chExt cx="0" cy="0"/>
+        </a:xfrm>
+      </p:grpSpPr>
+      <p:sp>
+        <p:nvSpPr>
+          <p:cNvPr id="2" name="Title 1"/>
+          <p:cNvSpPr>
+            <a:spLocks noGrp="1"/>
+          </p:cNvSpPr>
+          <p:nvPr>
+            <p:ph type="title"/>
+          </p:nvPr>
+        </p:nvSpPr>
+        <p:spPr/>
+        <p:txBody>
+          <a:bodyPr/>
+          <a:lstStyle/>
+          <a:p>
+            <a:endParaRPr lang="en-PH"/>
+          </a:p>
+        </p:txBody>
+      </p:sp>
+      <p:sp>
+        <p:nvSpPr>
+          <p:cNvPr id="3" name="Content Placeholder 2"/>
+          <p:cNvSpPr>
+            <a:spLocks noGrp="1"/>
+          </p:cNvSpPr>
+          <p:nvPr>
+            <p:ph idx="1"/>
+          </p:nvPr>
+        </p:nvSpPr>
+        <p:spPr/>
+        <p:txBody>
+          <a:bodyPr/>
+          <a:lstStyle/>
+          <a:p>
+            <a:endParaRPr lang="en-PH"/>
+          </a:p>
+        </p:txBody>
+      </p:sp>
+    </p:spTree>
+    <p:extLst>
+      <p:ext uri="{BB962C8B-B14F-4D97-AF65-F5344CB8AC3E}">
+        <p14:creationId xmlns:p14="http://schemas.microsoft.com/office/powerpoint/2010/main" val="1058707157"/>
       </p:ext>
     </p:extLst>
   </p:cSld>

--- a/Presentation.pptx
+++ b/Presentation.pptx
@@ -6,8 +6,19 @@
   </p:sldMasterIdLst>
   <p:sldIdLst>
     <p:sldId id="256" r:id="rId2"/>
-    <p:sldId id="257" r:id="rId3"/>
-    <p:sldId id="258" r:id="rId4"/>
+    <p:sldId id="258" r:id="rId3"/>
+    <p:sldId id="257" r:id="rId4"/>
+    <p:sldId id="266" r:id="rId5"/>
+    <p:sldId id="265" r:id="rId6"/>
+    <p:sldId id="270" r:id="rId7"/>
+    <p:sldId id="260" r:id="rId8"/>
+    <p:sldId id="261" r:id="rId9"/>
+    <p:sldId id="267" r:id="rId10"/>
+    <p:sldId id="272" r:id="rId11"/>
+    <p:sldId id="269" r:id="rId12"/>
+    <p:sldId id="273" r:id="rId13"/>
+    <p:sldId id="262" r:id="rId14"/>
+    <p:sldId id="263" r:id="rId15"/>
   </p:sldIdLst>
   <p:sldSz cx="12192000" cy="6858000"/>
   <p:notesSz cx="6858000" cy="9144000"/>
@@ -112,6 +123,5644 @@
     </p:ext>
   </p:extLst>
 </p:presentation>
+</file>
+
+<file path=ppt/diagrams/colors1.xml><?xml version="1.0" encoding="utf-8"?>
+<dgm:colorsDef xmlns:dgm="http://schemas.openxmlformats.org/drawingml/2006/diagram" xmlns:a="http://schemas.openxmlformats.org/drawingml/2006/main" uniqueId="urn:microsoft.com/office/officeart/2005/8/colors/colorful3">
+  <dgm:title val=""/>
+  <dgm:desc val=""/>
+  <dgm:catLst>
+    <dgm:cat type="colorful" pri="10300"/>
+  </dgm:catLst>
+  <dgm:styleLbl name="node0">
+    <dgm:fillClrLst meth="repeat">
+      <a:schemeClr val="accent2"/>
+    </dgm:fillClrLst>
+    <dgm:linClrLst meth="repeat">
+      <a:schemeClr val="lt1"/>
+    </dgm:linClrLst>
+    <dgm:effectClrLst/>
+    <dgm:txLinClrLst/>
+    <dgm:txFillClrLst/>
+    <dgm:txEffectClrLst/>
+  </dgm:styleLbl>
+  <dgm:styleLbl name="node1">
+    <dgm:fillClrLst>
+      <a:schemeClr val="accent3"/>
+      <a:schemeClr val="accent4"/>
+    </dgm:fillClrLst>
+    <dgm:linClrLst meth="repeat">
+      <a:schemeClr val="lt1"/>
+    </dgm:linClrLst>
+    <dgm:effectClrLst/>
+    <dgm:txLinClrLst/>
+    <dgm:txFillClrLst/>
+    <dgm:txEffectClrLst/>
+  </dgm:styleLbl>
+  <dgm:styleLbl name="alignNode1">
+    <dgm:fillClrLst>
+      <a:schemeClr val="accent3"/>
+      <a:schemeClr val="accent4"/>
+    </dgm:fillClrLst>
+    <dgm:linClrLst>
+      <a:schemeClr val="accent3"/>
+      <a:schemeClr val="accent4"/>
+    </dgm:linClrLst>
+    <dgm:effectClrLst/>
+    <dgm:txLinClrLst/>
+    <dgm:txFillClrLst/>
+    <dgm:txEffectClrLst/>
+  </dgm:styleLbl>
+  <dgm:styleLbl name="lnNode1">
+    <dgm:fillClrLst>
+      <a:schemeClr val="accent3"/>
+      <a:schemeClr val="accent4"/>
+    </dgm:fillClrLst>
+    <dgm:linClrLst meth="repeat">
+      <a:schemeClr val="lt1"/>
+    </dgm:linClrLst>
+    <dgm:effectClrLst/>
+    <dgm:txLinClrLst/>
+    <dgm:txFillClrLst/>
+    <dgm:txEffectClrLst/>
+  </dgm:styleLbl>
+  <dgm:styleLbl name="vennNode1">
+    <dgm:fillClrLst>
+      <a:schemeClr val="accent3">
+        <a:alpha val="50000"/>
+      </a:schemeClr>
+      <a:schemeClr val="accent4">
+        <a:alpha val="50000"/>
+      </a:schemeClr>
+    </dgm:fillClrLst>
+    <dgm:linClrLst meth="repeat">
+      <a:schemeClr val="lt1"/>
+    </dgm:linClrLst>
+    <dgm:effectClrLst/>
+    <dgm:txLinClrLst/>
+    <dgm:txFillClrLst/>
+    <dgm:txEffectClrLst/>
+  </dgm:styleLbl>
+  <dgm:styleLbl name="node2">
+    <dgm:fillClrLst>
+      <a:schemeClr val="accent4"/>
+    </dgm:fillClrLst>
+    <dgm:linClrLst meth="repeat">
+      <a:schemeClr val="lt1"/>
+    </dgm:linClrLst>
+    <dgm:effectClrLst/>
+    <dgm:txLinClrLst/>
+    <dgm:txFillClrLst/>
+    <dgm:txEffectClrLst/>
+  </dgm:styleLbl>
+  <dgm:styleLbl name="node3">
+    <dgm:fillClrLst>
+      <a:schemeClr val="accent5"/>
+    </dgm:fillClrLst>
+    <dgm:linClrLst meth="repeat">
+      <a:schemeClr val="lt1"/>
+    </dgm:linClrLst>
+    <dgm:effectClrLst/>
+    <dgm:txLinClrLst/>
+    <dgm:txFillClrLst/>
+    <dgm:txEffectClrLst/>
+  </dgm:styleLbl>
+  <dgm:styleLbl name="node4">
+    <dgm:fillClrLst>
+      <a:schemeClr val="accent6"/>
+    </dgm:fillClrLst>
+    <dgm:linClrLst meth="repeat">
+      <a:schemeClr val="lt1"/>
+    </dgm:linClrLst>
+    <dgm:effectClrLst/>
+    <dgm:txLinClrLst/>
+    <dgm:txFillClrLst/>
+    <dgm:txEffectClrLst/>
+  </dgm:styleLbl>
+  <dgm:styleLbl name="fgImgPlace1">
+    <dgm:fillClrLst>
+      <a:schemeClr val="accent3">
+        <a:tint val="50000"/>
+      </a:schemeClr>
+      <a:schemeClr val="accent4">
+        <a:tint val="50000"/>
+      </a:schemeClr>
+    </dgm:fillClrLst>
+    <dgm:linClrLst meth="repeat">
+      <a:schemeClr val="lt1"/>
+    </dgm:linClrLst>
+    <dgm:effectClrLst/>
+    <dgm:txLinClrLst/>
+    <dgm:txFillClrLst meth="repeat">
+      <a:schemeClr val="lt1"/>
+    </dgm:txFillClrLst>
+    <dgm:txEffectClrLst/>
+  </dgm:styleLbl>
+  <dgm:styleLbl name="alignImgPlace1">
+    <dgm:fillClrLst>
+      <a:schemeClr val="accent3">
+        <a:tint val="50000"/>
+      </a:schemeClr>
+      <a:schemeClr val="accent4">
+        <a:tint val="20000"/>
+      </a:schemeClr>
+    </dgm:fillClrLst>
+    <dgm:linClrLst meth="repeat">
+      <a:schemeClr val="lt1"/>
+    </dgm:linClrLst>
+    <dgm:effectClrLst/>
+    <dgm:txLinClrLst/>
+    <dgm:txFillClrLst meth="repeat">
+      <a:schemeClr val="lt1"/>
+    </dgm:txFillClrLst>
+    <dgm:txEffectClrLst/>
+  </dgm:styleLbl>
+  <dgm:styleLbl name="bgImgPlace1">
+    <dgm:fillClrLst>
+      <a:schemeClr val="accent3">
+        <a:tint val="50000"/>
+      </a:schemeClr>
+      <a:schemeClr val="accent4">
+        <a:tint val="20000"/>
+      </a:schemeClr>
+    </dgm:fillClrLst>
+    <dgm:linClrLst meth="repeat">
+      <a:schemeClr val="lt1"/>
+    </dgm:linClrLst>
+    <dgm:effectClrLst/>
+    <dgm:txLinClrLst/>
+    <dgm:txFillClrLst meth="repeat">
+      <a:schemeClr val="lt1"/>
+    </dgm:txFillClrLst>
+    <dgm:txEffectClrLst/>
+  </dgm:styleLbl>
+  <dgm:styleLbl name="sibTrans2D1">
+    <dgm:fillClrLst>
+      <a:schemeClr val="accent3"/>
+      <a:schemeClr val="accent4"/>
+    </dgm:fillClrLst>
+    <dgm:linClrLst meth="repeat">
+      <a:schemeClr val="lt1"/>
+    </dgm:linClrLst>
+    <dgm:effectClrLst/>
+    <dgm:txLinClrLst/>
+    <dgm:txFillClrLst/>
+    <dgm:txEffectClrLst/>
+  </dgm:styleLbl>
+  <dgm:styleLbl name="fgSibTrans2D1">
+    <dgm:fillClrLst>
+      <a:schemeClr val="accent3"/>
+      <a:schemeClr val="accent4"/>
+    </dgm:fillClrLst>
+    <dgm:linClrLst meth="repeat">
+      <a:schemeClr val="lt1"/>
+    </dgm:linClrLst>
+    <dgm:effectClrLst/>
+    <dgm:txLinClrLst/>
+    <dgm:txFillClrLst meth="repeat">
+      <a:schemeClr val="lt1"/>
+    </dgm:txFillClrLst>
+    <dgm:txEffectClrLst/>
+  </dgm:styleLbl>
+  <dgm:styleLbl name="bgSibTrans2D1">
+    <dgm:fillClrLst>
+      <a:schemeClr val="accent3"/>
+      <a:schemeClr val="accent4"/>
+    </dgm:fillClrLst>
+    <dgm:linClrLst meth="repeat">
+      <a:schemeClr val="lt1"/>
+    </dgm:linClrLst>
+    <dgm:effectClrLst/>
+    <dgm:txLinClrLst/>
+    <dgm:txFillClrLst meth="repeat">
+      <a:schemeClr val="lt1"/>
+    </dgm:txFillClrLst>
+    <dgm:txEffectClrLst/>
+  </dgm:styleLbl>
+  <dgm:styleLbl name="sibTrans1D1">
+    <dgm:fillClrLst/>
+    <dgm:linClrLst>
+      <a:schemeClr val="accent3"/>
+      <a:schemeClr val="accent4"/>
+    </dgm:linClrLst>
+    <dgm:effectClrLst/>
+    <dgm:txLinClrLst/>
+    <dgm:txFillClrLst meth="repeat">
+      <a:schemeClr val="tx1"/>
+    </dgm:txFillClrLst>
+    <dgm:txEffectClrLst/>
+  </dgm:styleLbl>
+  <dgm:styleLbl name="callout">
+    <dgm:fillClrLst meth="repeat">
+      <a:schemeClr val="accent3"/>
+    </dgm:fillClrLst>
+    <dgm:linClrLst meth="repeat">
+      <a:schemeClr val="accent3">
+        <a:tint val="50000"/>
+      </a:schemeClr>
+    </dgm:linClrLst>
+    <dgm:effectClrLst/>
+    <dgm:txLinClrLst/>
+    <dgm:txFillClrLst meth="repeat">
+      <a:schemeClr val="tx1"/>
+    </dgm:txFillClrLst>
+    <dgm:txEffectClrLst/>
+  </dgm:styleLbl>
+  <dgm:styleLbl name="asst0">
+    <dgm:fillClrLst meth="repeat">
+      <a:schemeClr val="accent3"/>
+    </dgm:fillClrLst>
+    <dgm:linClrLst meth="repeat">
+      <a:schemeClr val="lt1">
+        <a:shade val="80000"/>
+      </a:schemeClr>
+    </dgm:linClrLst>
+    <dgm:effectClrLst/>
+    <dgm:txLinClrLst/>
+    <dgm:txFillClrLst/>
+    <dgm:txEffectClrLst/>
+  </dgm:styleLbl>
+  <dgm:styleLbl name="asst1">
+    <dgm:fillClrLst meth="repeat">
+      <a:schemeClr val="accent4"/>
+    </dgm:fillClrLst>
+    <dgm:linClrLst meth="repeat">
+      <a:schemeClr val="lt1">
+        <a:shade val="80000"/>
+      </a:schemeClr>
+    </dgm:linClrLst>
+    <dgm:effectClrLst/>
+    <dgm:txLinClrLst/>
+    <dgm:txFillClrLst/>
+    <dgm:txEffectClrLst/>
+  </dgm:styleLbl>
+  <dgm:styleLbl name="asst2">
+    <dgm:fillClrLst>
+      <a:schemeClr val="accent5"/>
+    </dgm:fillClrLst>
+    <dgm:linClrLst meth="repeat">
+      <a:schemeClr val="lt1"/>
+    </dgm:linClrLst>
+    <dgm:effectClrLst/>
+    <dgm:txLinClrLst/>
+    <dgm:txFillClrLst/>
+    <dgm:txEffectClrLst/>
+  </dgm:styleLbl>
+  <dgm:styleLbl name="asst3">
+    <dgm:fillClrLst>
+      <a:schemeClr val="accent6"/>
+    </dgm:fillClrLst>
+    <dgm:linClrLst meth="repeat">
+      <a:schemeClr val="lt1"/>
+    </dgm:linClrLst>
+    <dgm:effectClrLst/>
+    <dgm:txLinClrLst/>
+    <dgm:txFillClrLst/>
+    <dgm:txEffectClrLst/>
+  </dgm:styleLbl>
+  <dgm:styleLbl name="asst4">
+    <dgm:fillClrLst>
+      <a:schemeClr val="accent1"/>
+    </dgm:fillClrLst>
+    <dgm:linClrLst meth="repeat">
+      <a:schemeClr val="lt1"/>
+    </dgm:linClrLst>
+    <dgm:effectClrLst/>
+    <dgm:txLinClrLst/>
+    <dgm:txFillClrLst/>
+    <dgm:txEffectClrLst/>
+  </dgm:styleLbl>
+  <dgm:styleLbl name="parChTrans2D1">
+    <dgm:fillClrLst meth="repeat">
+      <a:schemeClr val="accent2"/>
+    </dgm:fillClrLst>
+    <dgm:linClrLst meth="repeat">
+      <a:schemeClr val="lt1"/>
+    </dgm:linClrLst>
+    <dgm:effectClrLst/>
+    <dgm:txLinClrLst/>
+    <dgm:txFillClrLst meth="repeat">
+      <a:schemeClr val="lt1"/>
+    </dgm:txFillClrLst>
+    <dgm:txEffectClrLst/>
+  </dgm:styleLbl>
+  <dgm:styleLbl name="parChTrans2D2">
+    <dgm:fillClrLst meth="repeat">
+      <a:schemeClr val="accent3"/>
+    </dgm:fillClrLst>
+    <dgm:linClrLst meth="repeat">
+      <a:schemeClr val="lt1"/>
+    </dgm:linClrLst>
+    <dgm:effectClrLst/>
+    <dgm:txLinClrLst/>
+    <dgm:txFillClrLst/>
+    <dgm:txEffectClrLst/>
+  </dgm:styleLbl>
+  <dgm:styleLbl name="parChTrans2D3">
+    <dgm:fillClrLst meth="repeat">
+      <a:schemeClr val="accent4"/>
+    </dgm:fillClrLst>
+    <dgm:linClrLst meth="repeat">
+      <a:schemeClr val="lt1"/>
+    </dgm:linClrLst>
+    <dgm:effectClrLst/>
+    <dgm:txLinClrLst/>
+    <dgm:txFillClrLst/>
+    <dgm:txEffectClrLst/>
+  </dgm:styleLbl>
+  <dgm:styleLbl name="parChTrans2D4">
+    <dgm:fillClrLst meth="repeat">
+      <a:schemeClr val="accent5"/>
+    </dgm:fillClrLst>
+    <dgm:linClrLst meth="repeat">
+      <a:schemeClr val="lt1"/>
+    </dgm:linClrLst>
+    <dgm:effectClrLst/>
+    <dgm:txLinClrLst/>
+    <dgm:txFillClrLst meth="repeat">
+      <a:schemeClr val="lt1"/>
+    </dgm:txFillClrLst>
+    <dgm:txEffectClrLst/>
+  </dgm:styleLbl>
+  <dgm:styleLbl name="parChTrans1D1">
+    <dgm:fillClrLst meth="repeat">
+      <a:schemeClr val="accent3"/>
+    </dgm:fillClrLst>
+    <dgm:linClrLst meth="repeat">
+      <a:schemeClr val="accent3"/>
+    </dgm:linClrLst>
+    <dgm:effectClrLst/>
+    <dgm:txLinClrLst/>
+    <dgm:txFillClrLst meth="repeat">
+      <a:schemeClr val="tx1"/>
+    </dgm:txFillClrLst>
+    <dgm:txEffectClrLst/>
+  </dgm:styleLbl>
+  <dgm:styleLbl name="parChTrans1D2">
+    <dgm:fillClrLst meth="repeat">
+      <a:schemeClr val="accent2">
+        <a:tint val="90000"/>
+      </a:schemeClr>
+    </dgm:fillClrLst>
+    <dgm:linClrLst meth="repeat">
+      <a:schemeClr val="accent4"/>
+    </dgm:linClrLst>
+    <dgm:effectClrLst/>
+    <dgm:txLinClrLst/>
+    <dgm:txFillClrLst meth="repeat">
+      <a:schemeClr val="tx1"/>
+    </dgm:txFillClrLst>
+    <dgm:txEffectClrLst/>
+  </dgm:styleLbl>
+  <dgm:styleLbl name="parChTrans1D3">
+    <dgm:fillClrLst meth="repeat">
+      <a:schemeClr val="accent2">
+        <a:tint val="70000"/>
+      </a:schemeClr>
+    </dgm:fillClrLst>
+    <dgm:linClrLst meth="repeat">
+      <a:schemeClr val="accent5"/>
+    </dgm:linClrLst>
+    <dgm:effectClrLst/>
+    <dgm:txLinClrLst/>
+    <dgm:txFillClrLst meth="repeat">
+      <a:schemeClr val="tx1"/>
+    </dgm:txFillClrLst>
+    <dgm:txEffectClrLst/>
+  </dgm:styleLbl>
+  <dgm:styleLbl name="parChTrans1D4">
+    <dgm:fillClrLst meth="repeat">
+      <a:schemeClr val="accent6">
+        <a:tint val="50000"/>
+      </a:schemeClr>
+    </dgm:fillClrLst>
+    <dgm:linClrLst meth="repeat">
+      <a:schemeClr val="accent6"/>
+    </dgm:linClrLst>
+    <dgm:effectClrLst/>
+    <dgm:txLinClrLst/>
+    <dgm:txFillClrLst meth="repeat">
+      <a:schemeClr val="tx1"/>
+    </dgm:txFillClrLst>
+    <dgm:txEffectClrLst/>
+  </dgm:styleLbl>
+  <dgm:styleLbl name="fgAcc1">
+    <dgm:fillClrLst meth="repeat">
+      <a:schemeClr val="lt1">
+        <a:alpha val="90000"/>
+      </a:schemeClr>
+    </dgm:fillClrLst>
+    <dgm:linClrLst>
+      <a:schemeClr val="accent3"/>
+      <a:schemeClr val="accent4"/>
+    </dgm:linClrLst>
+    <dgm:effectClrLst/>
+    <dgm:txLinClrLst/>
+    <dgm:txFillClrLst meth="repeat">
+      <a:schemeClr val="dk1"/>
+    </dgm:txFillClrLst>
+    <dgm:txEffectClrLst/>
+  </dgm:styleLbl>
+  <dgm:styleLbl name="conFgAcc1">
+    <dgm:fillClrLst meth="repeat">
+      <a:schemeClr val="lt1">
+        <a:alpha val="90000"/>
+      </a:schemeClr>
+    </dgm:fillClrLst>
+    <dgm:linClrLst>
+      <a:schemeClr val="accent3"/>
+      <a:schemeClr val="accent4"/>
+    </dgm:linClrLst>
+    <dgm:effectClrLst/>
+    <dgm:txLinClrLst/>
+    <dgm:txFillClrLst meth="repeat">
+      <a:schemeClr val="dk1"/>
+    </dgm:txFillClrLst>
+    <dgm:txEffectClrLst/>
+  </dgm:styleLbl>
+  <dgm:styleLbl name="alignAcc1">
+    <dgm:fillClrLst meth="repeat">
+      <a:schemeClr val="lt1">
+        <a:alpha val="90000"/>
+      </a:schemeClr>
+    </dgm:fillClrLst>
+    <dgm:linClrLst>
+      <a:schemeClr val="accent3"/>
+      <a:schemeClr val="accent4"/>
+    </dgm:linClrLst>
+    <dgm:effectClrLst/>
+    <dgm:txLinClrLst/>
+    <dgm:txFillClrLst meth="repeat">
+      <a:schemeClr val="dk1"/>
+    </dgm:txFillClrLst>
+    <dgm:txEffectClrLst/>
+  </dgm:styleLbl>
+  <dgm:styleLbl name="trAlignAcc1">
+    <dgm:fillClrLst meth="repeat">
+      <a:schemeClr val="lt1">
+        <a:alpha val="40000"/>
+      </a:schemeClr>
+    </dgm:fillClrLst>
+    <dgm:linClrLst meth="repeat">
+      <a:schemeClr val="accent2"/>
+    </dgm:linClrLst>
+    <dgm:effectClrLst/>
+    <dgm:txLinClrLst/>
+    <dgm:txFillClrLst meth="repeat">
+      <a:schemeClr val="dk1"/>
+    </dgm:txFillClrLst>
+    <dgm:txEffectClrLst/>
+  </dgm:styleLbl>
+  <dgm:styleLbl name="bgAcc1">
+    <dgm:fillClrLst meth="repeat">
+      <a:schemeClr val="lt1">
+        <a:alpha val="90000"/>
+      </a:schemeClr>
+    </dgm:fillClrLst>
+    <dgm:linClrLst>
+      <a:schemeClr val="accent3"/>
+      <a:schemeClr val="accent4"/>
+    </dgm:linClrLst>
+    <dgm:effectClrLst/>
+    <dgm:txLinClrLst/>
+    <dgm:txFillClrLst meth="repeat">
+      <a:schemeClr val="dk1"/>
+    </dgm:txFillClrLst>
+    <dgm:txEffectClrLst/>
+  </dgm:styleLbl>
+  <dgm:styleLbl name="solidFgAcc1">
+    <dgm:fillClrLst meth="repeat">
+      <a:schemeClr val="lt1"/>
+    </dgm:fillClrLst>
+    <dgm:linClrLst>
+      <a:schemeClr val="accent3"/>
+      <a:schemeClr val="accent4"/>
+    </dgm:linClrLst>
+    <dgm:effectClrLst/>
+    <dgm:txLinClrLst/>
+    <dgm:txFillClrLst meth="repeat">
+      <a:schemeClr val="dk1"/>
+    </dgm:txFillClrLst>
+    <dgm:txEffectClrLst/>
+  </dgm:styleLbl>
+  <dgm:styleLbl name="solidAlignAcc1">
+    <dgm:fillClrLst meth="repeat">
+      <a:schemeClr val="lt1"/>
+    </dgm:fillClrLst>
+    <dgm:linClrLst>
+      <a:schemeClr val="accent3"/>
+      <a:schemeClr val="accent4"/>
+    </dgm:linClrLst>
+    <dgm:effectClrLst/>
+    <dgm:txLinClrLst/>
+    <dgm:txFillClrLst meth="repeat">
+      <a:schemeClr val="dk1"/>
+    </dgm:txFillClrLst>
+    <dgm:txEffectClrLst/>
+  </dgm:styleLbl>
+  <dgm:styleLbl name="solidBgAcc1">
+    <dgm:fillClrLst meth="repeat">
+      <a:schemeClr val="lt1"/>
+    </dgm:fillClrLst>
+    <dgm:linClrLst>
+      <a:schemeClr val="accent3"/>
+      <a:schemeClr val="accent4"/>
+    </dgm:linClrLst>
+    <dgm:effectClrLst/>
+    <dgm:txLinClrLst/>
+    <dgm:txFillClrLst meth="repeat">
+      <a:schemeClr val="dk1"/>
+    </dgm:txFillClrLst>
+    <dgm:txEffectClrLst/>
+  </dgm:styleLbl>
+  <dgm:styleLbl name="fgAccFollowNode1">
+    <dgm:fillClrLst>
+      <a:schemeClr val="accent3">
+        <a:tint val="40000"/>
+        <a:alpha val="90000"/>
+      </a:schemeClr>
+      <a:schemeClr val="accent4">
+        <a:tint val="40000"/>
+        <a:alpha val="90000"/>
+      </a:schemeClr>
+    </dgm:fillClrLst>
+    <dgm:linClrLst>
+      <a:schemeClr val="accent3">
+        <a:tint val="40000"/>
+        <a:alpha val="90000"/>
+      </a:schemeClr>
+      <a:schemeClr val="accent4">
+        <a:tint val="40000"/>
+        <a:alpha val="90000"/>
+      </a:schemeClr>
+    </dgm:linClrLst>
+    <dgm:effectClrLst/>
+    <dgm:txLinClrLst/>
+    <dgm:txFillClrLst meth="repeat">
+      <a:schemeClr val="dk1"/>
+    </dgm:txFillClrLst>
+    <dgm:txEffectClrLst/>
+  </dgm:styleLbl>
+  <dgm:styleLbl name="alignAccFollowNode1">
+    <dgm:fillClrLst>
+      <a:schemeClr val="accent3">
+        <a:tint val="40000"/>
+        <a:alpha val="90000"/>
+      </a:schemeClr>
+      <a:schemeClr val="accent4">
+        <a:tint val="40000"/>
+        <a:alpha val="90000"/>
+      </a:schemeClr>
+    </dgm:fillClrLst>
+    <dgm:linClrLst>
+      <a:schemeClr val="accent3">
+        <a:tint val="40000"/>
+        <a:alpha val="90000"/>
+      </a:schemeClr>
+      <a:schemeClr val="accent4">
+        <a:tint val="40000"/>
+        <a:alpha val="90000"/>
+      </a:schemeClr>
+    </dgm:linClrLst>
+    <dgm:effectClrLst/>
+    <dgm:txLinClrLst/>
+    <dgm:txFillClrLst meth="repeat">
+      <a:schemeClr val="dk1"/>
+    </dgm:txFillClrLst>
+    <dgm:txEffectClrLst/>
+  </dgm:styleLbl>
+  <dgm:styleLbl name="bgAccFollowNode1">
+    <dgm:fillClrLst>
+      <a:schemeClr val="accent3">
+        <a:tint val="40000"/>
+        <a:alpha val="90000"/>
+      </a:schemeClr>
+      <a:schemeClr val="accent4">
+        <a:tint val="40000"/>
+        <a:alpha val="90000"/>
+      </a:schemeClr>
+    </dgm:fillClrLst>
+    <dgm:linClrLst>
+      <a:schemeClr val="accent3">
+        <a:tint val="40000"/>
+        <a:alpha val="90000"/>
+      </a:schemeClr>
+      <a:schemeClr val="accent4">
+        <a:tint val="40000"/>
+        <a:alpha val="90000"/>
+      </a:schemeClr>
+    </dgm:linClrLst>
+    <dgm:effectClrLst/>
+    <dgm:txLinClrLst/>
+    <dgm:txFillClrLst meth="repeat">
+      <a:schemeClr val="dk1"/>
+    </dgm:txFillClrLst>
+    <dgm:txEffectClrLst/>
+  </dgm:styleLbl>
+  <dgm:styleLbl name="fgAcc0">
+    <dgm:fillClrLst meth="repeat">
+      <a:schemeClr val="lt1">
+        <a:alpha val="90000"/>
+      </a:schemeClr>
+    </dgm:fillClrLst>
+    <dgm:linClrLst>
+      <a:schemeClr val="accent2"/>
+    </dgm:linClrLst>
+    <dgm:effectClrLst/>
+    <dgm:txLinClrLst/>
+    <dgm:txFillClrLst meth="repeat">
+      <a:schemeClr val="dk1"/>
+    </dgm:txFillClrLst>
+    <dgm:txEffectClrLst/>
+  </dgm:styleLbl>
+  <dgm:styleLbl name="fgAcc2">
+    <dgm:fillClrLst meth="repeat">
+      <a:schemeClr val="lt1">
+        <a:alpha val="90000"/>
+      </a:schemeClr>
+    </dgm:fillClrLst>
+    <dgm:linClrLst>
+      <a:schemeClr val="accent4"/>
+    </dgm:linClrLst>
+    <dgm:effectClrLst/>
+    <dgm:txLinClrLst/>
+    <dgm:txFillClrLst meth="repeat">
+      <a:schemeClr val="dk1"/>
+    </dgm:txFillClrLst>
+    <dgm:txEffectClrLst/>
+  </dgm:styleLbl>
+  <dgm:styleLbl name="fgAcc3">
+    <dgm:fillClrLst meth="repeat">
+      <a:schemeClr val="lt1">
+        <a:alpha val="90000"/>
+      </a:schemeClr>
+    </dgm:fillClrLst>
+    <dgm:linClrLst>
+      <a:schemeClr val="accent5"/>
+    </dgm:linClrLst>
+    <dgm:effectClrLst/>
+    <dgm:txLinClrLst/>
+    <dgm:txFillClrLst meth="repeat">
+      <a:schemeClr val="dk1"/>
+    </dgm:txFillClrLst>
+    <dgm:txEffectClrLst/>
+  </dgm:styleLbl>
+  <dgm:styleLbl name="fgAcc4">
+    <dgm:fillClrLst meth="repeat">
+      <a:schemeClr val="lt1">
+        <a:alpha val="90000"/>
+      </a:schemeClr>
+    </dgm:fillClrLst>
+    <dgm:linClrLst>
+      <a:schemeClr val="accent6"/>
+    </dgm:linClrLst>
+    <dgm:effectClrLst/>
+    <dgm:txLinClrLst/>
+    <dgm:txFillClrLst meth="repeat">
+      <a:schemeClr val="dk1"/>
+    </dgm:txFillClrLst>
+    <dgm:txEffectClrLst/>
+  </dgm:styleLbl>
+  <dgm:styleLbl name="bgShp">
+    <dgm:fillClrLst meth="repeat">
+      <a:schemeClr val="accent3">
+        <a:tint val="40000"/>
+      </a:schemeClr>
+    </dgm:fillClrLst>
+    <dgm:linClrLst meth="repeat">
+      <a:schemeClr val="dk1"/>
+    </dgm:linClrLst>
+    <dgm:effectClrLst/>
+    <dgm:txLinClrLst/>
+    <dgm:txFillClrLst meth="repeat">
+      <a:schemeClr val="dk1"/>
+    </dgm:txFillClrLst>
+    <dgm:txEffectClrLst/>
+  </dgm:styleLbl>
+  <dgm:styleLbl name="dkBgShp">
+    <dgm:fillClrLst meth="repeat">
+      <a:schemeClr val="accent3">
+        <a:shade val="90000"/>
+      </a:schemeClr>
+    </dgm:fillClrLst>
+    <dgm:linClrLst meth="repeat">
+      <a:schemeClr val="dk1"/>
+    </dgm:linClrLst>
+    <dgm:effectClrLst/>
+    <dgm:txLinClrLst/>
+    <dgm:txFillClrLst meth="repeat">
+      <a:schemeClr val="lt1"/>
+    </dgm:txFillClrLst>
+    <dgm:txEffectClrLst/>
+  </dgm:styleLbl>
+  <dgm:styleLbl name="trBgShp">
+    <dgm:fillClrLst meth="repeat">
+      <a:schemeClr val="accent2">
+        <a:tint val="50000"/>
+        <a:alpha val="40000"/>
+      </a:schemeClr>
+    </dgm:fillClrLst>
+    <dgm:linClrLst meth="repeat">
+      <a:schemeClr val="accent3"/>
+    </dgm:linClrLst>
+    <dgm:effectClrLst/>
+    <dgm:txLinClrLst/>
+    <dgm:txFillClrLst meth="repeat">
+      <a:schemeClr val="lt1"/>
+    </dgm:txFillClrLst>
+    <dgm:txEffectClrLst/>
+  </dgm:styleLbl>
+  <dgm:styleLbl name="fgShp">
+    <dgm:fillClrLst meth="repeat">
+      <a:schemeClr val="accent3">
+        <a:tint val="40000"/>
+      </a:schemeClr>
+    </dgm:fillClrLst>
+    <dgm:linClrLst meth="repeat">
+      <a:schemeClr val="lt1"/>
+    </dgm:linClrLst>
+    <dgm:effectClrLst/>
+    <dgm:txLinClrLst/>
+    <dgm:txFillClrLst meth="repeat">
+      <a:schemeClr val="dk1"/>
+    </dgm:txFillClrLst>
+    <dgm:txEffectClrLst/>
+  </dgm:styleLbl>
+  <dgm:styleLbl name="revTx">
+    <dgm:fillClrLst meth="repeat">
+      <a:schemeClr val="lt1">
+        <a:alpha val="0"/>
+      </a:schemeClr>
+    </dgm:fillClrLst>
+    <dgm:linClrLst meth="repeat">
+      <a:schemeClr val="dk1">
+        <a:alpha val="0"/>
+      </a:schemeClr>
+    </dgm:linClrLst>
+    <dgm:effectClrLst/>
+    <dgm:txLinClrLst/>
+    <dgm:txFillClrLst meth="repeat">
+      <a:schemeClr val="tx1"/>
+    </dgm:txFillClrLst>
+    <dgm:txEffectClrLst/>
+  </dgm:styleLbl>
+</dgm:colorsDef>
+</file>
+
+<file path=ppt/diagrams/colors2.xml><?xml version="1.0" encoding="utf-8"?>
+<dgm:colorsDef xmlns:dgm="http://schemas.openxmlformats.org/drawingml/2006/diagram" xmlns:a="http://schemas.openxmlformats.org/drawingml/2006/main" uniqueId="urn:microsoft.com/office/officeart/2005/8/colors/colorful3">
+  <dgm:title val=""/>
+  <dgm:desc val=""/>
+  <dgm:catLst>
+    <dgm:cat type="colorful" pri="10300"/>
+  </dgm:catLst>
+  <dgm:styleLbl name="node0">
+    <dgm:fillClrLst meth="repeat">
+      <a:schemeClr val="accent2"/>
+    </dgm:fillClrLst>
+    <dgm:linClrLst meth="repeat">
+      <a:schemeClr val="lt1"/>
+    </dgm:linClrLst>
+    <dgm:effectClrLst/>
+    <dgm:txLinClrLst/>
+    <dgm:txFillClrLst/>
+    <dgm:txEffectClrLst/>
+  </dgm:styleLbl>
+  <dgm:styleLbl name="node1">
+    <dgm:fillClrLst>
+      <a:schemeClr val="accent3"/>
+      <a:schemeClr val="accent4"/>
+    </dgm:fillClrLst>
+    <dgm:linClrLst meth="repeat">
+      <a:schemeClr val="lt1"/>
+    </dgm:linClrLst>
+    <dgm:effectClrLst/>
+    <dgm:txLinClrLst/>
+    <dgm:txFillClrLst/>
+    <dgm:txEffectClrLst/>
+  </dgm:styleLbl>
+  <dgm:styleLbl name="alignNode1">
+    <dgm:fillClrLst>
+      <a:schemeClr val="accent3"/>
+      <a:schemeClr val="accent4"/>
+    </dgm:fillClrLst>
+    <dgm:linClrLst>
+      <a:schemeClr val="accent3"/>
+      <a:schemeClr val="accent4"/>
+    </dgm:linClrLst>
+    <dgm:effectClrLst/>
+    <dgm:txLinClrLst/>
+    <dgm:txFillClrLst/>
+    <dgm:txEffectClrLst/>
+  </dgm:styleLbl>
+  <dgm:styleLbl name="lnNode1">
+    <dgm:fillClrLst>
+      <a:schemeClr val="accent3"/>
+      <a:schemeClr val="accent4"/>
+    </dgm:fillClrLst>
+    <dgm:linClrLst meth="repeat">
+      <a:schemeClr val="lt1"/>
+    </dgm:linClrLst>
+    <dgm:effectClrLst/>
+    <dgm:txLinClrLst/>
+    <dgm:txFillClrLst/>
+    <dgm:txEffectClrLst/>
+  </dgm:styleLbl>
+  <dgm:styleLbl name="vennNode1">
+    <dgm:fillClrLst>
+      <a:schemeClr val="accent3">
+        <a:alpha val="50000"/>
+      </a:schemeClr>
+      <a:schemeClr val="accent4">
+        <a:alpha val="50000"/>
+      </a:schemeClr>
+    </dgm:fillClrLst>
+    <dgm:linClrLst meth="repeat">
+      <a:schemeClr val="lt1"/>
+    </dgm:linClrLst>
+    <dgm:effectClrLst/>
+    <dgm:txLinClrLst/>
+    <dgm:txFillClrLst/>
+    <dgm:txEffectClrLst/>
+  </dgm:styleLbl>
+  <dgm:styleLbl name="node2">
+    <dgm:fillClrLst>
+      <a:schemeClr val="accent4"/>
+    </dgm:fillClrLst>
+    <dgm:linClrLst meth="repeat">
+      <a:schemeClr val="lt1"/>
+    </dgm:linClrLst>
+    <dgm:effectClrLst/>
+    <dgm:txLinClrLst/>
+    <dgm:txFillClrLst/>
+    <dgm:txEffectClrLst/>
+  </dgm:styleLbl>
+  <dgm:styleLbl name="node3">
+    <dgm:fillClrLst>
+      <a:schemeClr val="accent5"/>
+    </dgm:fillClrLst>
+    <dgm:linClrLst meth="repeat">
+      <a:schemeClr val="lt1"/>
+    </dgm:linClrLst>
+    <dgm:effectClrLst/>
+    <dgm:txLinClrLst/>
+    <dgm:txFillClrLst/>
+    <dgm:txEffectClrLst/>
+  </dgm:styleLbl>
+  <dgm:styleLbl name="node4">
+    <dgm:fillClrLst>
+      <a:schemeClr val="accent6"/>
+    </dgm:fillClrLst>
+    <dgm:linClrLst meth="repeat">
+      <a:schemeClr val="lt1"/>
+    </dgm:linClrLst>
+    <dgm:effectClrLst/>
+    <dgm:txLinClrLst/>
+    <dgm:txFillClrLst/>
+    <dgm:txEffectClrLst/>
+  </dgm:styleLbl>
+  <dgm:styleLbl name="fgImgPlace1">
+    <dgm:fillClrLst>
+      <a:schemeClr val="accent3">
+        <a:tint val="50000"/>
+      </a:schemeClr>
+      <a:schemeClr val="accent4">
+        <a:tint val="50000"/>
+      </a:schemeClr>
+    </dgm:fillClrLst>
+    <dgm:linClrLst meth="repeat">
+      <a:schemeClr val="lt1"/>
+    </dgm:linClrLst>
+    <dgm:effectClrLst/>
+    <dgm:txLinClrLst/>
+    <dgm:txFillClrLst meth="repeat">
+      <a:schemeClr val="lt1"/>
+    </dgm:txFillClrLst>
+    <dgm:txEffectClrLst/>
+  </dgm:styleLbl>
+  <dgm:styleLbl name="alignImgPlace1">
+    <dgm:fillClrLst>
+      <a:schemeClr val="accent3">
+        <a:tint val="50000"/>
+      </a:schemeClr>
+      <a:schemeClr val="accent4">
+        <a:tint val="20000"/>
+      </a:schemeClr>
+    </dgm:fillClrLst>
+    <dgm:linClrLst meth="repeat">
+      <a:schemeClr val="lt1"/>
+    </dgm:linClrLst>
+    <dgm:effectClrLst/>
+    <dgm:txLinClrLst/>
+    <dgm:txFillClrLst meth="repeat">
+      <a:schemeClr val="lt1"/>
+    </dgm:txFillClrLst>
+    <dgm:txEffectClrLst/>
+  </dgm:styleLbl>
+  <dgm:styleLbl name="bgImgPlace1">
+    <dgm:fillClrLst>
+      <a:schemeClr val="accent3">
+        <a:tint val="50000"/>
+      </a:schemeClr>
+      <a:schemeClr val="accent4">
+        <a:tint val="20000"/>
+      </a:schemeClr>
+    </dgm:fillClrLst>
+    <dgm:linClrLst meth="repeat">
+      <a:schemeClr val="lt1"/>
+    </dgm:linClrLst>
+    <dgm:effectClrLst/>
+    <dgm:txLinClrLst/>
+    <dgm:txFillClrLst meth="repeat">
+      <a:schemeClr val="lt1"/>
+    </dgm:txFillClrLst>
+    <dgm:txEffectClrLst/>
+  </dgm:styleLbl>
+  <dgm:styleLbl name="sibTrans2D1">
+    <dgm:fillClrLst>
+      <a:schemeClr val="accent3"/>
+      <a:schemeClr val="accent4"/>
+    </dgm:fillClrLst>
+    <dgm:linClrLst meth="repeat">
+      <a:schemeClr val="lt1"/>
+    </dgm:linClrLst>
+    <dgm:effectClrLst/>
+    <dgm:txLinClrLst/>
+    <dgm:txFillClrLst/>
+    <dgm:txEffectClrLst/>
+  </dgm:styleLbl>
+  <dgm:styleLbl name="fgSibTrans2D1">
+    <dgm:fillClrLst>
+      <a:schemeClr val="accent3"/>
+      <a:schemeClr val="accent4"/>
+    </dgm:fillClrLst>
+    <dgm:linClrLst meth="repeat">
+      <a:schemeClr val="lt1"/>
+    </dgm:linClrLst>
+    <dgm:effectClrLst/>
+    <dgm:txLinClrLst/>
+    <dgm:txFillClrLst meth="repeat">
+      <a:schemeClr val="lt1"/>
+    </dgm:txFillClrLst>
+    <dgm:txEffectClrLst/>
+  </dgm:styleLbl>
+  <dgm:styleLbl name="bgSibTrans2D1">
+    <dgm:fillClrLst>
+      <a:schemeClr val="accent3"/>
+      <a:schemeClr val="accent4"/>
+    </dgm:fillClrLst>
+    <dgm:linClrLst meth="repeat">
+      <a:schemeClr val="lt1"/>
+    </dgm:linClrLst>
+    <dgm:effectClrLst/>
+    <dgm:txLinClrLst/>
+    <dgm:txFillClrLst meth="repeat">
+      <a:schemeClr val="lt1"/>
+    </dgm:txFillClrLst>
+    <dgm:txEffectClrLst/>
+  </dgm:styleLbl>
+  <dgm:styleLbl name="sibTrans1D1">
+    <dgm:fillClrLst/>
+    <dgm:linClrLst>
+      <a:schemeClr val="accent3"/>
+      <a:schemeClr val="accent4"/>
+    </dgm:linClrLst>
+    <dgm:effectClrLst/>
+    <dgm:txLinClrLst/>
+    <dgm:txFillClrLst meth="repeat">
+      <a:schemeClr val="tx1"/>
+    </dgm:txFillClrLst>
+    <dgm:txEffectClrLst/>
+  </dgm:styleLbl>
+  <dgm:styleLbl name="callout">
+    <dgm:fillClrLst meth="repeat">
+      <a:schemeClr val="accent3"/>
+    </dgm:fillClrLst>
+    <dgm:linClrLst meth="repeat">
+      <a:schemeClr val="accent3">
+        <a:tint val="50000"/>
+      </a:schemeClr>
+    </dgm:linClrLst>
+    <dgm:effectClrLst/>
+    <dgm:txLinClrLst/>
+    <dgm:txFillClrLst meth="repeat">
+      <a:schemeClr val="tx1"/>
+    </dgm:txFillClrLst>
+    <dgm:txEffectClrLst/>
+  </dgm:styleLbl>
+  <dgm:styleLbl name="asst0">
+    <dgm:fillClrLst meth="repeat">
+      <a:schemeClr val="accent3"/>
+    </dgm:fillClrLst>
+    <dgm:linClrLst meth="repeat">
+      <a:schemeClr val="lt1">
+        <a:shade val="80000"/>
+      </a:schemeClr>
+    </dgm:linClrLst>
+    <dgm:effectClrLst/>
+    <dgm:txLinClrLst/>
+    <dgm:txFillClrLst/>
+    <dgm:txEffectClrLst/>
+  </dgm:styleLbl>
+  <dgm:styleLbl name="asst1">
+    <dgm:fillClrLst meth="repeat">
+      <a:schemeClr val="accent4"/>
+    </dgm:fillClrLst>
+    <dgm:linClrLst meth="repeat">
+      <a:schemeClr val="lt1">
+        <a:shade val="80000"/>
+      </a:schemeClr>
+    </dgm:linClrLst>
+    <dgm:effectClrLst/>
+    <dgm:txLinClrLst/>
+    <dgm:txFillClrLst/>
+    <dgm:txEffectClrLst/>
+  </dgm:styleLbl>
+  <dgm:styleLbl name="asst2">
+    <dgm:fillClrLst>
+      <a:schemeClr val="accent5"/>
+    </dgm:fillClrLst>
+    <dgm:linClrLst meth="repeat">
+      <a:schemeClr val="lt1"/>
+    </dgm:linClrLst>
+    <dgm:effectClrLst/>
+    <dgm:txLinClrLst/>
+    <dgm:txFillClrLst/>
+    <dgm:txEffectClrLst/>
+  </dgm:styleLbl>
+  <dgm:styleLbl name="asst3">
+    <dgm:fillClrLst>
+      <a:schemeClr val="accent6"/>
+    </dgm:fillClrLst>
+    <dgm:linClrLst meth="repeat">
+      <a:schemeClr val="lt1"/>
+    </dgm:linClrLst>
+    <dgm:effectClrLst/>
+    <dgm:txLinClrLst/>
+    <dgm:txFillClrLst/>
+    <dgm:txEffectClrLst/>
+  </dgm:styleLbl>
+  <dgm:styleLbl name="asst4">
+    <dgm:fillClrLst>
+      <a:schemeClr val="accent1"/>
+    </dgm:fillClrLst>
+    <dgm:linClrLst meth="repeat">
+      <a:schemeClr val="lt1"/>
+    </dgm:linClrLst>
+    <dgm:effectClrLst/>
+    <dgm:txLinClrLst/>
+    <dgm:txFillClrLst/>
+    <dgm:txEffectClrLst/>
+  </dgm:styleLbl>
+  <dgm:styleLbl name="parChTrans2D1">
+    <dgm:fillClrLst meth="repeat">
+      <a:schemeClr val="accent2"/>
+    </dgm:fillClrLst>
+    <dgm:linClrLst meth="repeat">
+      <a:schemeClr val="lt1"/>
+    </dgm:linClrLst>
+    <dgm:effectClrLst/>
+    <dgm:txLinClrLst/>
+    <dgm:txFillClrLst meth="repeat">
+      <a:schemeClr val="lt1"/>
+    </dgm:txFillClrLst>
+    <dgm:txEffectClrLst/>
+  </dgm:styleLbl>
+  <dgm:styleLbl name="parChTrans2D2">
+    <dgm:fillClrLst meth="repeat">
+      <a:schemeClr val="accent3"/>
+    </dgm:fillClrLst>
+    <dgm:linClrLst meth="repeat">
+      <a:schemeClr val="lt1"/>
+    </dgm:linClrLst>
+    <dgm:effectClrLst/>
+    <dgm:txLinClrLst/>
+    <dgm:txFillClrLst/>
+    <dgm:txEffectClrLst/>
+  </dgm:styleLbl>
+  <dgm:styleLbl name="parChTrans2D3">
+    <dgm:fillClrLst meth="repeat">
+      <a:schemeClr val="accent4"/>
+    </dgm:fillClrLst>
+    <dgm:linClrLst meth="repeat">
+      <a:schemeClr val="lt1"/>
+    </dgm:linClrLst>
+    <dgm:effectClrLst/>
+    <dgm:txLinClrLst/>
+    <dgm:txFillClrLst/>
+    <dgm:txEffectClrLst/>
+  </dgm:styleLbl>
+  <dgm:styleLbl name="parChTrans2D4">
+    <dgm:fillClrLst meth="repeat">
+      <a:schemeClr val="accent5"/>
+    </dgm:fillClrLst>
+    <dgm:linClrLst meth="repeat">
+      <a:schemeClr val="lt1"/>
+    </dgm:linClrLst>
+    <dgm:effectClrLst/>
+    <dgm:txLinClrLst/>
+    <dgm:txFillClrLst meth="repeat">
+      <a:schemeClr val="lt1"/>
+    </dgm:txFillClrLst>
+    <dgm:txEffectClrLst/>
+  </dgm:styleLbl>
+  <dgm:styleLbl name="parChTrans1D1">
+    <dgm:fillClrLst meth="repeat">
+      <a:schemeClr val="accent3"/>
+    </dgm:fillClrLst>
+    <dgm:linClrLst meth="repeat">
+      <a:schemeClr val="accent3"/>
+    </dgm:linClrLst>
+    <dgm:effectClrLst/>
+    <dgm:txLinClrLst/>
+    <dgm:txFillClrLst meth="repeat">
+      <a:schemeClr val="tx1"/>
+    </dgm:txFillClrLst>
+    <dgm:txEffectClrLst/>
+  </dgm:styleLbl>
+  <dgm:styleLbl name="parChTrans1D2">
+    <dgm:fillClrLst meth="repeat">
+      <a:schemeClr val="accent2">
+        <a:tint val="90000"/>
+      </a:schemeClr>
+    </dgm:fillClrLst>
+    <dgm:linClrLst meth="repeat">
+      <a:schemeClr val="accent4"/>
+    </dgm:linClrLst>
+    <dgm:effectClrLst/>
+    <dgm:txLinClrLst/>
+    <dgm:txFillClrLst meth="repeat">
+      <a:schemeClr val="tx1"/>
+    </dgm:txFillClrLst>
+    <dgm:txEffectClrLst/>
+  </dgm:styleLbl>
+  <dgm:styleLbl name="parChTrans1D3">
+    <dgm:fillClrLst meth="repeat">
+      <a:schemeClr val="accent2">
+        <a:tint val="70000"/>
+      </a:schemeClr>
+    </dgm:fillClrLst>
+    <dgm:linClrLst meth="repeat">
+      <a:schemeClr val="accent5"/>
+    </dgm:linClrLst>
+    <dgm:effectClrLst/>
+    <dgm:txLinClrLst/>
+    <dgm:txFillClrLst meth="repeat">
+      <a:schemeClr val="tx1"/>
+    </dgm:txFillClrLst>
+    <dgm:txEffectClrLst/>
+  </dgm:styleLbl>
+  <dgm:styleLbl name="parChTrans1D4">
+    <dgm:fillClrLst meth="repeat">
+      <a:schemeClr val="accent6">
+        <a:tint val="50000"/>
+      </a:schemeClr>
+    </dgm:fillClrLst>
+    <dgm:linClrLst meth="repeat">
+      <a:schemeClr val="accent6"/>
+    </dgm:linClrLst>
+    <dgm:effectClrLst/>
+    <dgm:txLinClrLst/>
+    <dgm:txFillClrLst meth="repeat">
+      <a:schemeClr val="tx1"/>
+    </dgm:txFillClrLst>
+    <dgm:txEffectClrLst/>
+  </dgm:styleLbl>
+  <dgm:styleLbl name="fgAcc1">
+    <dgm:fillClrLst meth="repeat">
+      <a:schemeClr val="lt1">
+        <a:alpha val="90000"/>
+      </a:schemeClr>
+    </dgm:fillClrLst>
+    <dgm:linClrLst>
+      <a:schemeClr val="accent3"/>
+      <a:schemeClr val="accent4"/>
+    </dgm:linClrLst>
+    <dgm:effectClrLst/>
+    <dgm:txLinClrLst/>
+    <dgm:txFillClrLst meth="repeat">
+      <a:schemeClr val="dk1"/>
+    </dgm:txFillClrLst>
+    <dgm:txEffectClrLst/>
+  </dgm:styleLbl>
+  <dgm:styleLbl name="conFgAcc1">
+    <dgm:fillClrLst meth="repeat">
+      <a:schemeClr val="lt1">
+        <a:alpha val="90000"/>
+      </a:schemeClr>
+    </dgm:fillClrLst>
+    <dgm:linClrLst>
+      <a:schemeClr val="accent3"/>
+      <a:schemeClr val="accent4"/>
+    </dgm:linClrLst>
+    <dgm:effectClrLst/>
+    <dgm:txLinClrLst/>
+    <dgm:txFillClrLst meth="repeat">
+      <a:schemeClr val="dk1"/>
+    </dgm:txFillClrLst>
+    <dgm:txEffectClrLst/>
+  </dgm:styleLbl>
+  <dgm:styleLbl name="alignAcc1">
+    <dgm:fillClrLst meth="repeat">
+      <a:schemeClr val="lt1">
+        <a:alpha val="90000"/>
+      </a:schemeClr>
+    </dgm:fillClrLst>
+    <dgm:linClrLst>
+      <a:schemeClr val="accent3"/>
+      <a:schemeClr val="accent4"/>
+    </dgm:linClrLst>
+    <dgm:effectClrLst/>
+    <dgm:txLinClrLst/>
+    <dgm:txFillClrLst meth="repeat">
+      <a:schemeClr val="dk1"/>
+    </dgm:txFillClrLst>
+    <dgm:txEffectClrLst/>
+  </dgm:styleLbl>
+  <dgm:styleLbl name="trAlignAcc1">
+    <dgm:fillClrLst meth="repeat">
+      <a:schemeClr val="lt1">
+        <a:alpha val="40000"/>
+      </a:schemeClr>
+    </dgm:fillClrLst>
+    <dgm:linClrLst meth="repeat">
+      <a:schemeClr val="accent2"/>
+    </dgm:linClrLst>
+    <dgm:effectClrLst/>
+    <dgm:txLinClrLst/>
+    <dgm:txFillClrLst meth="repeat">
+      <a:schemeClr val="dk1"/>
+    </dgm:txFillClrLst>
+    <dgm:txEffectClrLst/>
+  </dgm:styleLbl>
+  <dgm:styleLbl name="bgAcc1">
+    <dgm:fillClrLst meth="repeat">
+      <a:schemeClr val="lt1">
+        <a:alpha val="90000"/>
+      </a:schemeClr>
+    </dgm:fillClrLst>
+    <dgm:linClrLst>
+      <a:schemeClr val="accent3"/>
+      <a:schemeClr val="accent4"/>
+    </dgm:linClrLst>
+    <dgm:effectClrLst/>
+    <dgm:txLinClrLst/>
+    <dgm:txFillClrLst meth="repeat">
+      <a:schemeClr val="dk1"/>
+    </dgm:txFillClrLst>
+    <dgm:txEffectClrLst/>
+  </dgm:styleLbl>
+  <dgm:styleLbl name="solidFgAcc1">
+    <dgm:fillClrLst meth="repeat">
+      <a:schemeClr val="lt1"/>
+    </dgm:fillClrLst>
+    <dgm:linClrLst>
+      <a:schemeClr val="accent3"/>
+      <a:schemeClr val="accent4"/>
+    </dgm:linClrLst>
+    <dgm:effectClrLst/>
+    <dgm:txLinClrLst/>
+    <dgm:txFillClrLst meth="repeat">
+      <a:schemeClr val="dk1"/>
+    </dgm:txFillClrLst>
+    <dgm:txEffectClrLst/>
+  </dgm:styleLbl>
+  <dgm:styleLbl name="solidAlignAcc1">
+    <dgm:fillClrLst meth="repeat">
+      <a:schemeClr val="lt1"/>
+    </dgm:fillClrLst>
+    <dgm:linClrLst>
+      <a:schemeClr val="accent3"/>
+      <a:schemeClr val="accent4"/>
+    </dgm:linClrLst>
+    <dgm:effectClrLst/>
+    <dgm:txLinClrLst/>
+    <dgm:txFillClrLst meth="repeat">
+      <a:schemeClr val="dk1"/>
+    </dgm:txFillClrLst>
+    <dgm:txEffectClrLst/>
+  </dgm:styleLbl>
+  <dgm:styleLbl name="solidBgAcc1">
+    <dgm:fillClrLst meth="repeat">
+      <a:schemeClr val="lt1"/>
+    </dgm:fillClrLst>
+    <dgm:linClrLst>
+      <a:schemeClr val="accent3"/>
+      <a:schemeClr val="accent4"/>
+    </dgm:linClrLst>
+    <dgm:effectClrLst/>
+    <dgm:txLinClrLst/>
+    <dgm:txFillClrLst meth="repeat">
+      <a:schemeClr val="dk1"/>
+    </dgm:txFillClrLst>
+    <dgm:txEffectClrLst/>
+  </dgm:styleLbl>
+  <dgm:styleLbl name="fgAccFollowNode1">
+    <dgm:fillClrLst>
+      <a:schemeClr val="accent3">
+        <a:tint val="40000"/>
+        <a:alpha val="90000"/>
+      </a:schemeClr>
+      <a:schemeClr val="accent4">
+        <a:tint val="40000"/>
+        <a:alpha val="90000"/>
+      </a:schemeClr>
+    </dgm:fillClrLst>
+    <dgm:linClrLst>
+      <a:schemeClr val="accent3">
+        <a:tint val="40000"/>
+        <a:alpha val="90000"/>
+      </a:schemeClr>
+      <a:schemeClr val="accent4">
+        <a:tint val="40000"/>
+        <a:alpha val="90000"/>
+      </a:schemeClr>
+    </dgm:linClrLst>
+    <dgm:effectClrLst/>
+    <dgm:txLinClrLst/>
+    <dgm:txFillClrLst meth="repeat">
+      <a:schemeClr val="dk1"/>
+    </dgm:txFillClrLst>
+    <dgm:txEffectClrLst/>
+  </dgm:styleLbl>
+  <dgm:styleLbl name="alignAccFollowNode1">
+    <dgm:fillClrLst>
+      <a:schemeClr val="accent3">
+        <a:tint val="40000"/>
+        <a:alpha val="90000"/>
+      </a:schemeClr>
+      <a:schemeClr val="accent4">
+        <a:tint val="40000"/>
+        <a:alpha val="90000"/>
+      </a:schemeClr>
+    </dgm:fillClrLst>
+    <dgm:linClrLst>
+      <a:schemeClr val="accent3">
+        <a:tint val="40000"/>
+        <a:alpha val="90000"/>
+      </a:schemeClr>
+      <a:schemeClr val="accent4">
+        <a:tint val="40000"/>
+        <a:alpha val="90000"/>
+      </a:schemeClr>
+    </dgm:linClrLst>
+    <dgm:effectClrLst/>
+    <dgm:txLinClrLst/>
+    <dgm:txFillClrLst meth="repeat">
+      <a:schemeClr val="dk1"/>
+    </dgm:txFillClrLst>
+    <dgm:txEffectClrLst/>
+  </dgm:styleLbl>
+  <dgm:styleLbl name="bgAccFollowNode1">
+    <dgm:fillClrLst>
+      <a:schemeClr val="accent3">
+        <a:tint val="40000"/>
+        <a:alpha val="90000"/>
+      </a:schemeClr>
+      <a:schemeClr val="accent4">
+        <a:tint val="40000"/>
+        <a:alpha val="90000"/>
+      </a:schemeClr>
+    </dgm:fillClrLst>
+    <dgm:linClrLst>
+      <a:schemeClr val="accent3">
+        <a:tint val="40000"/>
+        <a:alpha val="90000"/>
+      </a:schemeClr>
+      <a:schemeClr val="accent4">
+        <a:tint val="40000"/>
+        <a:alpha val="90000"/>
+      </a:schemeClr>
+    </dgm:linClrLst>
+    <dgm:effectClrLst/>
+    <dgm:txLinClrLst/>
+    <dgm:txFillClrLst meth="repeat">
+      <a:schemeClr val="dk1"/>
+    </dgm:txFillClrLst>
+    <dgm:txEffectClrLst/>
+  </dgm:styleLbl>
+  <dgm:styleLbl name="fgAcc0">
+    <dgm:fillClrLst meth="repeat">
+      <a:schemeClr val="lt1">
+        <a:alpha val="90000"/>
+      </a:schemeClr>
+    </dgm:fillClrLst>
+    <dgm:linClrLst>
+      <a:schemeClr val="accent2"/>
+    </dgm:linClrLst>
+    <dgm:effectClrLst/>
+    <dgm:txLinClrLst/>
+    <dgm:txFillClrLst meth="repeat">
+      <a:schemeClr val="dk1"/>
+    </dgm:txFillClrLst>
+    <dgm:txEffectClrLst/>
+  </dgm:styleLbl>
+  <dgm:styleLbl name="fgAcc2">
+    <dgm:fillClrLst meth="repeat">
+      <a:schemeClr val="lt1">
+        <a:alpha val="90000"/>
+      </a:schemeClr>
+    </dgm:fillClrLst>
+    <dgm:linClrLst>
+      <a:schemeClr val="accent4"/>
+    </dgm:linClrLst>
+    <dgm:effectClrLst/>
+    <dgm:txLinClrLst/>
+    <dgm:txFillClrLst meth="repeat">
+      <a:schemeClr val="dk1"/>
+    </dgm:txFillClrLst>
+    <dgm:txEffectClrLst/>
+  </dgm:styleLbl>
+  <dgm:styleLbl name="fgAcc3">
+    <dgm:fillClrLst meth="repeat">
+      <a:schemeClr val="lt1">
+        <a:alpha val="90000"/>
+      </a:schemeClr>
+    </dgm:fillClrLst>
+    <dgm:linClrLst>
+      <a:schemeClr val="accent5"/>
+    </dgm:linClrLst>
+    <dgm:effectClrLst/>
+    <dgm:txLinClrLst/>
+    <dgm:txFillClrLst meth="repeat">
+      <a:schemeClr val="dk1"/>
+    </dgm:txFillClrLst>
+    <dgm:txEffectClrLst/>
+  </dgm:styleLbl>
+  <dgm:styleLbl name="fgAcc4">
+    <dgm:fillClrLst meth="repeat">
+      <a:schemeClr val="lt1">
+        <a:alpha val="90000"/>
+      </a:schemeClr>
+    </dgm:fillClrLst>
+    <dgm:linClrLst>
+      <a:schemeClr val="accent6"/>
+    </dgm:linClrLst>
+    <dgm:effectClrLst/>
+    <dgm:txLinClrLst/>
+    <dgm:txFillClrLst meth="repeat">
+      <a:schemeClr val="dk1"/>
+    </dgm:txFillClrLst>
+    <dgm:txEffectClrLst/>
+  </dgm:styleLbl>
+  <dgm:styleLbl name="bgShp">
+    <dgm:fillClrLst meth="repeat">
+      <a:schemeClr val="accent3">
+        <a:tint val="40000"/>
+      </a:schemeClr>
+    </dgm:fillClrLst>
+    <dgm:linClrLst meth="repeat">
+      <a:schemeClr val="dk1"/>
+    </dgm:linClrLst>
+    <dgm:effectClrLst/>
+    <dgm:txLinClrLst/>
+    <dgm:txFillClrLst meth="repeat">
+      <a:schemeClr val="dk1"/>
+    </dgm:txFillClrLst>
+    <dgm:txEffectClrLst/>
+  </dgm:styleLbl>
+  <dgm:styleLbl name="dkBgShp">
+    <dgm:fillClrLst meth="repeat">
+      <a:schemeClr val="accent3">
+        <a:shade val="90000"/>
+      </a:schemeClr>
+    </dgm:fillClrLst>
+    <dgm:linClrLst meth="repeat">
+      <a:schemeClr val="dk1"/>
+    </dgm:linClrLst>
+    <dgm:effectClrLst/>
+    <dgm:txLinClrLst/>
+    <dgm:txFillClrLst meth="repeat">
+      <a:schemeClr val="lt1"/>
+    </dgm:txFillClrLst>
+    <dgm:txEffectClrLst/>
+  </dgm:styleLbl>
+  <dgm:styleLbl name="trBgShp">
+    <dgm:fillClrLst meth="repeat">
+      <a:schemeClr val="accent2">
+        <a:tint val="50000"/>
+        <a:alpha val="40000"/>
+      </a:schemeClr>
+    </dgm:fillClrLst>
+    <dgm:linClrLst meth="repeat">
+      <a:schemeClr val="accent3"/>
+    </dgm:linClrLst>
+    <dgm:effectClrLst/>
+    <dgm:txLinClrLst/>
+    <dgm:txFillClrLst meth="repeat">
+      <a:schemeClr val="lt1"/>
+    </dgm:txFillClrLst>
+    <dgm:txEffectClrLst/>
+  </dgm:styleLbl>
+  <dgm:styleLbl name="fgShp">
+    <dgm:fillClrLst meth="repeat">
+      <a:schemeClr val="accent3">
+        <a:tint val="40000"/>
+      </a:schemeClr>
+    </dgm:fillClrLst>
+    <dgm:linClrLst meth="repeat">
+      <a:schemeClr val="lt1"/>
+    </dgm:linClrLst>
+    <dgm:effectClrLst/>
+    <dgm:txLinClrLst/>
+    <dgm:txFillClrLst meth="repeat">
+      <a:schemeClr val="dk1"/>
+    </dgm:txFillClrLst>
+    <dgm:txEffectClrLst/>
+  </dgm:styleLbl>
+  <dgm:styleLbl name="revTx">
+    <dgm:fillClrLst meth="repeat">
+      <a:schemeClr val="lt1">
+        <a:alpha val="0"/>
+      </a:schemeClr>
+    </dgm:fillClrLst>
+    <dgm:linClrLst meth="repeat">
+      <a:schemeClr val="dk1">
+        <a:alpha val="0"/>
+      </a:schemeClr>
+    </dgm:linClrLst>
+    <dgm:effectClrLst/>
+    <dgm:txLinClrLst/>
+    <dgm:txFillClrLst meth="repeat">
+      <a:schemeClr val="tx1"/>
+    </dgm:txFillClrLst>
+    <dgm:txEffectClrLst/>
+  </dgm:styleLbl>
+</dgm:colorsDef>
+</file>
+
+<file path=ppt/diagrams/data1.xml><?xml version="1.0" encoding="utf-8"?>
+<dgm:dataModel xmlns:dgm="http://schemas.openxmlformats.org/drawingml/2006/diagram" xmlns:a="http://schemas.openxmlformats.org/drawingml/2006/main">
+  <dgm:ptLst>
+    <dgm:pt modelId="{1B15D479-DE67-4D27-9D48-CC846C1897C0}" type="doc">
+      <dgm:prSet loTypeId="urn:microsoft.com/office/officeart/2016/7/layout/LinearBlockProcessNumbered" loCatId="process" qsTypeId="urn:microsoft.com/office/officeart/2005/8/quickstyle/simple1" qsCatId="simple" csTypeId="urn:microsoft.com/office/officeart/2005/8/colors/colorful3" csCatId="colorful" phldr="1"/>
+      <dgm:spPr/>
+      <dgm:t>
+        <a:bodyPr/>
+        <a:lstStyle/>
+        <a:p>
+          <a:endParaRPr lang="en-US"/>
+        </a:p>
+      </dgm:t>
+    </dgm:pt>
+    <dgm:pt modelId="{77159664-E595-4029-83DA-32920C896328}">
+      <dgm:prSet/>
+      <dgm:spPr/>
+      <dgm:t>
+        <a:bodyPr/>
+        <a:lstStyle/>
+        <a:p>
+          <a:r>
+            <a:rPr lang="en-US" dirty="0">
+              <a:solidFill>
+                <a:schemeClr val="bg2"/>
+              </a:solidFill>
+            </a:rPr>
+            <a:t>To be used as a visitor counter</a:t>
+          </a:r>
+          <a:endParaRPr lang="en-US" dirty="0">
+            <a:solidFill>
+              <a:schemeClr val="bg2"/>
+            </a:solidFill>
+          </a:endParaRPr>
+        </a:p>
+      </dgm:t>
+    </dgm:pt>
+    <dgm:pt modelId="{30F47EDA-7556-440E-AFB9-B421EC7386DB}" type="parTrans" cxnId="{F37F8FA0-0554-4333-ABF3-D50C9A0FB483}">
+      <dgm:prSet/>
+      <dgm:spPr/>
+      <dgm:t>
+        <a:bodyPr/>
+        <a:lstStyle/>
+        <a:p>
+          <a:endParaRPr lang="en-US"/>
+        </a:p>
+      </dgm:t>
+    </dgm:pt>
+    <dgm:pt modelId="{307D87AB-5A14-4DF6-99F6-338FFB8D9307}" type="sibTrans" cxnId="{F37F8FA0-0554-4333-ABF3-D50C9A0FB483}">
+      <dgm:prSet phldrT="01" phldr="0"/>
+      <dgm:spPr/>
+      <dgm:t>
+        <a:bodyPr/>
+        <a:lstStyle/>
+        <a:p>
+          <a:r>
+            <a:rPr lang="en-US"/>
+            <a:t>01</a:t>
+          </a:r>
+        </a:p>
+      </dgm:t>
+    </dgm:pt>
+    <dgm:pt modelId="{DF0B02FD-F1E6-4495-BF2D-DDFE4D10FD09}">
+      <dgm:prSet/>
+      <dgm:spPr/>
+      <dgm:t>
+        <a:bodyPr/>
+        <a:lstStyle/>
+        <a:p>
+          <a:r>
+            <a:rPr lang="en-US" dirty="0">
+              <a:solidFill>
+                <a:schemeClr val="bg2"/>
+              </a:solidFill>
+            </a:rPr>
+            <a:t>To be used as a storage of  names of people enters in a room</a:t>
+          </a:r>
+          <a:endParaRPr lang="en-US" dirty="0">
+            <a:solidFill>
+              <a:schemeClr val="bg2"/>
+            </a:solidFill>
+          </a:endParaRPr>
+        </a:p>
+      </dgm:t>
+    </dgm:pt>
+    <dgm:pt modelId="{77D59F16-0455-4FCB-8668-E4A70E241D3F}" type="parTrans" cxnId="{927AC9D0-3DAC-4269-8619-7CB65E51ECB2}">
+      <dgm:prSet/>
+      <dgm:spPr/>
+      <dgm:t>
+        <a:bodyPr/>
+        <a:lstStyle/>
+        <a:p>
+          <a:endParaRPr lang="en-US"/>
+        </a:p>
+      </dgm:t>
+    </dgm:pt>
+    <dgm:pt modelId="{ABABC2F6-6807-46FA-9EC6-C425901C4F9D}" type="sibTrans" cxnId="{927AC9D0-3DAC-4269-8619-7CB65E51ECB2}">
+      <dgm:prSet phldrT="02" phldr="0"/>
+      <dgm:spPr/>
+      <dgm:t>
+        <a:bodyPr/>
+        <a:lstStyle/>
+        <a:p>
+          <a:r>
+            <a:rPr lang="en-US"/>
+            <a:t>02</a:t>
+          </a:r>
+        </a:p>
+      </dgm:t>
+    </dgm:pt>
+    <dgm:pt modelId="{F3B6E74C-B191-4AB3-841D-8D6738AAEA4A}">
+      <dgm:prSet/>
+      <dgm:spPr/>
+      <dgm:t>
+        <a:bodyPr/>
+        <a:lstStyle/>
+        <a:p>
+          <a:r>
+            <a:rPr lang="en-US" dirty="0">
+              <a:solidFill>
+                <a:schemeClr val="bg2"/>
+              </a:solidFill>
+            </a:rPr>
+            <a:t>To track name or Id number of RFID</a:t>
+          </a:r>
+          <a:endParaRPr lang="en-US" dirty="0">
+            <a:solidFill>
+              <a:schemeClr val="bg2"/>
+            </a:solidFill>
+          </a:endParaRPr>
+        </a:p>
+      </dgm:t>
+    </dgm:pt>
+    <dgm:pt modelId="{13F3BD27-416A-4858-8427-73472164B801}" type="parTrans" cxnId="{0ED17418-5EE9-4F66-BD52-5850558B661B}">
+      <dgm:prSet/>
+      <dgm:spPr/>
+      <dgm:t>
+        <a:bodyPr/>
+        <a:lstStyle/>
+        <a:p>
+          <a:endParaRPr lang="en-US"/>
+        </a:p>
+      </dgm:t>
+    </dgm:pt>
+    <dgm:pt modelId="{D367024C-C247-4D20-B50F-B819E84DB1B0}" type="sibTrans" cxnId="{0ED17418-5EE9-4F66-BD52-5850558B661B}">
+      <dgm:prSet phldrT="03" phldr="0"/>
+      <dgm:spPr/>
+      <dgm:t>
+        <a:bodyPr/>
+        <a:lstStyle/>
+        <a:p>
+          <a:r>
+            <a:rPr lang="en-US"/>
+            <a:t>03</a:t>
+          </a:r>
+        </a:p>
+      </dgm:t>
+    </dgm:pt>
+    <dgm:pt modelId="{EEE2DC74-5603-4757-A2B4-E69456838C5B}" type="pres">
+      <dgm:prSet presAssocID="{1B15D479-DE67-4D27-9D48-CC846C1897C0}" presName="Name0" presStyleCnt="0">
+        <dgm:presLayoutVars>
+          <dgm:animLvl val="lvl"/>
+          <dgm:resizeHandles val="exact"/>
+        </dgm:presLayoutVars>
+      </dgm:prSet>
+      <dgm:spPr/>
+    </dgm:pt>
+    <dgm:pt modelId="{6121A423-9829-43F0-9D57-88A45430F8FA}" type="pres">
+      <dgm:prSet presAssocID="{77159664-E595-4029-83DA-32920C896328}" presName="compositeNode" presStyleCnt="0">
+        <dgm:presLayoutVars>
+          <dgm:bulletEnabled val="1"/>
+        </dgm:presLayoutVars>
+      </dgm:prSet>
+      <dgm:spPr/>
+    </dgm:pt>
+    <dgm:pt modelId="{9153CDCD-CD37-4EC9-816E-62588B6168EA}" type="pres">
+      <dgm:prSet presAssocID="{77159664-E595-4029-83DA-32920C896328}" presName="bgRect" presStyleLbl="alignNode1" presStyleIdx="0" presStyleCnt="3"/>
+      <dgm:spPr/>
+    </dgm:pt>
+    <dgm:pt modelId="{4AD0DE4C-BB27-4775-86D4-E8597C07928B}" type="pres">
+      <dgm:prSet presAssocID="{307D87AB-5A14-4DF6-99F6-338FFB8D9307}" presName="sibTransNodeRect" presStyleLbl="alignNode1" presStyleIdx="0" presStyleCnt="3">
+        <dgm:presLayoutVars>
+          <dgm:chMax val="0"/>
+          <dgm:bulletEnabled val="1"/>
+        </dgm:presLayoutVars>
+      </dgm:prSet>
+      <dgm:spPr/>
+    </dgm:pt>
+    <dgm:pt modelId="{FE8F07A0-EBC0-4735-92CA-928CA890E512}" type="pres">
+      <dgm:prSet presAssocID="{77159664-E595-4029-83DA-32920C896328}" presName="nodeRect" presStyleLbl="alignNode1" presStyleIdx="0" presStyleCnt="3">
+        <dgm:presLayoutVars>
+          <dgm:bulletEnabled val="1"/>
+        </dgm:presLayoutVars>
+      </dgm:prSet>
+      <dgm:spPr/>
+    </dgm:pt>
+    <dgm:pt modelId="{403363C1-201D-4CD9-9686-EB49B72353F9}" type="pres">
+      <dgm:prSet presAssocID="{307D87AB-5A14-4DF6-99F6-338FFB8D9307}" presName="sibTrans" presStyleCnt="0"/>
+      <dgm:spPr/>
+    </dgm:pt>
+    <dgm:pt modelId="{8CDB7C06-3420-4142-950C-639D3DF62DDA}" type="pres">
+      <dgm:prSet presAssocID="{DF0B02FD-F1E6-4495-BF2D-DDFE4D10FD09}" presName="compositeNode" presStyleCnt="0">
+        <dgm:presLayoutVars>
+          <dgm:bulletEnabled val="1"/>
+        </dgm:presLayoutVars>
+      </dgm:prSet>
+      <dgm:spPr/>
+    </dgm:pt>
+    <dgm:pt modelId="{1221DF1D-C02C-4479-9094-38F6B18A3BB6}" type="pres">
+      <dgm:prSet presAssocID="{DF0B02FD-F1E6-4495-BF2D-DDFE4D10FD09}" presName="bgRect" presStyleLbl="alignNode1" presStyleIdx="1" presStyleCnt="3"/>
+      <dgm:spPr/>
+    </dgm:pt>
+    <dgm:pt modelId="{D68DB2CD-877E-4F24-822F-715DE3E73E6A}" type="pres">
+      <dgm:prSet presAssocID="{ABABC2F6-6807-46FA-9EC6-C425901C4F9D}" presName="sibTransNodeRect" presStyleLbl="alignNode1" presStyleIdx="1" presStyleCnt="3">
+        <dgm:presLayoutVars>
+          <dgm:chMax val="0"/>
+          <dgm:bulletEnabled val="1"/>
+        </dgm:presLayoutVars>
+      </dgm:prSet>
+      <dgm:spPr/>
+    </dgm:pt>
+    <dgm:pt modelId="{85244E88-E6DD-4F8B-8102-A76C4A6589DB}" type="pres">
+      <dgm:prSet presAssocID="{DF0B02FD-F1E6-4495-BF2D-DDFE4D10FD09}" presName="nodeRect" presStyleLbl="alignNode1" presStyleIdx="1" presStyleCnt="3">
+        <dgm:presLayoutVars>
+          <dgm:bulletEnabled val="1"/>
+        </dgm:presLayoutVars>
+      </dgm:prSet>
+      <dgm:spPr/>
+    </dgm:pt>
+    <dgm:pt modelId="{C88DAA97-E413-469C-B566-5C29DC51DEE3}" type="pres">
+      <dgm:prSet presAssocID="{ABABC2F6-6807-46FA-9EC6-C425901C4F9D}" presName="sibTrans" presStyleCnt="0"/>
+      <dgm:spPr/>
+    </dgm:pt>
+    <dgm:pt modelId="{848D444D-0340-47F4-8A78-01CF276370B7}" type="pres">
+      <dgm:prSet presAssocID="{F3B6E74C-B191-4AB3-841D-8D6738AAEA4A}" presName="compositeNode" presStyleCnt="0">
+        <dgm:presLayoutVars>
+          <dgm:bulletEnabled val="1"/>
+        </dgm:presLayoutVars>
+      </dgm:prSet>
+      <dgm:spPr/>
+    </dgm:pt>
+    <dgm:pt modelId="{ED839BE7-2BBD-41FE-9016-7EA82267D987}" type="pres">
+      <dgm:prSet presAssocID="{F3B6E74C-B191-4AB3-841D-8D6738AAEA4A}" presName="bgRect" presStyleLbl="alignNode1" presStyleIdx="2" presStyleCnt="3"/>
+      <dgm:spPr/>
+    </dgm:pt>
+    <dgm:pt modelId="{72A3058D-6C80-4CD9-9220-21564479D13D}" type="pres">
+      <dgm:prSet presAssocID="{D367024C-C247-4D20-B50F-B819E84DB1B0}" presName="sibTransNodeRect" presStyleLbl="alignNode1" presStyleIdx="2" presStyleCnt="3">
+        <dgm:presLayoutVars>
+          <dgm:chMax val="0"/>
+          <dgm:bulletEnabled val="1"/>
+        </dgm:presLayoutVars>
+      </dgm:prSet>
+      <dgm:spPr/>
+    </dgm:pt>
+    <dgm:pt modelId="{7E1A34A0-EA62-445E-8B50-3752FE6897D2}" type="pres">
+      <dgm:prSet presAssocID="{F3B6E74C-B191-4AB3-841D-8D6738AAEA4A}" presName="nodeRect" presStyleLbl="alignNode1" presStyleIdx="2" presStyleCnt="3">
+        <dgm:presLayoutVars>
+          <dgm:bulletEnabled val="1"/>
+        </dgm:presLayoutVars>
+      </dgm:prSet>
+      <dgm:spPr/>
+    </dgm:pt>
+  </dgm:ptLst>
+  <dgm:cxnLst>
+    <dgm:cxn modelId="{0ED17418-5EE9-4F66-BD52-5850558B661B}" srcId="{1B15D479-DE67-4D27-9D48-CC846C1897C0}" destId="{F3B6E74C-B191-4AB3-841D-8D6738AAEA4A}" srcOrd="2" destOrd="0" parTransId="{13F3BD27-416A-4858-8427-73472164B801}" sibTransId="{D367024C-C247-4D20-B50F-B819E84DB1B0}"/>
+    <dgm:cxn modelId="{9FE9249D-7731-4212-B8D4-B5FEB417FC93}" type="presOf" srcId="{1B15D479-DE67-4D27-9D48-CC846C1897C0}" destId="{EEE2DC74-5603-4757-A2B4-E69456838C5B}" srcOrd="0" destOrd="0" presId="urn:microsoft.com/office/officeart/2016/7/layout/LinearBlockProcessNumbered"/>
+    <dgm:cxn modelId="{6EA18B30-6A16-4227-B3D7-6C73FBE06AFC}" type="presOf" srcId="{77159664-E595-4029-83DA-32920C896328}" destId="{FE8F07A0-EBC0-4735-92CA-928CA890E512}" srcOrd="1" destOrd="0" presId="urn:microsoft.com/office/officeart/2016/7/layout/LinearBlockProcessNumbered"/>
+    <dgm:cxn modelId="{65AE88B2-BED0-4D0E-81DA-4094615FDD49}" type="presOf" srcId="{DF0B02FD-F1E6-4495-BF2D-DDFE4D10FD09}" destId="{1221DF1D-C02C-4479-9094-38F6B18A3BB6}" srcOrd="0" destOrd="0" presId="urn:microsoft.com/office/officeart/2016/7/layout/LinearBlockProcessNumbered"/>
+    <dgm:cxn modelId="{274B3933-3D97-4023-B7FB-24CB92D6BCBA}" type="presOf" srcId="{F3B6E74C-B191-4AB3-841D-8D6738AAEA4A}" destId="{7E1A34A0-EA62-445E-8B50-3752FE6897D2}" srcOrd="1" destOrd="0" presId="urn:microsoft.com/office/officeart/2016/7/layout/LinearBlockProcessNumbered"/>
+    <dgm:cxn modelId="{65B55DF5-9A48-4D94-8562-1B825E2EFE83}" type="presOf" srcId="{ABABC2F6-6807-46FA-9EC6-C425901C4F9D}" destId="{D68DB2CD-877E-4F24-822F-715DE3E73E6A}" srcOrd="0" destOrd="0" presId="urn:microsoft.com/office/officeart/2016/7/layout/LinearBlockProcessNumbered"/>
+    <dgm:cxn modelId="{F1809CC6-F757-471D-891B-7B74E2776ED1}" type="presOf" srcId="{307D87AB-5A14-4DF6-99F6-338FFB8D9307}" destId="{4AD0DE4C-BB27-4775-86D4-E8597C07928B}" srcOrd="0" destOrd="0" presId="urn:microsoft.com/office/officeart/2016/7/layout/LinearBlockProcessNumbered"/>
+    <dgm:cxn modelId="{FA4C890D-7968-41D6-985C-64BF437AE865}" type="presOf" srcId="{F3B6E74C-B191-4AB3-841D-8D6738AAEA4A}" destId="{ED839BE7-2BBD-41FE-9016-7EA82267D987}" srcOrd="0" destOrd="0" presId="urn:microsoft.com/office/officeart/2016/7/layout/LinearBlockProcessNumbered"/>
+    <dgm:cxn modelId="{0BD40305-CCA9-4246-A62C-EE1416E064D5}" type="presOf" srcId="{77159664-E595-4029-83DA-32920C896328}" destId="{9153CDCD-CD37-4EC9-816E-62588B6168EA}" srcOrd="0" destOrd="0" presId="urn:microsoft.com/office/officeart/2016/7/layout/LinearBlockProcessNumbered"/>
+    <dgm:cxn modelId="{927AC9D0-3DAC-4269-8619-7CB65E51ECB2}" srcId="{1B15D479-DE67-4D27-9D48-CC846C1897C0}" destId="{DF0B02FD-F1E6-4495-BF2D-DDFE4D10FD09}" srcOrd="1" destOrd="0" parTransId="{77D59F16-0455-4FCB-8668-E4A70E241D3F}" sibTransId="{ABABC2F6-6807-46FA-9EC6-C425901C4F9D}"/>
+    <dgm:cxn modelId="{F37F8FA0-0554-4333-ABF3-D50C9A0FB483}" srcId="{1B15D479-DE67-4D27-9D48-CC846C1897C0}" destId="{77159664-E595-4029-83DA-32920C896328}" srcOrd="0" destOrd="0" parTransId="{30F47EDA-7556-440E-AFB9-B421EC7386DB}" sibTransId="{307D87AB-5A14-4DF6-99F6-338FFB8D9307}"/>
+    <dgm:cxn modelId="{5BC0D1C3-4380-4C8D-8D35-3C6BB89DADE7}" type="presOf" srcId="{D367024C-C247-4D20-B50F-B819E84DB1B0}" destId="{72A3058D-6C80-4CD9-9220-21564479D13D}" srcOrd="0" destOrd="0" presId="urn:microsoft.com/office/officeart/2016/7/layout/LinearBlockProcessNumbered"/>
+    <dgm:cxn modelId="{A431AF02-8C54-4630-A8B5-DE9FE6E9F93F}" type="presOf" srcId="{DF0B02FD-F1E6-4495-BF2D-DDFE4D10FD09}" destId="{85244E88-E6DD-4F8B-8102-A76C4A6589DB}" srcOrd="1" destOrd="0" presId="urn:microsoft.com/office/officeart/2016/7/layout/LinearBlockProcessNumbered"/>
+    <dgm:cxn modelId="{0DB8A525-0C54-44DA-8AC5-CE375EF67521}" type="presParOf" srcId="{EEE2DC74-5603-4757-A2B4-E69456838C5B}" destId="{6121A423-9829-43F0-9D57-88A45430F8FA}" srcOrd="0" destOrd="0" presId="urn:microsoft.com/office/officeart/2016/7/layout/LinearBlockProcessNumbered"/>
+    <dgm:cxn modelId="{A6A3348D-4055-4CBA-A03F-7559A3D39F5C}" type="presParOf" srcId="{6121A423-9829-43F0-9D57-88A45430F8FA}" destId="{9153CDCD-CD37-4EC9-816E-62588B6168EA}" srcOrd="0" destOrd="0" presId="urn:microsoft.com/office/officeart/2016/7/layout/LinearBlockProcessNumbered"/>
+    <dgm:cxn modelId="{699C2249-AA7B-41E6-960A-B086DBEDF2EE}" type="presParOf" srcId="{6121A423-9829-43F0-9D57-88A45430F8FA}" destId="{4AD0DE4C-BB27-4775-86D4-E8597C07928B}" srcOrd="1" destOrd="0" presId="urn:microsoft.com/office/officeart/2016/7/layout/LinearBlockProcessNumbered"/>
+    <dgm:cxn modelId="{09C69070-2706-48DF-AB7A-28BFBA334D17}" type="presParOf" srcId="{6121A423-9829-43F0-9D57-88A45430F8FA}" destId="{FE8F07A0-EBC0-4735-92CA-928CA890E512}" srcOrd="2" destOrd="0" presId="urn:microsoft.com/office/officeart/2016/7/layout/LinearBlockProcessNumbered"/>
+    <dgm:cxn modelId="{C0416433-F60E-4B75-8EDB-5E0D3589855C}" type="presParOf" srcId="{EEE2DC74-5603-4757-A2B4-E69456838C5B}" destId="{403363C1-201D-4CD9-9686-EB49B72353F9}" srcOrd="1" destOrd="0" presId="urn:microsoft.com/office/officeart/2016/7/layout/LinearBlockProcessNumbered"/>
+    <dgm:cxn modelId="{60F0B60B-BB53-4868-961B-30D244056824}" type="presParOf" srcId="{EEE2DC74-5603-4757-A2B4-E69456838C5B}" destId="{8CDB7C06-3420-4142-950C-639D3DF62DDA}" srcOrd="2" destOrd="0" presId="urn:microsoft.com/office/officeart/2016/7/layout/LinearBlockProcessNumbered"/>
+    <dgm:cxn modelId="{BEED1B37-80C4-42EC-BCE5-4DF66EF0E1E0}" type="presParOf" srcId="{8CDB7C06-3420-4142-950C-639D3DF62DDA}" destId="{1221DF1D-C02C-4479-9094-38F6B18A3BB6}" srcOrd="0" destOrd="0" presId="urn:microsoft.com/office/officeart/2016/7/layout/LinearBlockProcessNumbered"/>
+    <dgm:cxn modelId="{173D0CF4-86E2-4EF7-ADB2-BB4FD9878016}" type="presParOf" srcId="{8CDB7C06-3420-4142-950C-639D3DF62DDA}" destId="{D68DB2CD-877E-4F24-822F-715DE3E73E6A}" srcOrd="1" destOrd="0" presId="urn:microsoft.com/office/officeart/2016/7/layout/LinearBlockProcessNumbered"/>
+    <dgm:cxn modelId="{246E70FA-3D1A-498D-B93E-71F77B6AC79A}" type="presParOf" srcId="{8CDB7C06-3420-4142-950C-639D3DF62DDA}" destId="{85244E88-E6DD-4F8B-8102-A76C4A6589DB}" srcOrd="2" destOrd="0" presId="urn:microsoft.com/office/officeart/2016/7/layout/LinearBlockProcessNumbered"/>
+    <dgm:cxn modelId="{82673A22-4DEF-4BC1-9447-4E4108B1DEE0}" type="presParOf" srcId="{EEE2DC74-5603-4757-A2B4-E69456838C5B}" destId="{C88DAA97-E413-469C-B566-5C29DC51DEE3}" srcOrd="3" destOrd="0" presId="urn:microsoft.com/office/officeart/2016/7/layout/LinearBlockProcessNumbered"/>
+    <dgm:cxn modelId="{45883737-8DE5-4ADB-9BD0-FAAC8ADF4154}" type="presParOf" srcId="{EEE2DC74-5603-4757-A2B4-E69456838C5B}" destId="{848D444D-0340-47F4-8A78-01CF276370B7}" srcOrd="4" destOrd="0" presId="urn:microsoft.com/office/officeart/2016/7/layout/LinearBlockProcessNumbered"/>
+    <dgm:cxn modelId="{088F0A3E-1E84-44F1-B2BD-368F8AA25084}" type="presParOf" srcId="{848D444D-0340-47F4-8A78-01CF276370B7}" destId="{ED839BE7-2BBD-41FE-9016-7EA82267D987}" srcOrd="0" destOrd="0" presId="urn:microsoft.com/office/officeart/2016/7/layout/LinearBlockProcessNumbered"/>
+    <dgm:cxn modelId="{B1142811-F095-45E4-8953-6CCCB5B2FAC0}" type="presParOf" srcId="{848D444D-0340-47F4-8A78-01CF276370B7}" destId="{72A3058D-6C80-4CD9-9220-21564479D13D}" srcOrd="1" destOrd="0" presId="urn:microsoft.com/office/officeart/2016/7/layout/LinearBlockProcessNumbered"/>
+    <dgm:cxn modelId="{477FDBDC-E410-43FB-92A2-7CB305AFE5C1}" type="presParOf" srcId="{848D444D-0340-47F4-8A78-01CF276370B7}" destId="{7E1A34A0-EA62-445E-8B50-3752FE6897D2}" srcOrd="2" destOrd="0" presId="urn:microsoft.com/office/officeart/2016/7/layout/LinearBlockProcessNumbered"/>
+  </dgm:cxnLst>
+  <dgm:bg/>
+  <dgm:whole/>
+  <dgm:extLst>
+    <a:ext uri="http://schemas.microsoft.com/office/drawing/2008/diagram">
+      <dsp:dataModelExt xmlns:dsp="http://schemas.microsoft.com/office/drawing/2008/diagram" relId="rId6" minVer="http://schemas.openxmlformats.org/drawingml/2006/diagram"/>
+    </a:ext>
+  </dgm:extLst>
+</dgm:dataModel>
+</file>
+
+<file path=ppt/diagrams/data2.xml><?xml version="1.0" encoding="utf-8"?>
+<dgm:dataModel xmlns:dgm="http://schemas.openxmlformats.org/drawingml/2006/diagram" xmlns:a="http://schemas.openxmlformats.org/drawingml/2006/main">
+  <dgm:ptLst>
+    <dgm:pt modelId="{1B15D479-DE67-4D27-9D48-CC846C1897C0}" type="doc">
+      <dgm:prSet loTypeId="urn:microsoft.com/office/officeart/2016/7/layout/LinearBlockProcessNumbered" loCatId="process" qsTypeId="urn:microsoft.com/office/officeart/2005/8/quickstyle/simple1" qsCatId="simple" csTypeId="urn:microsoft.com/office/officeart/2005/8/colors/colorful3" csCatId="colorful" phldr="1"/>
+      <dgm:spPr/>
+      <dgm:t>
+        <a:bodyPr/>
+        <a:lstStyle/>
+        <a:p>
+          <a:endParaRPr lang="en-US"/>
+        </a:p>
+      </dgm:t>
+    </dgm:pt>
+    <dgm:pt modelId="{77159664-E595-4029-83DA-32920C896328}">
+      <dgm:prSet/>
+      <dgm:spPr/>
+      <dgm:t>
+        <a:bodyPr/>
+        <a:lstStyle/>
+        <a:p>
+          <a:r>
+            <a:rPr lang="en-US" dirty="0"/>
+            <a:t>For easier checking of attendance</a:t>
+          </a:r>
+        </a:p>
+      </dgm:t>
+    </dgm:pt>
+    <dgm:pt modelId="{30F47EDA-7556-440E-AFB9-B421EC7386DB}" type="parTrans" cxnId="{F37F8FA0-0554-4333-ABF3-D50C9A0FB483}">
+      <dgm:prSet/>
+      <dgm:spPr/>
+      <dgm:t>
+        <a:bodyPr/>
+        <a:lstStyle/>
+        <a:p>
+          <a:endParaRPr lang="en-US"/>
+        </a:p>
+      </dgm:t>
+    </dgm:pt>
+    <dgm:pt modelId="{307D87AB-5A14-4DF6-99F6-338FFB8D9307}" type="sibTrans" cxnId="{F37F8FA0-0554-4333-ABF3-D50C9A0FB483}">
+      <dgm:prSet phldrT="01" phldr="0"/>
+      <dgm:spPr/>
+      <dgm:t>
+        <a:bodyPr/>
+        <a:lstStyle/>
+        <a:p>
+          <a:r>
+            <a:rPr lang="en-US"/>
+            <a:t>01</a:t>
+          </a:r>
+        </a:p>
+      </dgm:t>
+    </dgm:pt>
+    <dgm:pt modelId="{DF0B02FD-F1E6-4495-BF2D-DDFE4D10FD09}">
+      <dgm:prSet/>
+      <dgm:spPr/>
+      <dgm:t>
+        <a:bodyPr/>
+        <a:lstStyle/>
+        <a:p>
+          <a:r>
+            <a:rPr lang="en-US" dirty="0"/>
+            <a:t>For monitoring number of people in a room</a:t>
+          </a:r>
+        </a:p>
+      </dgm:t>
+    </dgm:pt>
+    <dgm:pt modelId="{77D59F16-0455-4FCB-8668-E4A70E241D3F}" type="parTrans" cxnId="{927AC9D0-3DAC-4269-8619-7CB65E51ECB2}">
+      <dgm:prSet/>
+      <dgm:spPr/>
+      <dgm:t>
+        <a:bodyPr/>
+        <a:lstStyle/>
+        <a:p>
+          <a:endParaRPr lang="en-US"/>
+        </a:p>
+      </dgm:t>
+    </dgm:pt>
+    <dgm:pt modelId="{ABABC2F6-6807-46FA-9EC6-C425901C4F9D}" type="sibTrans" cxnId="{927AC9D0-3DAC-4269-8619-7CB65E51ECB2}">
+      <dgm:prSet phldrT="02" phldr="0"/>
+      <dgm:spPr/>
+      <dgm:t>
+        <a:bodyPr/>
+        <a:lstStyle/>
+        <a:p>
+          <a:r>
+            <a:rPr lang="en-US"/>
+            <a:t>02</a:t>
+          </a:r>
+        </a:p>
+      </dgm:t>
+    </dgm:pt>
+    <dgm:pt modelId="{F3B6E74C-B191-4AB3-841D-8D6738AAEA4A}">
+      <dgm:prSet/>
+      <dgm:spPr/>
+      <dgm:t>
+        <a:bodyPr/>
+        <a:lstStyle/>
+        <a:p>
+          <a:r>
+            <a:rPr lang="en-US" dirty="0"/>
+            <a:t>For security access</a:t>
+          </a:r>
+        </a:p>
+      </dgm:t>
+    </dgm:pt>
+    <dgm:pt modelId="{13F3BD27-416A-4858-8427-73472164B801}" type="parTrans" cxnId="{0ED17418-5EE9-4F66-BD52-5850558B661B}">
+      <dgm:prSet/>
+      <dgm:spPr/>
+      <dgm:t>
+        <a:bodyPr/>
+        <a:lstStyle/>
+        <a:p>
+          <a:endParaRPr lang="en-US"/>
+        </a:p>
+      </dgm:t>
+    </dgm:pt>
+    <dgm:pt modelId="{D367024C-C247-4D20-B50F-B819E84DB1B0}" type="sibTrans" cxnId="{0ED17418-5EE9-4F66-BD52-5850558B661B}">
+      <dgm:prSet phldrT="03" phldr="0"/>
+      <dgm:spPr/>
+      <dgm:t>
+        <a:bodyPr/>
+        <a:lstStyle/>
+        <a:p>
+          <a:r>
+            <a:rPr lang="en-US"/>
+            <a:t>03</a:t>
+          </a:r>
+        </a:p>
+      </dgm:t>
+    </dgm:pt>
+    <dgm:pt modelId="{EEE2DC74-5603-4757-A2B4-E69456838C5B}" type="pres">
+      <dgm:prSet presAssocID="{1B15D479-DE67-4D27-9D48-CC846C1897C0}" presName="Name0" presStyleCnt="0">
+        <dgm:presLayoutVars>
+          <dgm:animLvl val="lvl"/>
+          <dgm:resizeHandles val="exact"/>
+        </dgm:presLayoutVars>
+      </dgm:prSet>
+      <dgm:spPr/>
+    </dgm:pt>
+    <dgm:pt modelId="{6121A423-9829-43F0-9D57-88A45430F8FA}" type="pres">
+      <dgm:prSet presAssocID="{77159664-E595-4029-83DA-32920C896328}" presName="compositeNode" presStyleCnt="0">
+        <dgm:presLayoutVars>
+          <dgm:bulletEnabled val="1"/>
+        </dgm:presLayoutVars>
+      </dgm:prSet>
+      <dgm:spPr/>
+    </dgm:pt>
+    <dgm:pt modelId="{9153CDCD-CD37-4EC9-816E-62588B6168EA}" type="pres">
+      <dgm:prSet presAssocID="{77159664-E595-4029-83DA-32920C896328}" presName="bgRect" presStyleLbl="alignNode1" presStyleIdx="0" presStyleCnt="3"/>
+      <dgm:spPr/>
+    </dgm:pt>
+    <dgm:pt modelId="{4AD0DE4C-BB27-4775-86D4-E8597C07928B}" type="pres">
+      <dgm:prSet presAssocID="{307D87AB-5A14-4DF6-99F6-338FFB8D9307}" presName="sibTransNodeRect" presStyleLbl="alignNode1" presStyleIdx="0" presStyleCnt="3">
+        <dgm:presLayoutVars>
+          <dgm:chMax val="0"/>
+          <dgm:bulletEnabled val="1"/>
+        </dgm:presLayoutVars>
+      </dgm:prSet>
+      <dgm:spPr/>
+    </dgm:pt>
+    <dgm:pt modelId="{FE8F07A0-EBC0-4735-92CA-928CA890E512}" type="pres">
+      <dgm:prSet presAssocID="{77159664-E595-4029-83DA-32920C896328}" presName="nodeRect" presStyleLbl="alignNode1" presStyleIdx="0" presStyleCnt="3">
+        <dgm:presLayoutVars>
+          <dgm:bulletEnabled val="1"/>
+        </dgm:presLayoutVars>
+      </dgm:prSet>
+      <dgm:spPr/>
+    </dgm:pt>
+    <dgm:pt modelId="{403363C1-201D-4CD9-9686-EB49B72353F9}" type="pres">
+      <dgm:prSet presAssocID="{307D87AB-5A14-4DF6-99F6-338FFB8D9307}" presName="sibTrans" presStyleCnt="0"/>
+      <dgm:spPr/>
+    </dgm:pt>
+    <dgm:pt modelId="{8CDB7C06-3420-4142-950C-639D3DF62DDA}" type="pres">
+      <dgm:prSet presAssocID="{DF0B02FD-F1E6-4495-BF2D-DDFE4D10FD09}" presName="compositeNode" presStyleCnt="0">
+        <dgm:presLayoutVars>
+          <dgm:bulletEnabled val="1"/>
+        </dgm:presLayoutVars>
+      </dgm:prSet>
+      <dgm:spPr/>
+    </dgm:pt>
+    <dgm:pt modelId="{1221DF1D-C02C-4479-9094-38F6B18A3BB6}" type="pres">
+      <dgm:prSet presAssocID="{DF0B02FD-F1E6-4495-BF2D-DDFE4D10FD09}" presName="bgRect" presStyleLbl="alignNode1" presStyleIdx="1" presStyleCnt="3"/>
+      <dgm:spPr/>
+    </dgm:pt>
+    <dgm:pt modelId="{D68DB2CD-877E-4F24-822F-715DE3E73E6A}" type="pres">
+      <dgm:prSet presAssocID="{ABABC2F6-6807-46FA-9EC6-C425901C4F9D}" presName="sibTransNodeRect" presStyleLbl="alignNode1" presStyleIdx="1" presStyleCnt="3">
+        <dgm:presLayoutVars>
+          <dgm:chMax val="0"/>
+          <dgm:bulletEnabled val="1"/>
+        </dgm:presLayoutVars>
+      </dgm:prSet>
+      <dgm:spPr/>
+    </dgm:pt>
+    <dgm:pt modelId="{85244E88-E6DD-4F8B-8102-A76C4A6589DB}" type="pres">
+      <dgm:prSet presAssocID="{DF0B02FD-F1E6-4495-BF2D-DDFE4D10FD09}" presName="nodeRect" presStyleLbl="alignNode1" presStyleIdx="1" presStyleCnt="3">
+        <dgm:presLayoutVars>
+          <dgm:bulletEnabled val="1"/>
+        </dgm:presLayoutVars>
+      </dgm:prSet>
+      <dgm:spPr/>
+    </dgm:pt>
+    <dgm:pt modelId="{C88DAA97-E413-469C-B566-5C29DC51DEE3}" type="pres">
+      <dgm:prSet presAssocID="{ABABC2F6-6807-46FA-9EC6-C425901C4F9D}" presName="sibTrans" presStyleCnt="0"/>
+      <dgm:spPr/>
+    </dgm:pt>
+    <dgm:pt modelId="{848D444D-0340-47F4-8A78-01CF276370B7}" type="pres">
+      <dgm:prSet presAssocID="{F3B6E74C-B191-4AB3-841D-8D6738AAEA4A}" presName="compositeNode" presStyleCnt="0">
+        <dgm:presLayoutVars>
+          <dgm:bulletEnabled val="1"/>
+        </dgm:presLayoutVars>
+      </dgm:prSet>
+      <dgm:spPr/>
+    </dgm:pt>
+    <dgm:pt modelId="{ED839BE7-2BBD-41FE-9016-7EA82267D987}" type="pres">
+      <dgm:prSet presAssocID="{F3B6E74C-B191-4AB3-841D-8D6738AAEA4A}" presName="bgRect" presStyleLbl="alignNode1" presStyleIdx="2" presStyleCnt="3"/>
+      <dgm:spPr/>
+    </dgm:pt>
+    <dgm:pt modelId="{72A3058D-6C80-4CD9-9220-21564479D13D}" type="pres">
+      <dgm:prSet presAssocID="{D367024C-C247-4D20-B50F-B819E84DB1B0}" presName="sibTransNodeRect" presStyleLbl="alignNode1" presStyleIdx="2" presStyleCnt="3">
+        <dgm:presLayoutVars>
+          <dgm:chMax val="0"/>
+          <dgm:bulletEnabled val="1"/>
+        </dgm:presLayoutVars>
+      </dgm:prSet>
+      <dgm:spPr/>
+    </dgm:pt>
+    <dgm:pt modelId="{7E1A34A0-EA62-445E-8B50-3752FE6897D2}" type="pres">
+      <dgm:prSet presAssocID="{F3B6E74C-B191-4AB3-841D-8D6738AAEA4A}" presName="nodeRect" presStyleLbl="alignNode1" presStyleIdx="2" presStyleCnt="3">
+        <dgm:presLayoutVars>
+          <dgm:bulletEnabled val="1"/>
+        </dgm:presLayoutVars>
+      </dgm:prSet>
+      <dgm:spPr/>
+    </dgm:pt>
+  </dgm:ptLst>
+  <dgm:cxnLst>
+    <dgm:cxn modelId="{0ED17418-5EE9-4F66-BD52-5850558B661B}" srcId="{1B15D479-DE67-4D27-9D48-CC846C1897C0}" destId="{F3B6E74C-B191-4AB3-841D-8D6738AAEA4A}" srcOrd="2" destOrd="0" parTransId="{13F3BD27-416A-4858-8427-73472164B801}" sibTransId="{D367024C-C247-4D20-B50F-B819E84DB1B0}"/>
+    <dgm:cxn modelId="{9FE9249D-7731-4212-B8D4-B5FEB417FC93}" type="presOf" srcId="{1B15D479-DE67-4D27-9D48-CC846C1897C0}" destId="{EEE2DC74-5603-4757-A2B4-E69456838C5B}" srcOrd="0" destOrd="0" presId="urn:microsoft.com/office/officeart/2016/7/layout/LinearBlockProcessNumbered"/>
+    <dgm:cxn modelId="{6EA18B30-6A16-4227-B3D7-6C73FBE06AFC}" type="presOf" srcId="{77159664-E595-4029-83DA-32920C896328}" destId="{FE8F07A0-EBC0-4735-92CA-928CA890E512}" srcOrd="1" destOrd="0" presId="urn:microsoft.com/office/officeart/2016/7/layout/LinearBlockProcessNumbered"/>
+    <dgm:cxn modelId="{65AE88B2-BED0-4D0E-81DA-4094615FDD49}" type="presOf" srcId="{DF0B02FD-F1E6-4495-BF2D-DDFE4D10FD09}" destId="{1221DF1D-C02C-4479-9094-38F6B18A3BB6}" srcOrd="0" destOrd="0" presId="urn:microsoft.com/office/officeart/2016/7/layout/LinearBlockProcessNumbered"/>
+    <dgm:cxn modelId="{274B3933-3D97-4023-B7FB-24CB92D6BCBA}" type="presOf" srcId="{F3B6E74C-B191-4AB3-841D-8D6738AAEA4A}" destId="{7E1A34A0-EA62-445E-8B50-3752FE6897D2}" srcOrd="1" destOrd="0" presId="urn:microsoft.com/office/officeart/2016/7/layout/LinearBlockProcessNumbered"/>
+    <dgm:cxn modelId="{65B55DF5-9A48-4D94-8562-1B825E2EFE83}" type="presOf" srcId="{ABABC2F6-6807-46FA-9EC6-C425901C4F9D}" destId="{D68DB2CD-877E-4F24-822F-715DE3E73E6A}" srcOrd="0" destOrd="0" presId="urn:microsoft.com/office/officeart/2016/7/layout/LinearBlockProcessNumbered"/>
+    <dgm:cxn modelId="{F1809CC6-F757-471D-891B-7B74E2776ED1}" type="presOf" srcId="{307D87AB-5A14-4DF6-99F6-338FFB8D9307}" destId="{4AD0DE4C-BB27-4775-86D4-E8597C07928B}" srcOrd="0" destOrd="0" presId="urn:microsoft.com/office/officeart/2016/7/layout/LinearBlockProcessNumbered"/>
+    <dgm:cxn modelId="{FA4C890D-7968-41D6-985C-64BF437AE865}" type="presOf" srcId="{F3B6E74C-B191-4AB3-841D-8D6738AAEA4A}" destId="{ED839BE7-2BBD-41FE-9016-7EA82267D987}" srcOrd="0" destOrd="0" presId="urn:microsoft.com/office/officeart/2016/7/layout/LinearBlockProcessNumbered"/>
+    <dgm:cxn modelId="{0BD40305-CCA9-4246-A62C-EE1416E064D5}" type="presOf" srcId="{77159664-E595-4029-83DA-32920C896328}" destId="{9153CDCD-CD37-4EC9-816E-62588B6168EA}" srcOrd="0" destOrd="0" presId="urn:microsoft.com/office/officeart/2016/7/layout/LinearBlockProcessNumbered"/>
+    <dgm:cxn modelId="{927AC9D0-3DAC-4269-8619-7CB65E51ECB2}" srcId="{1B15D479-DE67-4D27-9D48-CC846C1897C0}" destId="{DF0B02FD-F1E6-4495-BF2D-DDFE4D10FD09}" srcOrd="1" destOrd="0" parTransId="{77D59F16-0455-4FCB-8668-E4A70E241D3F}" sibTransId="{ABABC2F6-6807-46FA-9EC6-C425901C4F9D}"/>
+    <dgm:cxn modelId="{F37F8FA0-0554-4333-ABF3-D50C9A0FB483}" srcId="{1B15D479-DE67-4D27-9D48-CC846C1897C0}" destId="{77159664-E595-4029-83DA-32920C896328}" srcOrd="0" destOrd="0" parTransId="{30F47EDA-7556-440E-AFB9-B421EC7386DB}" sibTransId="{307D87AB-5A14-4DF6-99F6-338FFB8D9307}"/>
+    <dgm:cxn modelId="{5BC0D1C3-4380-4C8D-8D35-3C6BB89DADE7}" type="presOf" srcId="{D367024C-C247-4D20-B50F-B819E84DB1B0}" destId="{72A3058D-6C80-4CD9-9220-21564479D13D}" srcOrd="0" destOrd="0" presId="urn:microsoft.com/office/officeart/2016/7/layout/LinearBlockProcessNumbered"/>
+    <dgm:cxn modelId="{A431AF02-8C54-4630-A8B5-DE9FE6E9F93F}" type="presOf" srcId="{DF0B02FD-F1E6-4495-BF2D-DDFE4D10FD09}" destId="{85244E88-E6DD-4F8B-8102-A76C4A6589DB}" srcOrd="1" destOrd="0" presId="urn:microsoft.com/office/officeart/2016/7/layout/LinearBlockProcessNumbered"/>
+    <dgm:cxn modelId="{0DB8A525-0C54-44DA-8AC5-CE375EF67521}" type="presParOf" srcId="{EEE2DC74-5603-4757-A2B4-E69456838C5B}" destId="{6121A423-9829-43F0-9D57-88A45430F8FA}" srcOrd="0" destOrd="0" presId="urn:microsoft.com/office/officeart/2016/7/layout/LinearBlockProcessNumbered"/>
+    <dgm:cxn modelId="{A6A3348D-4055-4CBA-A03F-7559A3D39F5C}" type="presParOf" srcId="{6121A423-9829-43F0-9D57-88A45430F8FA}" destId="{9153CDCD-CD37-4EC9-816E-62588B6168EA}" srcOrd="0" destOrd="0" presId="urn:microsoft.com/office/officeart/2016/7/layout/LinearBlockProcessNumbered"/>
+    <dgm:cxn modelId="{699C2249-AA7B-41E6-960A-B086DBEDF2EE}" type="presParOf" srcId="{6121A423-9829-43F0-9D57-88A45430F8FA}" destId="{4AD0DE4C-BB27-4775-86D4-E8597C07928B}" srcOrd="1" destOrd="0" presId="urn:microsoft.com/office/officeart/2016/7/layout/LinearBlockProcessNumbered"/>
+    <dgm:cxn modelId="{09C69070-2706-48DF-AB7A-28BFBA334D17}" type="presParOf" srcId="{6121A423-9829-43F0-9D57-88A45430F8FA}" destId="{FE8F07A0-EBC0-4735-92CA-928CA890E512}" srcOrd="2" destOrd="0" presId="urn:microsoft.com/office/officeart/2016/7/layout/LinearBlockProcessNumbered"/>
+    <dgm:cxn modelId="{C0416433-F60E-4B75-8EDB-5E0D3589855C}" type="presParOf" srcId="{EEE2DC74-5603-4757-A2B4-E69456838C5B}" destId="{403363C1-201D-4CD9-9686-EB49B72353F9}" srcOrd="1" destOrd="0" presId="urn:microsoft.com/office/officeart/2016/7/layout/LinearBlockProcessNumbered"/>
+    <dgm:cxn modelId="{60F0B60B-BB53-4868-961B-30D244056824}" type="presParOf" srcId="{EEE2DC74-5603-4757-A2B4-E69456838C5B}" destId="{8CDB7C06-3420-4142-950C-639D3DF62DDA}" srcOrd="2" destOrd="0" presId="urn:microsoft.com/office/officeart/2016/7/layout/LinearBlockProcessNumbered"/>
+    <dgm:cxn modelId="{BEED1B37-80C4-42EC-BCE5-4DF66EF0E1E0}" type="presParOf" srcId="{8CDB7C06-3420-4142-950C-639D3DF62DDA}" destId="{1221DF1D-C02C-4479-9094-38F6B18A3BB6}" srcOrd="0" destOrd="0" presId="urn:microsoft.com/office/officeart/2016/7/layout/LinearBlockProcessNumbered"/>
+    <dgm:cxn modelId="{173D0CF4-86E2-4EF7-ADB2-BB4FD9878016}" type="presParOf" srcId="{8CDB7C06-3420-4142-950C-639D3DF62DDA}" destId="{D68DB2CD-877E-4F24-822F-715DE3E73E6A}" srcOrd="1" destOrd="0" presId="urn:microsoft.com/office/officeart/2016/7/layout/LinearBlockProcessNumbered"/>
+    <dgm:cxn modelId="{246E70FA-3D1A-498D-B93E-71F77B6AC79A}" type="presParOf" srcId="{8CDB7C06-3420-4142-950C-639D3DF62DDA}" destId="{85244E88-E6DD-4F8B-8102-A76C4A6589DB}" srcOrd="2" destOrd="0" presId="urn:microsoft.com/office/officeart/2016/7/layout/LinearBlockProcessNumbered"/>
+    <dgm:cxn modelId="{82673A22-4DEF-4BC1-9447-4E4108B1DEE0}" type="presParOf" srcId="{EEE2DC74-5603-4757-A2B4-E69456838C5B}" destId="{C88DAA97-E413-469C-B566-5C29DC51DEE3}" srcOrd="3" destOrd="0" presId="urn:microsoft.com/office/officeart/2016/7/layout/LinearBlockProcessNumbered"/>
+    <dgm:cxn modelId="{45883737-8DE5-4ADB-9BD0-FAAC8ADF4154}" type="presParOf" srcId="{EEE2DC74-5603-4757-A2B4-E69456838C5B}" destId="{848D444D-0340-47F4-8A78-01CF276370B7}" srcOrd="4" destOrd="0" presId="urn:microsoft.com/office/officeart/2016/7/layout/LinearBlockProcessNumbered"/>
+    <dgm:cxn modelId="{088F0A3E-1E84-44F1-B2BD-368F8AA25084}" type="presParOf" srcId="{848D444D-0340-47F4-8A78-01CF276370B7}" destId="{ED839BE7-2BBD-41FE-9016-7EA82267D987}" srcOrd="0" destOrd="0" presId="urn:microsoft.com/office/officeart/2016/7/layout/LinearBlockProcessNumbered"/>
+    <dgm:cxn modelId="{B1142811-F095-45E4-8953-6CCCB5B2FAC0}" type="presParOf" srcId="{848D444D-0340-47F4-8A78-01CF276370B7}" destId="{72A3058D-6C80-4CD9-9220-21564479D13D}" srcOrd="1" destOrd="0" presId="urn:microsoft.com/office/officeart/2016/7/layout/LinearBlockProcessNumbered"/>
+    <dgm:cxn modelId="{477FDBDC-E410-43FB-92A2-7CB305AFE5C1}" type="presParOf" srcId="{848D444D-0340-47F4-8A78-01CF276370B7}" destId="{7E1A34A0-EA62-445E-8B50-3752FE6897D2}" srcOrd="2" destOrd="0" presId="urn:microsoft.com/office/officeart/2016/7/layout/LinearBlockProcessNumbered"/>
+  </dgm:cxnLst>
+  <dgm:bg/>
+  <dgm:whole/>
+  <dgm:extLst>
+    <a:ext uri="http://schemas.microsoft.com/office/drawing/2008/diagram">
+      <dsp:dataModelExt xmlns:dsp="http://schemas.microsoft.com/office/drawing/2008/diagram" relId="rId6" minVer="http://schemas.openxmlformats.org/drawingml/2006/diagram"/>
+    </a:ext>
+  </dgm:extLst>
+</dgm:dataModel>
+</file>
+
+<file path=ppt/diagrams/drawing1.xml><?xml version="1.0" encoding="utf-8"?>
+<dsp:drawing xmlns:dgm="http://schemas.openxmlformats.org/drawingml/2006/diagram" xmlns:dsp="http://schemas.microsoft.com/office/drawing/2008/diagram" xmlns:a="http://schemas.openxmlformats.org/drawingml/2006/main">
+  <dsp:spTree>
+    <dsp:nvGrpSpPr>
+      <dsp:cNvPr id="0" name=""/>
+      <dsp:cNvGrpSpPr/>
+    </dsp:nvGrpSpPr>
+    <dsp:grpSpPr/>
+    <dsp:sp modelId="{9153CDCD-CD37-4EC9-816E-62588B6168EA}">
+      <dsp:nvSpPr>
+        <dsp:cNvPr id="0" name=""/>
+        <dsp:cNvSpPr/>
+      </dsp:nvSpPr>
+      <dsp:spPr>
+        <a:xfrm>
+          <a:off x="795" y="0"/>
+          <a:ext cx="3220715" cy="3594100"/>
+        </a:xfrm>
+        <a:prstGeom prst="rect">
+          <a:avLst/>
+        </a:prstGeom>
+        <a:solidFill>
+          <a:schemeClr val="accent3">
+            <a:hueOff val="0"/>
+            <a:satOff val="0"/>
+            <a:lumOff val="0"/>
+            <a:alphaOff val="0"/>
+          </a:schemeClr>
+        </a:solidFill>
+        <a:ln w="12700" cap="flat" cmpd="sng" algn="in">
+          <a:solidFill>
+            <a:schemeClr val="accent3">
+              <a:hueOff val="0"/>
+              <a:satOff val="0"/>
+              <a:lumOff val="0"/>
+              <a:alphaOff val="0"/>
+            </a:schemeClr>
+          </a:solidFill>
+          <a:prstDash val="solid"/>
+        </a:ln>
+        <a:effectLst/>
+      </dsp:spPr>
+      <dsp:style>
+        <a:lnRef idx="2">
+          <a:scrgbClr r="0" g="0" b="0"/>
+        </a:lnRef>
+        <a:fillRef idx="1">
+          <a:scrgbClr r="0" g="0" b="0"/>
+        </a:fillRef>
+        <a:effectRef idx="0">
+          <a:scrgbClr r="0" g="0" b="0"/>
+        </a:effectRef>
+        <a:fontRef idx="minor">
+          <a:schemeClr val="lt1"/>
+        </a:fontRef>
+      </dsp:style>
+      <dsp:txBody>
+        <a:bodyPr spcFirstLastPara="0" vert="horz" wrap="square" lIns="318135" tIns="0" rIns="318135" bIns="330200" numCol="1" spcCol="1270" anchor="t" anchorCtr="0">
+          <a:noAutofit/>
+        </a:bodyPr>
+        <a:lstStyle/>
+        <a:p>
+          <a:pPr marL="0" lvl="0" indent="0" algn="l" defTabSz="1155700">
+            <a:lnSpc>
+              <a:spcPct val="90000"/>
+            </a:lnSpc>
+            <a:spcBef>
+              <a:spcPct val="0"/>
+            </a:spcBef>
+            <a:spcAft>
+              <a:spcPct val="35000"/>
+            </a:spcAft>
+            <a:buNone/>
+          </a:pPr>
+          <a:r>
+            <a:rPr lang="en-US" sz="2600" kern="1200" dirty="0">
+              <a:solidFill>
+                <a:schemeClr val="bg2"/>
+              </a:solidFill>
+            </a:rPr>
+            <a:t>To be used as a visitor counter</a:t>
+          </a:r>
+          <a:endParaRPr lang="en-US" sz="2600" kern="1200" dirty="0">
+            <a:solidFill>
+              <a:schemeClr val="bg2"/>
+            </a:solidFill>
+          </a:endParaRPr>
+        </a:p>
+      </dsp:txBody>
+      <dsp:txXfrm>
+        <a:off x="795" y="1437640"/>
+        <a:ext cx="3220715" cy="2156460"/>
+      </dsp:txXfrm>
+    </dsp:sp>
+    <dsp:sp modelId="{4AD0DE4C-BB27-4775-86D4-E8597C07928B}">
+      <dsp:nvSpPr>
+        <dsp:cNvPr id="0" name=""/>
+        <dsp:cNvSpPr/>
+      </dsp:nvSpPr>
+      <dsp:spPr>
+        <a:xfrm>
+          <a:off x="795" y="0"/>
+          <a:ext cx="3220715" cy="1437640"/>
+        </a:xfrm>
+        <a:prstGeom prst="rect">
+          <a:avLst/>
+        </a:prstGeom>
+        <a:noFill/>
+        <a:ln w="12700" cap="flat" cmpd="sng" algn="in">
+          <a:noFill/>
+          <a:prstDash val="solid"/>
+        </a:ln>
+        <a:effectLst/>
+        <a:sp3d/>
+      </dsp:spPr>
+      <dsp:style>
+        <a:lnRef idx="2">
+          <a:scrgbClr r="0" g="0" b="0"/>
+        </a:lnRef>
+        <a:fillRef idx="1">
+          <a:scrgbClr r="0" g="0" b="0"/>
+        </a:fillRef>
+        <a:effectRef idx="0">
+          <a:scrgbClr r="0" g="0" b="0"/>
+        </a:effectRef>
+        <a:fontRef idx="minor">
+          <a:schemeClr val="lt1"/>
+        </a:fontRef>
+      </dsp:style>
+      <dsp:txBody>
+        <a:bodyPr spcFirstLastPara="0" vert="horz" wrap="square" lIns="318135" tIns="165100" rIns="318135" bIns="165100" numCol="1" spcCol="1270" anchor="ctr" anchorCtr="0">
+          <a:noAutofit/>
+        </a:bodyPr>
+        <a:lstStyle/>
+        <a:p>
+          <a:pPr marL="0" lvl="0" indent="0" algn="l" defTabSz="2933700">
+            <a:lnSpc>
+              <a:spcPct val="90000"/>
+            </a:lnSpc>
+            <a:spcBef>
+              <a:spcPct val="0"/>
+            </a:spcBef>
+            <a:spcAft>
+              <a:spcPct val="35000"/>
+            </a:spcAft>
+            <a:buNone/>
+          </a:pPr>
+          <a:r>
+            <a:rPr lang="en-US" sz="6600" kern="1200"/>
+            <a:t>01</a:t>
+          </a:r>
+        </a:p>
+      </dsp:txBody>
+      <dsp:txXfrm>
+        <a:off x="795" y="0"/>
+        <a:ext cx="3220715" cy="1437640"/>
+      </dsp:txXfrm>
+    </dsp:sp>
+    <dsp:sp modelId="{1221DF1D-C02C-4479-9094-38F6B18A3BB6}">
+      <dsp:nvSpPr>
+        <dsp:cNvPr id="0" name=""/>
+        <dsp:cNvSpPr/>
+      </dsp:nvSpPr>
+      <dsp:spPr>
+        <a:xfrm>
+          <a:off x="3479167" y="0"/>
+          <a:ext cx="3220715" cy="3594100"/>
+        </a:xfrm>
+        <a:prstGeom prst="rect">
+          <a:avLst/>
+        </a:prstGeom>
+        <a:solidFill>
+          <a:schemeClr val="accent3">
+            <a:hueOff val="-2421353"/>
+            <a:satOff val="-11830"/>
+            <a:lumOff val="4411"/>
+            <a:alphaOff val="0"/>
+          </a:schemeClr>
+        </a:solidFill>
+        <a:ln w="12700" cap="flat" cmpd="sng" algn="in">
+          <a:solidFill>
+            <a:schemeClr val="accent3">
+              <a:hueOff val="-2421353"/>
+              <a:satOff val="-11830"/>
+              <a:lumOff val="4411"/>
+              <a:alphaOff val="0"/>
+            </a:schemeClr>
+          </a:solidFill>
+          <a:prstDash val="solid"/>
+        </a:ln>
+        <a:effectLst/>
+      </dsp:spPr>
+      <dsp:style>
+        <a:lnRef idx="2">
+          <a:scrgbClr r="0" g="0" b="0"/>
+        </a:lnRef>
+        <a:fillRef idx="1">
+          <a:scrgbClr r="0" g="0" b="0"/>
+        </a:fillRef>
+        <a:effectRef idx="0">
+          <a:scrgbClr r="0" g="0" b="0"/>
+        </a:effectRef>
+        <a:fontRef idx="minor">
+          <a:schemeClr val="lt1"/>
+        </a:fontRef>
+      </dsp:style>
+      <dsp:txBody>
+        <a:bodyPr spcFirstLastPara="0" vert="horz" wrap="square" lIns="318135" tIns="0" rIns="318135" bIns="330200" numCol="1" spcCol="1270" anchor="t" anchorCtr="0">
+          <a:noAutofit/>
+        </a:bodyPr>
+        <a:lstStyle/>
+        <a:p>
+          <a:pPr marL="0" lvl="0" indent="0" algn="l" defTabSz="1155700">
+            <a:lnSpc>
+              <a:spcPct val="90000"/>
+            </a:lnSpc>
+            <a:spcBef>
+              <a:spcPct val="0"/>
+            </a:spcBef>
+            <a:spcAft>
+              <a:spcPct val="35000"/>
+            </a:spcAft>
+            <a:buNone/>
+          </a:pPr>
+          <a:r>
+            <a:rPr lang="en-US" sz="2600" kern="1200" dirty="0">
+              <a:solidFill>
+                <a:schemeClr val="bg2"/>
+              </a:solidFill>
+            </a:rPr>
+            <a:t>To be used as a storage of  names of people enters in a room</a:t>
+          </a:r>
+          <a:endParaRPr lang="en-US" sz="2600" kern="1200" dirty="0">
+            <a:solidFill>
+              <a:schemeClr val="bg2"/>
+            </a:solidFill>
+          </a:endParaRPr>
+        </a:p>
+      </dsp:txBody>
+      <dsp:txXfrm>
+        <a:off x="3479167" y="1437640"/>
+        <a:ext cx="3220715" cy="2156460"/>
+      </dsp:txXfrm>
+    </dsp:sp>
+    <dsp:sp modelId="{D68DB2CD-877E-4F24-822F-715DE3E73E6A}">
+      <dsp:nvSpPr>
+        <dsp:cNvPr id="0" name=""/>
+        <dsp:cNvSpPr/>
+      </dsp:nvSpPr>
+      <dsp:spPr>
+        <a:xfrm>
+          <a:off x="3479167" y="0"/>
+          <a:ext cx="3220715" cy="1437640"/>
+        </a:xfrm>
+        <a:prstGeom prst="rect">
+          <a:avLst/>
+        </a:prstGeom>
+        <a:noFill/>
+        <a:ln w="12700" cap="flat" cmpd="sng" algn="in">
+          <a:noFill/>
+          <a:prstDash val="solid"/>
+        </a:ln>
+        <a:effectLst/>
+        <a:sp3d/>
+      </dsp:spPr>
+      <dsp:style>
+        <a:lnRef idx="2">
+          <a:scrgbClr r="0" g="0" b="0"/>
+        </a:lnRef>
+        <a:fillRef idx="1">
+          <a:scrgbClr r="0" g="0" b="0"/>
+        </a:fillRef>
+        <a:effectRef idx="0">
+          <a:scrgbClr r="0" g="0" b="0"/>
+        </a:effectRef>
+        <a:fontRef idx="minor">
+          <a:schemeClr val="lt1"/>
+        </a:fontRef>
+      </dsp:style>
+      <dsp:txBody>
+        <a:bodyPr spcFirstLastPara="0" vert="horz" wrap="square" lIns="318135" tIns="165100" rIns="318135" bIns="165100" numCol="1" spcCol="1270" anchor="ctr" anchorCtr="0">
+          <a:noAutofit/>
+        </a:bodyPr>
+        <a:lstStyle/>
+        <a:p>
+          <a:pPr marL="0" lvl="0" indent="0" algn="l" defTabSz="2933700">
+            <a:lnSpc>
+              <a:spcPct val="90000"/>
+            </a:lnSpc>
+            <a:spcBef>
+              <a:spcPct val="0"/>
+            </a:spcBef>
+            <a:spcAft>
+              <a:spcPct val="35000"/>
+            </a:spcAft>
+            <a:buNone/>
+          </a:pPr>
+          <a:r>
+            <a:rPr lang="en-US" sz="6600" kern="1200"/>
+            <a:t>02</a:t>
+          </a:r>
+        </a:p>
+      </dsp:txBody>
+      <dsp:txXfrm>
+        <a:off x="3479167" y="0"/>
+        <a:ext cx="3220715" cy="1437640"/>
+      </dsp:txXfrm>
+    </dsp:sp>
+    <dsp:sp modelId="{ED839BE7-2BBD-41FE-9016-7EA82267D987}">
+      <dsp:nvSpPr>
+        <dsp:cNvPr id="0" name=""/>
+        <dsp:cNvSpPr/>
+      </dsp:nvSpPr>
+      <dsp:spPr>
+        <a:xfrm>
+          <a:off x="6957539" y="0"/>
+          <a:ext cx="3220715" cy="3594100"/>
+        </a:xfrm>
+        <a:prstGeom prst="rect">
+          <a:avLst/>
+        </a:prstGeom>
+        <a:solidFill>
+          <a:schemeClr val="accent3">
+            <a:hueOff val="-4842705"/>
+            <a:satOff val="-23661"/>
+            <a:lumOff val="8823"/>
+            <a:alphaOff val="0"/>
+          </a:schemeClr>
+        </a:solidFill>
+        <a:ln w="12700" cap="flat" cmpd="sng" algn="in">
+          <a:solidFill>
+            <a:schemeClr val="accent3">
+              <a:hueOff val="-4842705"/>
+              <a:satOff val="-23661"/>
+              <a:lumOff val="8823"/>
+              <a:alphaOff val="0"/>
+            </a:schemeClr>
+          </a:solidFill>
+          <a:prstDash val="solid"/>
+        </a:ln>
+        <a:effectLst/>
+      </dsp:spPr>
+      <dsp:style>
+        <a:lnRef idx="2">
+          <a:scrgbClr r="0" g="0" b="0"/>
+        </a:lnRef>
+        <a:fillRef idx="1">
+          <a:scrgbClr r="0" g="0" b="0"/>
+        </a:fillRef>
+        <a:effectRef idx="0">
+          <a:scrgbClr r="0" g="0" b="0"/>
+        </a:effectRef>
+        <a:fontRef idx="minor">
+          <a:schemeClr val="lt1"/>
+        </a:fontRef>
+      </dsp:style>
+      <dsp:txBody>
+        <a:bodyPr spcFirstLastPara="0" vert="horz" wrap="square" lIns="318135" tIns="0" rIns="318135" bIns="330200" numCol="1" spcCol="1270" anchor="t" anchorCtr="0">
+          <a:noAutofit/>
+        </a:bodyPr>
+        <a:lstStyle/>
+        <a:p>
+          <a:pPr marL="0" lvl="0" indent="0" algn="l" defTabSz="1155700">
+            <a:lnSpc>
+              <a:spcPct val="90000"/>
+            </a:lnSpc>
+            <a:spcBef>
+              <a:spcPct val="0"/>
+            </a:spcBef>
+            <a:spcAft>
+              <a:spcPct val="35000"/>
+            </a:spcAft>
+            <a:buNone/>
+          </a:pPr>
+          <a:r>
+            <a:rPr lang="en-US" sz="2600" kern="1200" dirty="0">
+              <a:solidFill>
+                <a:schemeClr val="bg2"/>
+              </a:solidFill>
+            </a:rPr>
+            <a:t>To track name or Id number of RFID</a:t>
+          </a:r>
+          <a:endParaRPr lang="en-US" sz="2600" kern="1200" dirty="0">
+            <a:solidFill>
+              <a:schemeClr val="bg2"/>
+            </a:solidFill>
+          </a:endParaRPr>
+        </a:p>
+      </dsp:txBody>
+      <dsp:txXfrm>
+        <a:off x="6957539" y="1437640"/>
+        <a:ext cx="3220715" cy="2156460"/>
+      </dsp:txXfrm>
+    </dsp:sp>
+    <dsp:sp modelId="{72A3058D-6C80-4CD9-9220-21564479D13D}">
+      <dsp:nvSpPr>
+        <dsp:cNvPr id="0" name=""/>
+        <dsp:cNvSpPr/>
+      </dsp:nvSpPr>
+      <dsp:spPr>
+        <a:xfrm>
+          <a:off x="6957539" y="0"/>
+          <a:ext cx="3220715" cy="1437640"/>
+        </a:xfrm>
+        <a:prstGeom prst="rect">
+          <a:avLst/>
+        </a:prstGeom>
+        <a:noFill/>
+        <a:ln w="12700" cap="flat" cmpd="sng" algn="in">
+          <a:noFill/>
+          <a:prstDash val="solid"/>
+        </a:ln>
+        <a:effectLst/>
+        <a:sp3d/>
+      </dsp:spPr>
+      <dsp:style>
+        <a:lnRef idx="2">
+          <a:scrgbClr r="0" g="0" b="0"/>
+        </a:lnRef>
+        <a:fillRef idx="1">
+          <a:scrgbClr r="0" g="0" b="0"/>
+        </a:fillRef>
+        <a:effectRef idx="0">
+          <a:scrgbClr r="0" g="0" b="0"/>
+        </a:effectRef>
+        <a:fontRef idx="minor">
+          <a:schemeClr val="lt1"/>
+        </a:fontRef>
+      </dsp:style>
+      <dsp:txBody>
+        <a:bodyPr spcFirstLastPara="0" vert="horz" wrap="square" lIns="318135" tIns="165100" rIns="318135" bIns="165100" numCol="1" spcCol="1270" anchor="ctr" anchorCtr="0">
+          <a:noAutofit/>
+        </a:bodyPr>
+        <a:lstStyle/>
+        <a:p>
+          <a:pPr marL="0" lvl="0" indent="0" algn="l" defTabSz="2933700">
+            <a:lnSpc>
+              <a:spcPct val="90000"/>
+            </a:lnSpc>
+            <a:spcBef>
+              <a:spcPct val="0"/>
+            </a:spcBef>
+            <a:spcAft>
+              <a:spcPct val="35000"/>
+            </a:spcAft>
+            <a:buNone/>
+          </a:pPr>
+          <a:r>
+            <a:rPr lang="en-US" sz="6600" kern="1200"/>
+            <a:t>03</a:t>
+          </a:r>
+        </a:p>
+      </dsp:txBody>
+      <dsp:txXfrm>
+        <a:off x="6957539" y="0"/>
+        <a:ext cx="3220715" cy="1437640"/>
+      </dsp:txXfrm>
+    </dsp:sp>
+  </dsp:spTree>
+</dsp:drawing>
+</file>
+
+<file path=ppt/diagrams/drawing2.xml><?xml version="1.0" encoding="utf-8"?>
+<dsp:drawing xmlns:dgm="http://schemas.openxmlformats.org/drawingml/2006/diagram" xmlns:dsp="http://schemas.microsoft.com/office/drawing/2008/diagram" xmlns:a="http://schemas.openxmlformats.org/drawingml/2006/main">
+  <dsp:spTree>
+    <dsp:nvGrpSpPr>
+      <dsp:cNvPr id="0" name=""/>
+      <dsp:cNvGrpSpPr/>
+    </dsp:nvGrpSpPr>
+    <dsp:grpSpPr/>
+    <dsp:sp modelId="{9153CDCD-CD37-4EC9-816E-62588B6168EA}">
+      <dsp:nvSpPr>
+        <dsp:cNvPr id="0" name=""/>
+        <dsp:cNvSpPr/>
+      </dsp:nvSpPr>
+      <dsp:spPr>
+        <a:xfrm>
+          <a:off x="795" y="0"/>
+          <a:ext cx="3220715" cy="3594100"/>
+        </a:xfrm>
+        <a:prstGeom prst="rect">
+          <a:avLst/>
+        </a:prstGeom>
+        <a:solidFill>
+          <a:schemeClr val="accent3">
+            <a:hueOff val="0"/>
+            <a:satOff val="0"/>
+            <a:lumOff val="0"/>
+            <a:alphaOff val="0"/>
+          </a:schemeClr>
+        </a:solidFill>
+        <a:ln w="12700" cap="flat" cmpd="sng" algn="in">
+          <a:solidFill>
+            <a:schemeClr val="accent3">
+              <a:hueOff val="0"/>
+              <a:satOff val="0"/>
+              <a:lumOff val="0"/>
+              <a:alphaOff val="0"/>
+            </a:schemeClr>
+          </a:solidFill>
+          <a:prstDash val="solid"/>
+        </a:ln>
+        <a:effectLst/>
+      </dsp:spPr>
+      <dsp:style>
+        <a:lnRef idx="2">
+          <a:scrgbClr r="0" g="0" b="0"/>
+        </a:lnRef>
+        <a:fillRef idx="1">
+          <a:scrgbClr r="0" g="0" b="0"/>
+        </a:fillRef>
+        <a:effectRef idx="0">
+          <a:scrgbClr r="0" g="0" b="0"/>
+        </a:effectRef>
+        <a:fontRef idx="minor">
+          <a:schemeClr val="lt1"/>
+        </a:fontRef>
+      </dsp:style>
+      <dsp:txBody>
+        <a:bodyPr spcFirstLastPara="0" vert="horz" wrap="square" lIns="318135" tIns="0" rIns="318135" bIns="330200" numCol="1" spcCol="1270" anchor="t" anchorCtr="0">
+          <a:noAutofit/>
+        </a:bodyPr>
+        <a:lstStyle/>
+        <a:p>
+          <a:pPr marL="0" lvl="0" indent="0" algn="l" defTabSz="1155700">
+            <a:lnSpc>
+              <a:spcPct val="90000"/>
+            </a:lnSpc>
+            <a:spcBef>
+              <a:spcPct val="0"/>
+            </a:spcBef>
+            <a:spcAft>
+              <a:spcPct val="35000"/>
+            </a:spcAft>
+            <a:buNone/>
+          </a:pPr>
+          <a:r>
+            <a:rPr lang="en-US" sz="2600" kern="1200" dirty="0"/>
+            <a:t>For easier checking of attendance</a:t>
+          </a:r>
+        </a:p>
+      </dsp:txBody>
+      <dsp:txXfrm>
+        <a:off x="795" y="1437640"/>
+        <a:ext cx="3220715" cy="2156460"/>
+      </dsp:txXfrm>
+    </dsp:sp>
+    <dsp:sp modelId="{4AD0DE4C-BB27-4775-86D4-E8597C07928B}">
+      <dsp:nvSpPr>
+        <dsp:cNvPr id="0" name=""/>
+        <dsp:cNvSpPr/>
+      </dsp:nvSpPr>
+      <dsp:spPr>
+        <a:xfrm>
+          <a:off x="795" y="0"/>
+          <a:ext cx="3220715" cy="1437640"/>
+        </a:xfrm>
+        <a:prstGeom prst="rect">
+          <a:avLst/>
+        </a:prstGeom>
+        <a:noFill/>
+        <a:ln w="12700" cap="flat" cmpd="sng" algn="in">
+          <a:noFill/>
+          <a:prstDash val="solid"/>
+        </a:ln>
+        <a:effectLst/>
+        <a:sp3d/>
+      </dsp:spPr>
+      <dsp:style>
+        <a:lnRef idx="2">
+          <a:scrgbClr r="0" g="0" b="0"/>
+        </a:lnRef>
+        <a:fillRef idx="1">
+          <a:scrgbClr r="0" g="0" b="0"/>
+        </a:fillRef>
+        <a:effectRef idx="0">
+          <a:scrgbClr r="0" g="0" b="0"/>
+        </a:effectRef>
+        <a:fontRef idx="minor">
+          <a:schemeClr val="lt1"/>
+        </a:fontRef>
+      </dsp:style>
+      <dsp:txBody>
+        <a:bodyPr spcFirstLastPara="0" vert="horz" wrap="square" lIns="318135" tIns="165100" rIns="318135" bIns="165100" numCol="1" spcCol="1270" anchor="ctr" anchorCtr="0">
+          <a:noAutofit/>
+        </a:bodyPr>
+        <a:lstStyle/>
+        <a:p>
+          <a:pPr marL="0" lvl="0" indent="0" algn="l" defTabSz="2933700">
+            <a:lnSpc>
+              <a:spcPct val="90000"/>
+            </a:lnSpc>
+            <a:spcBef>
+              <a:spcPct val="0"/>
+            </a:spcBef>
+            <a:spcAft>
+              <a:spcPct val="35000"/>
+            </a:spcAft>
+            <a:buNone/>
+          </a:pPr>
+          <a:r>
+            <a:rPr lang="en-US" sz="6600" kern="1200"/>
+            <a:t>01</a:t>
+          </a:r>
+        </a:p>
+      </dsp:txBody>
+      <dsp:txXfrm>
+        <a:off x="795" y="0"/>
+        <a:ext cx="3220715" cy="1437640"/>
+      </dsp:txXfrm>
+    </dsp:sp>
+    <dsp:sp modelId="{1221DF1D-C02C-4479-9094-38F6B18A3BB6}">
+      <dsp:nvSpPr>
+        <dsp:cNvPr id="0" name=""/>
+        <dsp:cNvSpPr/>
+      </dsp:nvSpPr>
+      <dsp:spPr>
+        <a:xfrm>
+          <a:off x="3479167" y="0"/>
+          <a:ext cx="3220715" cy="3594100"/>
+        </a:xfrm>
+        <a:prstGeom prst="rect">
+          <a:avLst/>
+        </a:prstGeom>
+        <a:solidFill>
+          <a:schemeClr val="accent3">
+            <a:hueOff val="-2421353"/>
+            <a:satOff val="-11830"/>
+            <a:lumOff val="4411"/>
+            <a:alphaOff val="0"/>
+          </a:schemeClr>
+        </a:solidFill>
+        <a:ln w="12700" cap="flat" cmpd="sng" algn="in">
+          <a:solidFill>
+            <a:schemeClr val="accent3">
+              <a:hueOff val="-2421353"/>
+              <a:satOff val="-11830"/>
+              <a:lumOff val="4411"/>
+              <a:alphaOff val="0"/>
+            </a:schemeClr>
+          </a:solidFill>
+          <a:prstDash val="solid"/>
+        </a:ln>
+        <a:effectLst/>
+      </dsp:spPr>
+      <dsp:style>
+        <a:lnRef idx="2">
+          <a:scrgbClr r="0" g="0" b="0"/>
+        </a:lnRef>
+        <a:fillRef idx="1">
+          <a:scrgbClr r="0" g="0" b="0"/>
+        </a:fillRef>
+        <a:effectRef idx="0">
+          <a:scrgbClr r="0" g="0" b="0"/>
+        </a:effectRef>
+        <a:fontRef idx="minor">
+          <a:schemeClr val="lt1"/>
+        </a:fontRef>
+      </dsp:style>
+      <dsp:txBody>
+        <a:bodyPr spcFirstLastPara="0" vert="horz" wrap="square" lIns="318135" tIns="0" rIns="318135" bIns="330200" numCol="1" spcCol="1270" anchor="t" anchorCtr="0">
+          <a:noAutofit/>
+        </a:bodyPr>
+        <a:lstStyle/>
+        <a:p>
+          <a:pPr marL="0" lvl="0" indent="0" algn="l" defTabSz="1155700">
+            <a:lnSpc>
+              <a:spcPct val="90000"/>
+            </a:lnSpc>
+            <a:spcBef>
+              <a:spcPct val="0"/>
+            </a:spcBef>
+            <a:spcAft>
+              <a:spcPct val="35000"/>
+            </a:spcAft>
+            <a:buNone/>
+          </a:pPr>
+          <a:r>
+            <a:rPr lang="en-US" sz="2600" kern="1200" dirty="0"/>
+            <a:t>For monitoring number of people in a room</a:t>
+          </a:r>
+        </a:p>
+      </dsp:txBody>
+      <dsp:txXfrm>
+        <a:off x="3479167" y="1437640"/>
+        <a:ext cx="3220715" cy="2156460"/>
+      </dsp:txXfrm>
+    </dsp:sp>
+    <dsp:sp modelId="{D68DB2CD-877E-4F24-822F-715DE3E73E6A}">
+      <dsp:nvSpPr>
+        <dsp:cNvPr id="0" name=""/>
+        <dsp:cNvSpPr/>
+      </dsp:nvSpPr>
+      <dsp:spPr>
+        <a:xfrm>
+          <a:off x="3479167" y="0"/>
+          <a:ext cx="3220715" cy="1437640"/>
+        </a:xfrm>
+        <a:prstGeom prst="rect">
+          <a:avLst/>
+        </a:prstGeom>
+        <a:noFill/>
+        <a:ln w="12700" cap="flat" cmpd="sng" algn="in">
+          <a:noFill/>
+          <a:prstDash val="solid"/>
+        </a:ln>
+        <a:effectLst/>
+        <a:sp3d/>
+      </dsp:spPr>
+      <dsp:style>
+        <a:lnRef idx="2">
+          <a:scrgbClr r="0" g="0" b="0"/>
+        </a:lnRef>
+        <a:fillRef idx="1">
+          <a:scrgbClr r="0" g="0" b="0"/>
+        </a:fillRef>
+        <a:effectRef idx="0">
+          <a:scrgbClr r="0" g="0" b="0"/>
+        </a:effectRef>
+        <a:fontRef idx="minor">
+          <a:schemeClr val="lt1"/>
+        </a:fontRef>
+      </dsp:style>
+      <dsp:txBody>
+        <a:bodyPr spcFirstLastPara="0" vert="horz" wrap="square" lIns="318135" tIns="165100" rIns="318135" bIns="165100" numCol="1" spcCol="1270" anchor="ctr" anchorCtr="0">
+          <a:noAutofit/>
+        </a:bodyPr>
+        <a:lstStyle/>
+        <a:p>
+          <a:pPr marL="0" lvl="0" indent="0" algn="l" defTabSz="2933700">
+            <a:lnSpc>
+              <a:spcPct val="90000"/>
+            </a:lnSpc>
+            <a:spcBef>
+              <a:spcPct val="0"/>
+            </a:spcBef>
+            <a:spcAft>
+              <a:spcPct val="35000"/>
+            </a:spcAft>
+            <a:buNone/>
+          </a:pPr>
+          <a:r>
+            <a:rPr lang="en-US" sz="6600" kern="1200"/>
+            <a:t>02</a:t>
+          </a:r>
+        </a:p>
+      </dsp:txBody>
+      <dsp:txXfrm>
+        <a:off x="3479167" y="0"/>
+        <a:ext cx="3220715" cy="1437640"/>
+      </dsp:txXfrm>
+    </dsp:sp>
+    <dsp:sp modelId="{ED839BE7-2BBD-41FE-9016-7EA82267D987}">
+      <dsp:nvSpPr>
+        <dsp:cNvPr id="0" name=""/>
+        <dsp:cNvSpPr/>
+      </dsp:nvSpPr>
+      <dsp:spPr>
+        <a:xfrm>
+          <a:off x="6957539" y="0"/>
+          <a:ext cx="3220715" cy="3594100"/>
+        </a:xfrm>
+        <a:prstGeom prst="rect">
+          <a:avLst/>
+        </a:prstGeom>
+        <a:solidFill>
+          <a:schemeClr val="accent3">
+            <a:hueOff val="-4842705"/>
+            <a:satOff val="-23661"/>
+            <a:lumOff val="8823"/>
+            <a:alphaOff val="0"/>
+          </a:schemeClr>
+        </a:solidFill>
+        <a:ln w="12700" cap="flat" cmpd="sng" algn="in">
+          <a:solidFill>
+            <a:schemeClr val="accent3">
+              <a:hueOff val="-4842705"/>
+              <a:satOff val="-23661"/>
+              <a:lumOff val="8823"/>
+              <a:alphaOff val="0"/>
+            </a:schemeClr>
+          </a:solidFill>
+          <a:prstDash val="solid"/>
+        </a:ln>
+        <a:effectLst/>
+      </dsp:spPr>
+      <dsp:style>
+        <a:lnRef idx="2">
+          <a:scrgbClr r="0" g="0" b="0"/>
+        </a:lnRef>
+        <a:fillRef idx="1">
+          <a:scrgbClr r="0" g="0" b="0"/>
+        </a:fillRef>
+        <a:effectRef idx="0">
+          <a:scrgbClr r="0" g="0" b="0"/>
+        </a:effectRef>
+        <a:fontRef idx="minor">
+          <a:schemeClr val="lt1"/>
+        </a:fontRef>
+      </dsp:style>
+      <dsp:txBody>
+        <a:bodyPr spcFirstLastPara="0" vert="horz" wrap="square" lIns="318135" tIns="0" rIns="318135" bIns="330200" numCol="1" spcCol="1270" anchor="t" anchorCtr="0">
+          <a:noAutofit/>
+        </a:bodyPr>
+        <a:lstStyle/>
+        <a:p>
+          <a:pPr marL="0" lvl="0" indent="0" algn="l" defTabSz="1155700">
+            <a:lnSpc>
+              <a:spcPct val="90000"/>
+            </a:lnSpc>
+            <a:spcBef>
+              <a:spcPct val="0"/>
+            </a:spcBef>
+            <a:spcAft>
+              <a:spcPct val="35000"/>
+            </a:spcAft>
+            <a:buNone/>
+          </a:pPr>
+          <a:r>
+            <a:rPr lang="en-US" sz="2600" kern="1200" dirty="0"/>
+            <a:t>For security access</a:t>
+          </a:r>
+        </a:p>
+      </dsp:txBody>
+      <dsp:txXfrm>
+        <a:off x="6957539" y="1437640"/>
+        <a:ext cx="3220715" cy="2156460"/>
+      </dsp:txXfrm>
+    </dsp:sp>
+    <dsp:sp modelId="{72A3058D-6C80-4CD9-9220-21564479D13D}">
+      <dsp:nvSpPr>
+        <dsp:cNvPr id="0" name=""/>
+        <dsp:cNvSpPr/>
+      </dsp:nvSpPr>
+      <dsp:spPr>
+        <a:xfrm>
+          <a:off x="6957539" y="0"/>
+          <a:ext cx="3220715" cy="1437640"/>
+        </a:xfrm>
+        <a:prstGeom prst="rect">
+          <a:avLst/>
+        </a:prstGeom>
+        <a:noFill/>
+        <a:ln w="12700" cap="flat" cmpd="sng" algn="in">
+          <a:noFill/>
+          <a:prstDash val="solid"/>
+        </a:ln>
+        <a:effectLst/>
+        <a:sp3d/>
+      </dsp:spPr>
+      <dsp:style>
+        <a:lnRef idx="2">
+          <a:scrgbClr r="0" g="0" b="0"/>
+        </a:lnRef>
+        <a:fillRef idx="1">
+          <a:scrgbClr r="0" g="0" b="0"/>
+        </a:fillRef>
+        <a:effectRef idx="0">
+          <a:scrgbClr r="0" g="0" b="0"/>
+        </a:effectRef>
+        <a:fontRef idx="minor">
+          <a:schemeClr val="lt1"/>
+        </a:fontRef>
+      </dsp:style>
+      <dsp:txBody>
+        <a:bodyPr spcFirstLastPara="0" vert="horz" wrap="square" lIns="318135" tIns="165100" rIns="318135" bIns="165100" numCol="1" spcCol="1270" anchor="ctr" anchorCtr="0">
+          <a:noAutofit/>
+        </a:bodyPr>
+        <a:lstStyle/>
+        <a:p>
+          <a:pPr marL="0" lvl="0" indent="0" algn="l" defTabSz="2933700">
+            <a:lnSpc>
+              <a:spcPct val="90000"/>
+            </a:lnSpc>
+            <a:spcBef>
+              <a:spcPct val="0"/>
+            </a:spcBef>
+            <a:spcAft>
+              <a:spcPct val="35000"/>
+            </a:spcAft>
+            <a:buNone/>
+          </a:pPr>
+          <a:r>
+            <a:rPr lang="en-US" sz="6600" kern="1200"/>
+            <a:t>03</a:t>
+          </a:r>
+        </a:p>
+      </dsp:txBody>
+      <dsp:txXfrm>
+        <a:off x="6957539" y="0"/>
+        <a:ext cx="3220715" cy="1437640"/>
+      </dsp:txXfrm>
+    </dsp:sp>
+  </dsp:spTree>
+</dsp:drawing>
+</file>
+
+<file path=ppt/diagrams/layout1.xml><?xml version="1.0" encoding="utf-8"?>
+<dgm:layoutDef xmlns:dgm="http://schemas.openxmlformats.org/drawingml/2006/diagram" xmlns:a="http://schemas.openxmlformats.org/drawingml/2006/main" uniqueId="urn:microsoft.com/office/officeart/2016/7/layout/LinearBlockProcessNumbered">
+  <dgm:title val="Linear Block Process Numbered"/>
+  <dgm:desc val="Used to show a progression; a timeline; sequential steps in a task, process, or workflow; or to emphasize movement or direction. Automatic numbers have been introduced to show the steps of the process. Level 1 text and Level 2 text both appears in a rectangle."/>
+  <dgm:catLst>
+    <dgm:cat type="process" pri="500"/>
+  </dgm:catLst>
+  <dgm:sampData>
+    <dgm:dataModel>
+      <dgm:ptLst>
+        <dgm:pt modelId="0" type="doc"/>
+        <dgm:pt modelId="1">
+          <dgm:prSet phldr="1"/>
+        </dgm:pt>
+        <dgm:pt modelId="11">
+          <dgm:prSet phldr="1"/>
+        </dgm:pt>
+        <dgm:pt modelId="2">
+          <dgm:prSet phldr="1"/>
+        </dgm:pt>
+        <dgm:pt modelId="21">
+          <dgm:prSet phldr="1"/>
+        </dgm:pt>
+        <dgm:pt modelId="3">
+          <dgm:prSet phldr="1"/>
+        </dgm:pt>
+        <dgm:pt modelId="31">
+          <dgm:prSet phldr="1"/>
+        </dgm:pt>
+        <dgm:pt modelId="101" type="sibTrans" cxnId="4">
+          <dgm:prSet phldrT="1"/>
+          <dgm:t>
+            <a:bodyPr/>
+            <a:lstStyle/>
+            <a:p>
+              <a:r>
+                <a:t>01</a:t>
+              </a:r>
+            </a:p>
+          </dgm:t>
+        </dgm:pt>
+        <dgm:pt modelId="201" type="sibTrans" cxnId="5">
+          <dgm:prSet phldrT="2"/>
+          <dgm:t>
+            <a:bodyPr/>
+            <a:lstStyle/>
+            <a:p>
+              <a:r>
+                <a:t>02</a:t>
+              </a:r>
+            </a:p>
+          </dgm:t>
+        </dgm:pt>
+        <dgm:pt modelId="301" type="sibTrans" cxnId="6">
+          <dgm:prSet phldrT="3"/>
+          <dgm:t>
+            <a:bodyPr/>
+            <a:lstStyle/>
+            <a:p>
+              <a:r>
+                <a:t>03</a:t>
+              </a:r>
+            </a:p>
+          </dgm:t>
+        </dgm:pt>
+      </dgm:ptLst>
+      <dgm:cxnLst>
+        <dgm:cxn modelId="4" srcId="0" destId="1" srcOrd="0" destOrd="0" sibTransId="101"/>
+        <dgm:cxn modelId="5" srcId="0" destId="2" srcOrd="1" destOrd="0" sibTransId="201"/>
+        <dgm:cxn modelId="6" srcId="0" destId="3" srcOrd="2" destOrd="0" sibTransId="301"/>
+        <dgm:cxn modelId="13" srcId="1" destId="11" srcOrd="0" destOrd="0"/>
+        <dgm:cxn modelId="23" srcId="2" destId="21" srcOrd="0" destOrd="0"/>
+        <dgm:cxn modelId="33" srcId="3" destId="31" srcOrd="0" destOrd="0"/>
+      </dgm:cxnLst>
+      <dgm:bg/>
+      <dgm:whole/>
+    </dgm:dataModel>
+  </dgm:sampData>
+  <dgm:styleData>
+    <dgm:dataModel>
+      <dgm:ptLst>
+        <dgm:pt modelId="0" type="doc"/>
+        <dgm:pt modelId="1"/>
+        <dgm:pt modelId="11"/>
+        <dgm:pt modelId="2"/>
+        <dgm:pt modelId="21"/>
+      </dgm:ptLst>
+      <dgm:cxnLst>
+        <dgm:cxn modelId="4" srcId="0" destId="1" srcOrd="0" destOrd="0"/>
+        <dgm:cxn modelId="5" srcId="0" destId="2" srcOrd="1" destOrd="0"/>
+        <dgm:cxn modelId="13" srcId="1" destId="11" srcOrd="0" destOrd="0"/>
+        <dgm:cxn modelId="23" srcId="2" destId="21" srcOrd="0" destOrd="0"/>
+      </dgm:cxnLst>
+      <dgm:bg/>
+      <dgm:whole/>
+    </dgm:dataModel>
+  </dgm:styleData>
+  <dgm:clrData>
+    <dgm:dataModel>
+      <dgm:ptLst>
+        <dgm:pt modelId="0" type="doc"/>
+        <dgm:pt modelId="1"/>
+        <dgm:pt modelId="11"/>
+        <dgm:pt modelId="2"/>
+        <dgm:pt modelId="21"/>
+        <dgm:pt modelId="3"/>
+        <dgm:pt modelId="31"/>
+        <dgm:pt modelId="4"/>
+        <dgm:pt modelId="41"/>
+      </dgm:ptLst>
+      <dgm:cxnLst>
+        <dgm:cxn modelId="5" srcId="0" destId="1" srcOrd="0" destOrd="0"/>
+        <dgm:cxn modelId="6" srcId="0" destId="2" srcOrd="1" destOrd="0"/>
+        <dgm:cxn modelId="7" srcId="0" destId="3" srcOrd="2" destOrd="0"/>
+        <dgm:cxn modelId="8" srcId="0" destId="4" srcOrd="3" destOrd="0"/>
+        <dgm:cxn modelId="13" srcId="1" destId="11" srcOrd="0" destOrd="0"/>
+        <dgm:cxn modelId="23" srcId="2" destId="21" srcOrd="0" destOrd="0"/>
+        <dgm:cxn modelId="33" srcId="3" destId="31" srcOrd="0" destOrd="0"/>
+        <dgm:cxn modelId="43" srcId="4" destId="41" srcOrd="0" destOrd="0"/>
+      </dgm:cxnLst>
+      <dgm:bg/>
+      <dgm:whole/>
+    </dgm:dataModel>
+  </dgm:clrData>
+  <dgm:layoutNode name="Name0">
+    <dgm:varLst>
+      <dgm:animLvl val="lvl"/>
+      <dgm:resizeHandles val="exact"/>
+    </dgm:varLst>
+    <dgm:alg type="lin">
+      <dgm:param type="linDir" val="fromL"/>
+      <dgm:param type="nodeVertAlign" val="t"/>
+    </dgm:alg>
+    <dgm:shape xmlns:r="http://schemas.openxmlformats.org/officeDocument/2006/relationships" r:blip="">
+      <dgm:adjLst/>
+    </dgm:shape>
+    <dgm:presOf/>
+    <dgm:constrLst>
+      <dgm:constr type="h" for="ch" forName="compositeNode" refType="h"/>
+      <dgm:constr type="w" for="ch" forName="compositeNode" refType="w"/>
+      <dgm:constr type="w" for="des" forName="simulatedConn" refType="w" refFor="ch" refForName="compositeNode" fact="0.15"/>
+      <dgm:constr type="h" for="des" forName="simulatedConn" refType="w" refFor="des" refForName="simulatedConn"/>
+      <dgm:constr type="h" for="des" forName="vSp1" refType="w" refFor="ch" refForName="compositeNode" fact="0.8"/>
+      <dgm:constr type="h" for="des" forName="vSp2" refType="w" refFor="ch" refForName="compositeNode" fact="0.07"/>
+      <dgm:constr type="w" for="ch" forName="vProcSp" refType="w" refFor="des" refForName="simulatedConn" op="equ"/>
+      <dgm:constr type="h" for="ch" forName="vProcSp" refType="h" refFor="ch" refForName="compositeNode" op="equ"/>
+      <dgm:constr type="w" for="ch" forName="sibTrans" refType="w" refFor="ch" refForName="compositeNode" fact="0.08"/>
+      <dgm:constr type="primFontSz" for="des" forName="sibTransNodeRect" op="equ"/>
+      <dgm:constr type="primFontSz" for="des" forName="nodeRect" op="equ"/>
+    </dgm:constrLst>
+    <dgm:ruleLst/>
+    <dgm:forEach name="Name4" axis="ch" ptType="node">
+      <dgm:layoutNode name="compositeNode">
+        <dgm:varLst>
+          <dgm:bulletEnabled val="1"/>
+        </dgm:varLst>
+        <dgm:alg type="composite"/>
+        <dgm:constrLst>
+          <dgm:constr type="h" refType="w" op="lte" fact="1.2"/>
+          <dgm:constr type="w" for="ch" forName="bgRect" refType="w"/>
+          <dgm:constr type="h" for="ch" forName="bgRect" refType="h"/>
+          <dgm:constr type="t" for="ch" forName="bgRect"/>
+          <dgm:constr type="l" for="ch" forName="bgRect"/>
+          <dgm:constr type="w" for="ch" forName="sibTransNodeRect" refType="w" refFor="ch" refForName="bgRect"/>
+          <dgm:constr type="h" for="ch" forName="sibTransNodeRect" refType="h" refFor="ch" refForName="bgRect" fact="0.4"/>
+          <dgm:constr type="t" for="ch" forName="sibTransNodeRect"/>
+          <dgm:constr type="l" for="ch" forName="sibTransNodeRect"/>
+          <dgm:constr type="r" for="ch" forName="nodeRect" refType="r" refFor="ch" refForName="bgRect"/>
+          <dgm:constr type="h" for="ch" forName="nodeRect" refType="h" refFor="ch" refForName="bgRect" fact="0.6"/>
+          <dgm:constr type="t" for="ch" forName="nodeRect" refType="b" refFor="ch" refForName="sibTransNodeRect"/>
+          <dgm:constr type="l" for="ch" forName="nodeRect" refType="l" refFor="ch" refForName="bgRect"/>
+        </dgm:constrLst>
+        <dgm:ruleLst>
+          <dgm:rule type="w" for="ch" forName="nodeRect" val="NaN" fact="NaN" max="30"/>
+        </dgm:ruleLst>
+        <dgm:layoutNode name="bgRect" styleLbl="alignNode1">
+          <dgm:alg type="sp"/>
+          <dgm:shape xmlns:r="http://schemas.openxmlformats.org/officeDocument/2006/relationships" type="rect" r:blip="">
+            <dgm:adjLst>
+              <dgm:adj idx="1" val="0.05"/>
+            </dgm:adjLst>
+          </dgm:shape>
+          <dgm:presOf axis="self"/>
+          <dgm:constrLst/>
+          <dgm:ruleLst/>
+        </dgm:layoutNode>
+        <dgm:forEach name="Name19" axis="followSib" ptType="sibTrans" hideLastTrans="0" cnt="1">
+          <dgm:layoutNode name="sibTransNodeRect" styleLbl="alignNode1">
+            <dgm:varLst>
+              <dgm:chMax val="0"/>
+              <dgm:bulletEnabled val="1"/>
+            </dgm:varLst>
+            <dgm:presOf axis="self"/>
+            <dgm:alg type="tx">
+              <dgm:param type="parTxLTRAlign" val="l"/>
+              <dgm:param type="parTxRTLAlign" val="l"/>
+            </dgm:alg>
+            <dgm:shape xmlns:r="http://schemas.openxmlformats.org/officeDocument/2006/relationships" type="rect" r:blip="" hideGeom="1">
+              <dgm:adjLst/>
+            </dgm:shape>
+            <dgm:constrLst>
+              <dgm:constr type="primFontSz" val="66"/>
+              <dgm:constr type="tMarg" val="13"/>
+              <dgm:constr type="lMarg" refType="w" fact="0.28"/>
+              <dgm:constr type="rMarg" refType="w" fact="0.28"/>
+              <dgm:constr type="bMarg" val="13"/>
+            </dgm:constrLst>
+            <dgm:ruleLst>
+              <dgm:rule type="primFontSz" val="14" fact="NaN" max="NaN"/>
+              <dgm:rule type="tMarg" val="13" fact="NaN" max="NaN"/>
+            </dgm:ruleLst>
+          </dgm:layoutNode>
+        </dgm:forEach>
+        <dgm:layoutNode name="nodeRect" styleLbl="alignNode1" moveWith="bgRect">
+          <dgm:varLst>
+            <dgm:bulletEnabled val="1"/>
+          </dgm:varLst>
+          <dgm:alg type="tx">
+            <dgm:param type="parTxLTRAlign" val="l"/>
+            <dgm:param type="parTxRTLAlign" val="r"/>
+            <dgm:param type="txAnchorVert" val="t"/>
+            <dgm:param type="stBulletLvl" val="2"/>
+          </dgm:alg>
+          <dgm:shape xmlns:r="http://schemas.openxmlformats.org/officeDocument/2006/relationships" type="rect" r:blip="" hideGeom="1">
+            <dgm:adjLst/>
+          </dgm:shape>
+          <dgm:presOf axis="desOrSelf" ptType="node"/>
+          <dgm:constrLst>
+            <dgm:constr type="primFontSz" val="26"/>
+            <dgm:constr type="tMarg"/>
+            <dgm:constr type="lMarg" refType="w" fact="0.28"/>
+            <dgm:constr type="rMarg" refType="w" fact="0.28"/>
+            <dgm:constr type="bMarg" val="26"/>
+          </dgm:constrLst>
+          <dgm:ruleLst>
+            <dgm:rule type="primFontSz" val="11" fact="NaN" max="NaN"/>
+          </dgm:ruleLst>
+        </dgm:layoutNode>
+      </dgm:layoutNode>
+      <dgm:forEach name="Name14" axis="followSib" ptType="sibTrans" cnt="1">
+        <dgm:layoutNode name="sibTrans">
+          <dgm:alg type="sp"/>
+          <dgm:shape xmlns:r="http://schemas.openxmlformats.org/officeDocument/2006/relationships" r:blip="">
+            <dgm:adjLst/>
+          </dgm:shape>
+          <dgm:presOf/>
+          <dgm:constrLst/>
+          <dgm:ruleLst/>
+        </dgm:layoutNode>
+      </dgm:forEach>
+    </dgm:forEach>
+  </dgm:layoutNode>
+  <dgm:extLst>
+    <a:ext uri="{4F341089-5ED1-44EC-B178-C955D00A3D55}">
+      <dgm1611:autoBuNodeInfoLst xmlns:dgm1611="http://schemas.microsoft.com/office/drawing/2016/11/diagram" xmlns="">
+        <dgm1611:autoBuNodeInfo lvl="1" ptType="sibTrans">
+          <dgm1611:buPr prefix="" leadZeros="1">
+            <a:buAutoNum type="arabicParenBoth"/>
+          </dgm1611:buPr>
+        </dgm1611:autoBuNodeInfo>
+      </dgm1611:autoBuNodeInfoLst>
+    </a:ext>
+  </dgm:extLst>
+</dgm:layoutDef>
+</file>
+
+<file path=ppt/diagrams/layout2.xml><?xml version="1.0" encoding="utf-8"?>
+<dgm:layoutDef xmlns:dgm="http://schemas.openxmlformats.org/drawingml/2006/diagram" xmlns:a="http://schemas.openxmlformats.org/drawingml/2006/main" uniqueId="urn:microsoft.com/office/officeart/2016/7/layout/LinearBlockProcessNumbered">
+  <dgm:title val="Linear Block Process Numbered"/>
+  <dgm:desc val="Used to show a progression; a timeline; sequential steps in a task, process, or workflow; or to emphasize movement or direction. Automatic numbers have been introduced to show the steps of the process. Level 1 text and Level 2 text both appears in a rectangle."/>
+  <dgm:catLst>
+    <dgm:cat type="process" pri="500"/>
+  </dgm:catLst>
+  <dgm:sampData>
+    <dgm:dataModel>
+      <dgm:ptLst>
+        <dgm:pt modelId="0" type="doc"/>
+        <dgm:pt modelId="1">
+          <dgm:prSet phldr="1"/>
+        </dgm:pt>
+        <dgm:pt modelId="11">
+          <dgm:prSet phldr="1"/>
+        </dgm:pt>
+        <dgm:pt modelId="2">
+          <dgm:prSet phldr="1"/>
+        </dgm:pt>
+        <dgm:pt modelId="21">
+          <dgm:prSet phldr="1"/>
+        </dgm:pt>
+        <dgm:pt modelId="3">
+          <dgm:prSet phldr="1"/>
+        </dgm:pt>
+        <dgm:pt modelId="31">
+          <dgm:prSet phldr="1"/>
+        </dgm:pt>
+        <dgm:pt modelId="101" type="sibTrans" cxnId="4">
+          <dgm:prSet phldrT="1"/>
+          <dgm:t>
+            <a:bodyPr/>
+            <a:lstStyle/>
+            <a:p>
+              <a:r>
+                <a:t>01</a:t>
+              </a:r>
+            </a:p>
+          </dgm:t>
+        </dgm:pt>
+        <dgm:pt modelId="201" type="sibTrans" cxnId="5">
+          <dgm:prSet phldrT="2"/>
+          <dgm:t>
+            <a:bodyPr/>
+            <a:lstStyle/>
+            <a:p>
+              <a:r>
+                <a:t>02</a:t>
+              </a:r>
+            </a:p>
+          </dgm:t>
+        </dgm:pt>
+        <dgm:pt modelId="301" type="sibTrans" cxnId="6">
+          <dgm:prSet phldrT="3"/>
+          <dgm:t>
+            <a:bodyPr/>
+            <a:lstStyle/>
+            <a:p>
+              <a:r>
+                <a:t>03</a:t>
+              </a:r>
+            </a:p>
+          </dgm:t>
+        </dgm:pt>
+      </dgm:ptLst>
+      <dgm:cxnLst>
+        <dgm:cxn modelId="4" srcId="0" destId="1" srcOrd="0" destOrd="0" sibTransId="101"/>
+        <dgm:cxn modelId="5" srcId="0" destId="2" srcOrd="1" destOrd="0" sibTransId="201"/>
+        <dgm:cxn modelId="6" srcId="0" destId="3" srcOrd="2" destOrd="0" sibTransId="301"/>
+        <dgm:cxn modelId="13" srcId="1" destId="11" srcOrd="0" destOrd="0"/>
+        <dgm:cxn modelId="23" srcId="2" destId="21" srcOrd="0" destOrd="0"/>
+        <dgm:cxn modelId="33" srcId="3" destId="31" srcOrd="0" destOrd="0"/>
+      </dgm:cxnLst>
+      <dgm:bg/>
+      <dgm:whole/>
+    </dgm:dataModel>
+  </dgm:sampData>
+  <dgm:styleData>
+    <dgm:dataModel>
+      <dgm:ptLst>
+        <dgm:pt modelId="0" type="doc"/>
+        <dgm:pt modelId="1"/>
+        <dgm:pt modelId="11"/>
+        <dgm:pt modelId="2"/>
+        <dgm:pt modelId="21"/>
+      </dgm:ptLst>
+      <dgm:cxnLst>
+        <dgm:cxn modelId="4" srcId="0" destId="1" srcOrd="0" destOrd="0"/>
+        <dgm:cxn modelId="5" srcId="0" destId="2" srcOrd="1" destOrd="0"/>
+        <dgm:cxn modelId="13" srcId="1" destId="11" srcOrd="0" destOrd="0"/>
+        <dgm:cxn modelId="23" srcId="2" destId="21" srcOrd="0" destOrd="0"/>
+      </dgm:cxnLst>
+      <dgm:bg/>
+      <dgm:whole/>
+    </dgm:dataModel>
+  </dgm:styleData>
+  <dgm:clrData>
+    <dgm:dataModel>
+      <dgm:ptLst>
+        <dgm:pt modelId="0" type="doc"/>
+        <dgm:pt modelId="1"/>
+        <dgm:pt modelId="11"/>
+        <dgm:pt modelId="2"/>
+        <dgm:pt modelId="21"/>
+        <dgm:pt modelId="3"/>
+        <dgm:pt modelId="31"/>
+        <dgm:pt modelId="4"/>
+        <dgm:pt modelId="41"/>
+      </dgm:ptLst>
+      <dgm:cxnLst>
+        <dgm:cxn modelId="5" srcId="0" destId="1" srcOrd="0" destOrd="0"/>
+        <dgm:cxn modelId="6" srcId="0" destId="2" srcOrd="1" destOrd="0"/>
+        <dgm:cxn modelId="7" srcId="0" destId="3" srcOrd="2" destOrd="0"/>
+        <dgm:cxn modelId="8" srcId="0" destId="4" srcOrd="3" destOrd="0"/>
+        <dgm:cxn modelId="13" srcId="1" destId="11" srcOrd="0" destOrd="0"/>
+        <dgm:cxn modelId="23" srcId="2" destId="21" srcOrd="0" destOrd="0"/>
+        <dgm:cxn modelId="33" srcId="3" destId="31" srcOrd="0" destOrd="0"/>
+        <dgm:cxn modelId="43" srcId="4" destId="41" srcOrd="0" destOrd="0"/>
+      </dgm:cxnLst>
+      <dgm:bg/>
+      <dgm:whole/>
+    </dgm:dataModel>
+  </dgm:clrData>
+  <dgm:layoutNode name="Name0">
+    <dgm:varLst>
+      <dgm:animLvl val="lvl"/>
+      <dgm:resizeHandles val="exact"/>
+    </dgm:varLst>
+    <dgm:alg type="lin">
+      <dgm:param type="linDir" val="fromL"/>
+      <dgm:param type="nodeVertAlign" val="t"/>
+    </dgm:alg>
+    <dgm:shape xmlns:r="http://schemas.openxmlformats.org/officeDocument/2006/relationships" r:blip="">
+      <dgm:adjLst/>
+    </dgm:shape>
+    <dgm:presOf/>
+    <dgm:constrLst>
+      <dgm:constr type="h" for="ch" forName="compositeNode" refType="h"/>
+      <dgm:constr type="w" for="ch" forName="compositeNode" refType="w"/>
+      <dgm:constr type="w" for="des" forName="simulatedConn" refType="w" refFor="ch" refForName="compositeNode" fact="0.15"/>
+      <dgm:constr type="h" for="des" forName="simulatedConn" refType="w" refFor="des" refForName="simulatedConn"/>
+      <dgm:constr type="h" for="des" forName="vSp1" refType="w" refFor="ch" refForName="compositeNode" fact="0.8"/>
+      <dgm:constr type="h" for="des" forName="vSp2" refType="w" refFor="ch" refForName="compositeNode" fact="0.07"/>
+      <dgm:constr type="w" for="ch" forName="vProcSp" refType="w" refFor="des" refForName="simulatedConn" op="equ"/>
+      <dgm:constr type="h" for="ch" forName="vProcSp" refType="h" refFor="ch" refForName="compositeNode" op="equ"/>
+      <dgm:constr type="w" for="ch" forName="sibTrans" refType="w" refFor="ch" refForName="compositeNode" fact="0.08"/>
+      <dgm:constr type="primFontSz" for="des" forName="sibTransNodeRect" op="equ"/>
+      <dgm:constr type="primFontSz" for="des" forName="nodeRect" op="equ"/>
+    </dgm:constrLst>
+    <dgm:ruleLst/>
+    <dgm:forEach name="Name4" axis="ch" ptType="node">
+      <dgm:layoutNode name="compositeNode">
+        <dgm:varLst>
+          <dgm:bulletEnabled val="1"/>
+        </dgm:varLst>
+        <dgm:alg type="composite"/>
+        <dgm:constrLst>
+          <dgm:constr type="h" refType="w" op="lte" fact="1.2"/>
+          <dgm:constr type="w" for="ch" forName="bgRect" refType="w"/>
+          <dgm:constr type="h" for="ch" forName="bgRect" refType="h"/>
+          <dgm:constr type="t" for="ch" forName="bgRect"/>
+          <dgm:constr type="l" for="ch" forName="bgRect"/>
+          <dgm:constr type="w" for="ch" forName="sibTransNodeRect" refType="w" refFor="ch" refForName="bgRect"/>
+          <dgm:constr type="h" for="ch" forName="sibTransNodeRect" refType="h" refFor="ch" refForName="bgRect" fact="0.4"/>
+          <dgm:constr type="t" for="ch" forName="sibTransNodeRect"/>
+          <dgm:constr type="l" for="ch" forName="sibTransNodeRect"/>
+          <dgm:constr type="r" for="ch" forName="nodeRect" refType="r" refFor="ch" refForName="bgRect"/>
+          <dgm:constr type="h" for="ch" forName="nodeRect" refType="h" refFor="ch" refForName="bgRect" fact="0.6"/>
+          <dgm:constr type="t" for="ch" forName="nodeRect" refType="b" refFor="ch" refForName="sibTransNodeRect"/>
+          <dgm:constr type="l" for="ch" forName="nodeRect" refType="l" refFor="ch" refForName="bgRect"/>
+        </dgm:constrLst>
+        <dgm:ruleLst>
+          <dgm:rule type="w" for="ch" forName="nodeRect" val="NaN" fact="NaN" max="30"/>
+        </dgm:ruleLst>
+        <dgm:layoutNode name="bgRect" styleLbl="alignNode1">
+          <dgm:alg type="sp"/>
+          <dgm:shape xmlns:r="http://schemas.openxmlformats.org/officeDocument/2006/relationships" type="rect" r:blip="">
+            <dgm:adjLst>
+              <dgm:adj idx="1" val="0.05"/>
+            </dgm:adjLst>
+          </dgm:shape>
+          <dgm:presOf axis="self"/>
+          <dgm:constrLst/>
+          <dgm:ruleLst/>
+        </dgm:layoutNode>
+        <dgm:forEach name="Name19" axis="followSib" ptType="sibTrans" hideLastTrans="0" cnt="1">
+          <dgm:layoutNode name="sibTransNodeRect" styleLbl="alignNode1">
+            <dgm:varLst>
+              <dgm:chMax val="0"/>
+              <dgm:bulletEnabled val="1"/>
+            </dgm:varLst>
+            <dgm:presOf axis="self"/>
+            <dgm:alg type="tx">
+              <dgm:param type="parTxLTRAlign" val="l"/>
+              <dgm:param type="parTxRTLAlign" val="l"/>
+            </dgm:alg>
+            <dgm:shape xmlns:r="http://schemas.openxmlformats.org/officeDocument/2006/relationships" type="rect" r:blip="" hideGeom="1">
+              <dgm:adjLst/>
+            </dgm:shape>
+            <dgm:constrLst>
+              <dgm:constr type="primFontSz" val="66"/>
+              <dgm:constr type="tMarg" val="13"/>
+              <dgm:constr type="lMarg" refType="w" fact="0.28"/>
+              <dgm:constr type="rMarg" refType="w" fact="0.28"/>
+              <dgm:constr type="bMarg" val="13"/>
+            </dgm:constrLst>
+            <dgm:ruleLst>
+              <dgm:rule type="primFontSz" val="14" fact="NaN" max="NaN"/>
+              <dgm:rule type="tMarg" val="13" fact="NaN" max="NaN"/>
+            </dgm:ruleLst>
+          </dgm:layoutNode>
+        </dgm:forEach>
+        <dgm:layoutNode name="nodeRect" styleLbl="alignNode1" moveWith="bgRect">
+          <dgm:varLst>
+            <dgm:bulletEnabled val="1"/>
+          </dgm:varLst>
+          <dgm:alg type="tx">
+            <dgm:param type="parTxLTRAlign" val="l"/>
+            <dgm:param type="parTxRTLAlign" val="r"/>
+            <dgm:param type="txAnchorVert" val="t"/>
+            <dgm:param type="stBulletLvl" val="2"/>
+          </dgm:alg>
+          <dgm:shape xmlns:r="http://schemas.openxmlformats.org/officeDocument/2006/relationships" type="rect" r:blip="" hideGeom="1">
+            <dgm:adjLst/>
+          </dgm:shape>
+          <dgm:presOf axis="desOrSelf" ptType="node"/>
+          <dgm:constrLst>
+            <dgm:constr type="primFontSz" val="26"/>
+            <dgm:constr type="tMarg"/>
+            <dgm:constr type="lMarg" refType="w" fact="0.28"/>
+            <dgm:constr type="rMarg" refType="w" fact="0.28"/>
+            <dgm:constr type="bMarg" val="26"/>
+          </dgm:constrLst>
+          <dgm:ruleLst>
+            <dgm:rule type="primFontSz" val="11" fact="NaN" max="NaN"/>
+          </dgm:ruleLst>
+        </dgm:layoutNode>
+      </dgm:layoutNode>
+      <dgm:forEach name="Name14" axis="followSib" ptType="sibTrans" cnt="1">
+        <dgm:layoutNode name="sibTrans">
+          <dgm:alg type="sp"/>
+          <dgm:shape xmlns:r="http://schemas.openxmlformats.org/officeDocument/2006/relationships" r:blip="">
+            <dgm:adjLst/>
+          </dgm:shape>
+          <dgm:presOf/>
+          <dgm:constrLst/>
+          <dgm:ruleLst/>
+        </dgm:layoutNode>
+      </dgm:forEach>
+    </dgm:forEach>
+  </dgm:layoutNode>
+  <dgm:extLst>
+    <a:ext uri="{4F341089-5ED1-44EC-B178-C955D00A3D55}">
+      <dgm1611:autoBuNodeInfoLst xmlns:dgm1611="http://schemas.microsoft.com/office/drawing/2016/11/diagram" xmlns="">
+        <dgm1611:autoBuNodeInfo lvl="1" ptType="sibTrans">
+          <dgm1611:buPr prefix="" leadZeros="1">
+            <a:buAutoNum type="arabicParenBoth"/>
+          </dgm1611:buPr>
+        </dgm1611:autoBuNodeInfo>
+      </dgm1611:autoBuNodeInfoLst>
+    </a:ext>
+  </dgm:extLst>
+</dgm:layoutDef>
+</file>
+
+<file path=ppt/diagrams/quickStyle1.xml><?xml version="1.0" encoding="utf-8"?>
+<dgm:styleDef xmlns:dgm="http://schemas.openxmlformats.org/drawingml/2006/diagram" xmlns:a="http://schemas.openxmlformats.org/drawingml/2006/main" uniqueId="urn:microsoft.com/office/officeart/2005/8/quickstyle/simple1">
+  <dgm:title val=""/>
+  <dgm:desc val=""/>
+  <dgm:catLst>
+    <dgm:cat type="simple" pri="10100"/>
+  </dgm:catLst>
+  <dgm:scene3d>
+    <a:camera prst="orthographicFront"/>
+    <a:lightRig rig="threePt" dir="t"/>
+  </dgm:scene3d>
+  <dgm:styleLbl name="node0">
+    <dgm:scene3d>
+      <a:camera prst="orthographicFront"/>
+      <a:lightRig rig="threePt" dir="t"/>
+    </dgm:scene3d>
+    <dgm:sp3d/>
+    <dgm:txPr/>
+    <dgm:style>
+      <a:lnRef idx="2">
+        <a:scrgbClr r="0" g="0" b="0"/>
+      </a:lnRef>
+      <a:fillRef idx="1">
+        <a:scrgbClr r="0" g="0" b="0"/>
+      </a:fillRef>
+      <a:effectRef idx="0">
+        <a:scrgbClr r="0" g="0" b="0"/>
+      </a:effectRef>
+      <a:fontRef idx="minor">
+        <a:schemeClr val="lt1"/>
+      </a:fontRef>
+    </dgm:style>
+  </dgm:styleLbl>
+  <dgm:styleLbl name="lnNode1">
+    <dgm:scene3d>
+      <a:camera prst="orthographicFront"/>
+      <a:lightRig rig="threePt" dir="t"/>
+    </dgm:scene3d>
+    <dgm:sp3d/>
+    <dgm:txPr/>
+    <dgm:style>
+      <a:lnRef idx="2">
+        <a:scrgbClr r="0" g="0" b="0"/>
+      </a:lnRef>
+      <a:fillRef idx="1">
+        <a:scrgbClr r="0" g="0" b="0"/>
+      </a:fillRef>
+      <a:effectRef idx="0">
+        <a:scrgbClr r="0" g="0" b="0"/>
+      </a:effectRef>
+      <a:fontRef idx="minor">
+        <a:schemeClr val="lt1"/>
+      </a:fontRef>
+    </dgm:style>
+  </dgm:styleLbl>
+  <dgm:styleLbl name="vennNode1">
+    <dgm:scene3d>
+      <a:camera prst="orthographicFront"/>
+      <a:lightRig rig="threePt" dir="t"/>
+    </dgm:scene3d>
+    <dgm:sp3d/>
+    <dgm:txPr/>
+    <dgm:style>
+      <a:lnRef idx="2">
+        <a:scrgbClr r="0" g="0" b="0"/>
+      </a:lnRef>
+      <a:fillRef idx="1">
+        <a:scrgbClr r="0" g="0" b="0"/>
+      </a:fillRef>
+      <a:effectRef idx="0">
+        <a:scrgbClr r="0" g="0" b="0"/>
+      </a:effectRef>
+      <a:fontRef idx="minor">
+        <a:schemeClr val="tx1"/>
+      </a:fontRef>
+    </dgm:style>
+  </dgm:styleLbl>
+  <dgm:styleLbl name="alignNode1">
+    <dgm:scene3d>
+      <a:camera prst="orthographicFront"/>
+      <a:lightRig rig="threePt" dir="t"/>
+    </dgm:scene3d>
+    <dgm:sp3d/>
+    <dgm:txPr/>
+    <dgm:style>
+      <a:lnRef idx="2">
+        <a:scrgbClr r="0" g="0" b="0"/>
+      </a:lnRef>
+      <a:fillRef idx="1">
+        <a:scrgbClr r="0" g="0" b="0"/>
+      </a:fillRef>
+      <a:effectRef idx="0">
+        <a:scrgbClr r="0" g="0" b="0"/>
+      </a:effectRef>
+      <a:fontRef idx="minor">
+        <a:schemeClr val="lt1"/>
+      </a:fontRef>
+    </dgm:style>
+  </dgm:styleLbl>
+  <dgm:styleLbl name="node1">
+    <dgm:scene3d>
+      <a:camera prst="orthographicFront"/>
+      <a:lightRig rig="threePt" dir="t"/>
+    </dgm:scene3d>
+    <dgm:sp3d/>
+    <dgm:txPr/>
+    <dgm:style>
+      <a:lnRef idx="2">
+        <a:scrgbClr r="0" g="0" b="0"/>
+      </a:lnRef>
+      <a:fillRef idx="1">
+        <a:scrgbClr r="0" g="0" b="0"/>
+      </a:fillRef>
+      <a:effectRef idx="0">
+        <a:scrgbClr r="0" g="0" b="0"/>
+      </a:effectRef>
+      <a:fontRef idx="minor">
+        <a:schemeClr val="lt1"/>
+      </a:fontRef>
+    </dgm:style>
+  </dgm:styleLbl>
+  <dgm:styleLbl name="node2">
+    <dgm:scene3d>
+      <a:camera prst="orthographicFront"/>
+      <a:lightRig rig="threePt" dir="t"/>
+    </dgm:scene3d>
+    <dgm:sp3d/>
+    <dgm:txPr/>
+    <dgm:style>
+      <a:lnRef idx="2">
+        <a:scrgbClr r="0" g="0" b="0"/>
+      </a:lnRef>
+      <a:fillRef idx="1">
+        <a:scrgbClr r="0" g="0" b="0"/>
+      </a:fillRef>
+      <a:effectRef idx="0">
+        <a:scrgbClr r="0" g="0" b="0"/>
+      </a:effectRef>
+      <a:fontRef idx="minor">
+        <a:schemeClr val="lt1"/>
+      </a:fontRef>
+    </dgm:style>
+  </dgm:styleLbl>
+  <dgm:styleLbl name="node3">
+    <dgm:scene3d>
+      <a:camera prst="orthographicFront"/>
+      <a:lightRig rig="threePt" dir="t"/>
+    </dgm:scene3d>
+    <dgm:sp3d/>
+    <dgm:txPr/>
+    <dgm:style>
+      <a:lnRef idx="2">
+        <a:scrgbClr r="0" g="0" b="0"/>
+      </a:lnRef>
+      <a:fillRef idx="1">
+        <a:scrgbClr r="0" g="0" b="0"/>
+      </a:fillRef>
+      <a:effectRef idx="0">
+        <a:scrgbClr r="0" g="0" b="0"/>
+      </a:effectRef>
+      <a:fontRef idx="minor">
+        <a:schemeClr val="lt1"/>
+      </a:fontRef>
+    </dgm:style>
+  </dgm:styleLbl>
+  <dgm:styleLbl name="node4">
+    <dgm:scene3d>
+      <a:camera prst="orthographicFront"/>
+      <a:lightRig rig="threePt" dir="t"/>
+    </dgm:scene3d>
+    <dgm:sp3d/>
+    <dgm:txPr/>
+    <dgm:style>
+      <a:lnRef idx="2">
+        <a:scrgbClr r="0" g="0" b="0"/>
+      </a:lnRef>
+      <a:fillRef idx="1">
+        <a:scrgbClr r="0" g="0" b="0"/>
+      </a:fillRef>
+      <a:effectRef idx="0">
+        <a:scrgbClr r="0" g="0" b="0"/>
+      </a:effectRef>
+      <a:fontRef idx="minor">
+        <a:schemeClr val="lt1"/>
+      </a:fontRef>
+    </dgm:style>
+  </dgm:styleLbl>
+  <dgm:styleLbl name="fgImgPlace1">
+    <dgm:scene3d>
+      <a:camera prst="orthographicFront"/>
+      <a:lightRig rig="threePt" dir="t"/>
+    </dgm:scene3d>
+    <dgm:sp3d/>
+    <dgm:txPr/>
+    <dgm:style>
+      <a:lnRef idx="2">
+        <a:scrgbClr r="0" g="0" b="0"/>
+      </a:lnRef>
+      <a:fillRef idx="1">
+        <a:scrgbClr r="0" g="0" b="0"/>
+      </a:fillRef>
+      <a:effectRef idx="0">
+        <a:scrgbClr r="0" g="0" b="0"/>
+      </a:effectRef>
+      <a:fontRef idx="minor"/>
+    </dgm:style>
+  </dgm:styleLbl>
+  <dgm:styleLbl name="alignImgPlace1">
+    <dgm:scene3d>
+      <a:camera prst="orthographicFront"/>
+      <a:lightRig rig="threePt" dir="t"/>
+    </dgm:scene3d>
+    <dgm:sp3d/>
+    <dgm:txPr/>
+    <dgm:style>
+      <a:lnRef idx="2">
+        <a:scrgbClr r="0" g="0" b="0"/>
+      </a:lnRef>
+      <a:fillRef idx="1">
+        <a:scrgbClr r="0" g="0" b="0"/>
+      </a:fillRef>
+      <a:effectRef idx="0">
+        <a:scrgbClr r="0" g="0" b="0"/>
+      </a:effectRef>
+      <a:fontRef idx="minor"/>
+    </dgm:style>
+  </dgm:styleLbl>
+  <dgm:styleLbl name="bgImgPlace1">
+    <dgm:scene3d>
+      <a:camera prst="orthographicFront"/>
+      <a:lightRig rig="threePt" dir="t"/>
+    </dgm:scene3d>
+    <dgm:sp3d/>
+    <dgm:txPr/>
+    <dgm:style>
+      <a:lnRef idx="2">
+        <a:scrgbClr r="0" g="0" b="0"/>
+      </a:lnRef>
+      <a:fillRef idx="1">
+        <a:scrgbClr r="0" g="0" b="0"/>
+      </a:fillRef>
+      <a:effectRef idx="0">
+        <a:scrgbClr r="0" g="0" b="0"/>
+      </a:effectRef>
+      <a:fontRef idx="minor"/>
+    </dgm:style>
+  </dgm:styleLbl>
+  <dgm:styleLbl name="sibTrans2D1">
+    <dgm:scene3d>
+      <a:camera prst="orthographicFront"/>
+      <a:lightRig rig="threePt" dir="t"/>
+    </dgm:scene3d>
+    <dgm:sp3d/>
+    <dgm:txPr/>
+    <dgm:style>
+      <a:lnRef idx="0">
+        <a:scrgbClr r="0" g="0" b="0"/>
+      </a:lnRef>
+      <a:fillRef idx="1">
+        <a:scrgbClr r="0" g="0" b="0"/>
+      </a:fillRef>
+      <a:effectRef idx="0">
+        <a:scrgbClr r="0" g="0" b="0"/>
+      </a:effectRef>
+      <a:fontRef idx="minor">
+        <a:schemeClr val="lt1"/>
+      </a:fontRef>
+    </dgm:style>
+  </dgm:styleLbl>
+  <dgm:styleLbl name="fgSibTrans2D1">
+    <dgm:scene3d>
+      <a:camera prst="orthographicFront"/>
+      <a:lightRig rig="threePt" dir="t"/>
+    </dgm:scene3d>
+    <dgm:sp3d/>
+    <dgm:txPr/>
+    <dgm:style>
+      <a:lnRef idx="0">
+        <a:scrgbClr r="0" g="0" b="0"/>
+      </a:lnRef>
+      <a:fillRef idx="1">
+        <a:scrgbClr r="0" g="0" b="0"/>
+      </a:fillRef>
+      <a:effectRef idx="0">
+        <a:scrgbClr r="0" g="0" b="0"/>
+      </a:effectRef>
+      <a:fontRef idx="minor">
+        <a:schemeClr val="lt1"/>
+      </a:fontRef>
+    </dgm:style>
+  </dgm:styleLbl>
+  <dgm:styleLbl name="bgSibTrans2D1">
+    <dgm:scene3d>
+      <a:camera prst="orthographicFront"/>
+      <a:lightRig rig="threePt" dir="t"/>
+    </dgm:scene3d>
+    <dgm:sp3d/>
+    <dgm:txPr/>
+    <dgm:style>
+      <a:lnRef idx="0">
+        <a:scrgbClr r="0" g="0" b="0"/>
+      </a:lnRef>
+      <a:fillRef idx="1">
+        <a:scrgbClr r="0" g="0" b="0"/>
+      </a:fillRef>
+      <a:effectRef idx="0">
+        <a:scrgbClr r="0" g="0" b="0"/>
+      </a:effectRef>
+      <a:fontRef idx="minor">
+        <a:schemeClr val="lt1"/>
+      </a:fontRef>
+    </dgm:style>
+  </dgm:styleLbl>
+  <dgm:styleLbl name="sibTrans1D1">
+    <dgm:scene3d>
+      <a:camera prst="orthographicFront"/>
+      <a:lightRig rig="threePt" dir="t"/>
+    </dgm:scene3d>
+    <dgm:sp3d/>
+    <dgm:txPr/>
+    <dgm:style>
+      <a:lnRef idx="1">
+        <a:scrgbClr r="0" g="0" b="0"/>
+      </a:lnRef>
+      <a:fillRef idx="0">
+        <a:scrgbClr r="0" g="0" b="0"/>
+      </a:fillRef>
+      <a:effectRef idx="0">
+        <a:scrgbClr r="0" g="0" b="0"/>
+      </a:effectRef>
+      <a:fontRef idx="minor"/>
+    </dgm:style>
+  </dgm:styleLbl>
+  <dgm:styleLbl name="callout">
+    <dgm:scene3d>
+      <a:camera prst="orthographicFront"/>
+      <a:lightRig rig="threePt" dir="t"/>
+    </dgm:scene3d>
+    <dgm:sp3d/>
+    <dgm:txPr/>
+    <dgm:style>
+      <a:lnRef idx="2">
+        <a:scrgbClr r="0" g="0" b="0"/>
+      </a:lnRef>
+      <a:fillRef idx="1">
+        <a:scrgbClr r="0" g="0" b="0"/>
+      </a:fillRef>
+      <a:effectRef idx="0">
+        <a:scrgbClr r="0" g="0" b="0"/>
+      </a:effectRef>
+      <a:fontRef idx="minor"/>
+    </dgm:style>
+  </dgm:styleLbl>
+  <dgm:styleLbl name="asst0">
+    <dgm:scene3d>
+      <a:camera prst="orthographicFront"/>
+      <a:lightRig rig="threePt" dir="t"/>
+    </dgm:scene3d>
+    <dgm:sp3d/>
+    <dgm:txPr/>
+    <dgm:style>
+      <a:lnRef idx="2">
+        <a:scrgbClr r="0" g="0" b="0"/>
+      </a:lnRef>
+      <a:fillRef idx="1">
+        <a:scrgbClr r="0" g="0" b="0"/>
+      </a:fillRef>
+      <a:effectRef idx="0">
+        <a:scrgbClr r="0" g="0" b="0"/>
+      </a:effectRef>
+      <a:fontRef idx="minor">
+        <a:schemeClr val="lt1"/>
+      </a:fontRef>
+    </dgm:style>
+  </dgm:styleLbl>
+  <dgm:styleLbl name="asst1">
+    <dgm:scene3d>
+      <a:camera prst="orthographicFront"/>
+      <a:lightRig rig="threePt" dir="t"/>
+    </dgm:scene3d>
+    <dgm:sp3d/>
+    <dgm:txPr/>
+    <dgm:style>
+      <a:lnRef idx="2">
+        <a:scrgbClr r="0" g="0" b="0"/>
+      </a:lnRef>
+      <a:fillRef idx="1">
+        <a:scrgbClr r="0" g="0" b="0"/>
+      </a:fillRef>
+      <a:effectRef idx="0">
+        <a:scrgbClr r="0" g="0" b="0"/>
+      </a:effectRef>
+      <a:fontRef idx="minor">
+        <a:schemeClr val="lt1"/>
+      </a:fontRef>
+    </dgm:style>
+  </dgm:styleLbl>
+  <dgm:styleLbl name="asst2">
+    <dgm:scene3d>
+      <a:camera prst="orthographicFront"/>
+      <a:lightRig rig="threePt" dir="t"/>
+    </dgm:scene3d>
+    <dgm:sp3d/>
+    <dgm:txPr/>
+    <dgm:style>
+      <a:lnRef idx="2">
+        <a:scrgbClr r="0" g="0" b="0"/>
+      </a:lnRef>
+      <a:fillRef idx="1">
+        <a:scrgbClr r="0" g="0" b="0"/>
+      </a:fillRef>
+      <a:effectRef idx="0">
+        <a:scrgbClr r="0" g="0" b="0"/>
+      </a:effectRef>
+      <a:fontRef idx="minor">
+        <a:schemeClr val="lt1"/>
+      </a:fontRef>
+    </dgm:style>
+  </dgm:styleLbl>
+  <dgm:styleLbl name="asst3">
+    <dgm:scene3d>
+      <a:camera prst="orthographicFront"/>
+      <a:lightRig rig="threePt" dir="t"/>
+    </dgm:scene3d>
+    <dgm:sp3d/>
+    <dgm:txPr/>
+    <dgm:style>
+      <a:lnRef idx="2">
+        <a:scrgbClr r="0" g="0" b="0"/>
+      </a:lnRef>
+      <a:fillRef idx="1">
+        <a:scrgbClr r="0" g="0" b="0"/>
+      </a:fillRef>
+      <a:effectRef idx="0">
+        <a:scrgbClr r="0" g="0" b="0"/>
+      </a:effectRef>
+      <a:fontRef idx="minor">
+        <a:schemeClr val="lt1"/>
+      </a:fontRef>
+    </dgm:style>
+  </dgm:styleLbl>
+  <dgm:styleLbl name="asst4">
+    <dgm:scene3d>
+      <a:camera prst="orthographicFront"/>
+      <a:lightRig rig="threePt" dir="t"/>
+    </dgm:scene3d>
+    <dgm:sp3d/>
+    <dgm:txPr/>
+    <dgm:style>
+      <a:lnRef idx="2">
+        <a:scrgbClr r="0" g="0" b="0"/>
+      </a:lnRef>
+      <a:fillRef idx="1">
+        <a:scrgbClr r="0" g="0" b="0"/>
+      </a:fillRef>
+      <a:effectRef idx="0">
+        <a:scrgbClr r="0" g="0" b="0"/>
+      </a:effectRef>
+      <a:fontRef idx="minor">
+        <a:schemeClr val="lt1"/>
+      </a:fontRef>
+    </dgm:style>
+  </dgm:styleLbl>
+  <dgm:styleLbl name="parChTrans2D1">
+    <dgm:scene3d>
+      <a:camera prst="orthographicFront"/>
+      <a:lightRig rig="threePt" dir="t"/>
+    </dgm:scene3d>
+    <dgm:sp3d/>
+    <dgm:txPr/>
+    <dgm:style>
+      <a:lnRef idx="2">
+        <a:scrgbClr r="0" g="0" b="0"/>
+      </a:lnRef>
+      <a:fillRef idx="1">
+        <a:scrgbClr r="0" g="0" b="0"/>
+      </a:fillRef>
+      <a:effectRef idx="0">
+        <a:scrgbClr r="0" g="0" b="0"/>
+      </a:effectRef>
+      <a:fontRef idx="minor">
+        <a:schemeClr val="lt1"/>
+      </a:fontRef>
+    </dgm:style>
+  </dgm:styleLbl>
+  <dgm:styleLbl name="parChTrans2D2">
+    <dgm:scene3d>
+      <a:camera prst="orthographicFront"/>
+      <a:lightRig rig="threePt" dir="t"/>
+    </dgm:scene3d>
+    <dgm:sp3d/>
+    <dgm:txPr/>
+    <dgm:style>
+      <a:lnRef idx="2">
+        <a:scrgbClr r="0" g="0" b="0"/>
+      </a:lnRef>
+      <a:fillRef idx="1">
+        <a:scrgbClr r="0" g="0" b="0"/>
+      </a:fillRef>
+      <a:effectRef idx="0">
+        <a:scrgbClr r="0" g="0" b="0"/>
+      </a:effectRef>
+      <a:fontRef idx="minor">
+        <a:schemeClr val="lt1"/>
+      </a:fontRef>
+    </dgm:style>
+  </dgm:styleLbl>
+  <dgm:styleLbl name="parChTrans2D3">
+    <dgm:scene3d>
+      <a:camera prst="orthographicFront"/>
+      <a:lightRig rig="threePt" dir="t"/>
+    </dgm:scene3d>
+    <dgm:sp3d/>
+    <dgm:txPr/>
+    <dgm:style>
+      <a:lnRef idx="2">
+        <a:scrgbClr r="0" g="0" b="0"/>
+      </a:lnRef>
+      <a:fillRef idx="1">
+        <a:scrgbClr r="0" g="0" b="0"/>
+      </a:fillRef>
+      <a:effectRef idx="0">
+        <a:scrgbClr r="0" g="0" b="0"/>
+      </a:effectRef>
+      <a:fontRef idx="minor">
+        <a:schemeClr val="lt1"/>
+      </a:fontRef>
+    </dgm:style>
+  </dgm:styleLbl>
+  <dgm:styleLbl name="parChTrans2D4">
+    <dgm:scene3d>
+      <a:camera prst="orthographicFront"/>
+      <a:lightRig rig="threePt" dir="t"/>
+    </dgm:scene3d>
+    <dgm:sp3d/>
+    <dgm:txPr/>
+    <dgm:style>
+      <a:lnRef idx="2">
+        <a:scrgbClr r="0" g="0" b="0"/>
+      </a:lnRef>
+      <a:fillRef idx="1">
+        <a:scrgbClr r="0" g="0" b="0"/>
+      </a:fillRef>
+      <a:effectRef idx="0">
+        <a:scrgbClr r="0" g="0" b="0"/>
+      </a:effectRef>
+      <a:fontRef idx="minor">
+        <a:schemeClr val="lt1"/>
+      </a:fontRef>
+    </dgm:style>
+  </dgm:styleLbl>
+  <dgm:styleLbl name="parChTrans1D1">
+    <dgm:scene3d>
+      <a:camera prst="orthographicFront"/>
+      <a:lightRig rig="threePt" dir="t"/>
+    </dgm:scene3d>
+    <dgm:sp3d/>
+    <dgm:txPr/>
+    <dgm:style>
+      <a:lnRef idx="2">
+        <a:scrgbClr r="0" g="0" b="0"/>
+      </a:lnRef>
+      <a:fillRef idx="0">
+        <a:scrgbClr r="0" g="0" b="0"/>
+      </a:fillRef>
+      <a:effectRef idx="0">
+        <a:scrgbClr r="0" g="0" b="0"/>
+      </a:effectRef>
+      <a:fontRef idx="minor"/>
+    </dgm:style>
+  </dgm:styleLbl>
+  <dgm:styleLbl name="parChTrans1D2">
+    <dgm:scene3d>
+      <a:camera prst="orthographicFront"/>
+      <a:lightRig rig="threePt" dir="t"/>
+    </dgm:scene3d>
+    <dgm:sp3d/>
+    <dgm:txPr/>
+    <dgm:style>
+      <a:lnRef idx="2">
+        <a:scrgbClr r="0" g="0" b="0"/>
+      </a:lnRef>
+      <a:fillRef idx="0">
+        <a:scrgbClr r="0" g="0" b="0"/>
+      </a:fillRef>
+      <a:effectRef idx="0">
+        <a:scrgbClr r="0" g="0" b="0"/>
+      </a:effectRef>
+      <a:fontRef idx="minor"/>
+    </dgm:style>
+  </dgm:styleLbl>
+  <dgm:styleLbl name="parChTrans1D3">
+    <dgm:scene3d>
+      <a:camera prst="orthographicFront"/>
+      <a:lightRig rig="threePt" dir="t"/>
+    </dgm:scene3d>
+    <dgm:sp3d/>
+    <dgm:txPr/>
+    <dgm:style>
+      <a:lnRef idx="2">
+        <a:scrgbClr r="0" g="0" b="0"/>
+      </a:lnRef>
+      <a:fillRef idx="0">
+        <a:scrgbClr r="0" g="0" b="0"/>
+      </a:fillRef>
+      <a:effectRef idx="0">
+        <a:scrgbClr r="0" g="0" b="0"/>
+      </a:effectRef>
+      <a:fontRef idx="minor"/>
+    </dgm:style>
+  </dgm:styleLbl>
+  <dgm:styleLbl name="parChTrans1D4">
+    <dgm:scene3d>
+      <a:camera prst="orthographicFront"/>
+      <a:lightRig rig="threePt" dir="t"/>
+    </dgm:scene3d>
+    <dgm:sp3d/>
+    <dgm:txPr/>
+    <dgm:style>
+      <a:lnRef idx="2">
+        <a:scrgbClr r="0" g="0" b="0"/>
+      </a:lnRef>
+      <a:fillRef idx="0">
+        <a:scrgbClr r="0" g="0" b="0"/>
+      </a:fillRef>
+      <a:effectRef idx="0">
+        <a:scrgbClr r="0" g="0" b="0"/>
+      </a:effectRef>
+      <a:fontRef idx="minor"/>
+    </dgm:style>
+  </dgm:styleLbl>
+  <dgm:styleLbl name="fgAcc1">
+    <dgm:scene3d>
+      <a:camera prst="orthographicFront"/>
+      <a:lightRig rig="threePt" dir="t"/>
+    </dgm:scene3d>
+    <dgm:sp3d/>
+    <dgm:txPr/>
+    <dgm:style>
+      <a:lnRef idx="2">
+        <a:scrgbClr r="0" g="0" b="0"/>
+      </a:lnRef>
+      <a:fillRef idx="1">
+        <a:scrgbClr r="0" g="0" b="0"/>
+      </a:fillRef>
+      <a:effectRef idx="0">
+        <a:scrgbClr r="0" g="0" b="0"/>
+      </a:effectRef>
+      <a:fontRef idx="minor"/>
+    </dgm:style>
+  </dgm:styleLbl>
+  <dgm:styleLbl name="conFgAcc1">
+    <dgm:scene3d>
+      <a:camera prst="orthographicFront"/>
+      <a:lightRig rig="threePt" dir="t"/>
+    </dgm:scene3d>
+    <dgm:sp3d/>
+    <dgm:txPr/>
+    <dgm:style>
+      <a:lnRef idx="2">
+        <a:scrgbClr r="0" g="0" b="0"/>
+      </a:lnRef>
+      <a:fillRef idx="1">
+        <a:scrgbClr r="0" g="0" b="0"/>
+      </a:fillRef>
+      <a:effectRef idx="0">
+        <a:scrgbClr r="0" g="0" b="0"/>
+      </a:effectRef>
+      <a:fontRef idx="minor"/>
+    </dgm:style>
+  </dgm:styleLbl>
+  <dgm:styleLbl name="alignAcc1">
+    <dgm:scene3d>
+      <a:camera prst="orthographicFront"/>
+      <a:lightRig rig="threePt" dir="t"/>
+    </dgm:scene3d>
+    <dgm:sp3d/>
+    <dgm:txPr/>
+    <dgm:style>
+      <a:lnRef idx="2">
+        <a:scrgbClr r="0" g="0" b="0"/>
+      </a:lnRef>
+      <a:fillRef idx="1">
+        <a:scrgbClr r="0" g="0" b="0"/>
+      </a:fillRef>
+      <a:effectRef idx="0">
+        <a:scrgbClr r="0" g="0" b="0"/>
+      </a:effectRef>
+      <a:fontRef idx="minor"/>
+    </dgm:style>
+  </dgm:styleLbl>
+  <dgm:styleLbl name="trAlignAcc1">
+    <dgm:scene3d>
+      <a:camera prst="orthographicFront"/>
+      <a:lightRig rig="threePt" dir="t"/>
+    </dgm:scene3d>
+    <dgm:sp3d/>
+    <dgm:txPr/>
+    <dgm:style>
+      <a:lnRef idx="1">
+        <a:scrgbClr r="0" g="0" b="0"/>
+      </a:lnRef>
+      <a:fillRef idx="1">
+        <a:scrgbClr r="0" g="0" b="0"/>
+      </a:fillRef>
+      <a:effectRef idx="0">
+        <a:scrgbClr r="0" g="0" b="0"/>
+      </a:effectRef>
+      <a:fontRef idx="minor"/>
+    </dgm:style>
+  </dgm:styleLbl>
+  <dgm:styleLbl name="bgAcc1">
+    <dgm:scene3d>
+      <a:camera prst="orthographicFront"/>
+      <a:lightRig rig="threePt" dir="t"/>
+    </dgm:scene3d>
+    <dgm:sp3d/>
+    <dgm:txPr/>
+    <dgm:style>
+      <a:lnRef idx="2">
+        <a:scrgbClr r="0" g="0" b="0"/>
+      </a:lnRef>
+      <a:fillRef idx="1">
+        <a:scrgbClr r="0" g="0" b="0"/>
+      </a:fillRef>
+      <a:effectRef idx="0">
+        <a:scrgbClr r="0" g="0" b="0"/>
+      </a:effectRef>
+      <a:fontRef idx="minor"/>
+    </dgm:style>
+  </dgm:styleLbl>
+  <dgm:styleLbl name="solidFgAcc1">
+    <dgm:scene3d>
+      <a:camera prst="orthographicFront"/>
+      <a:lightRig rig="threePt" dir="t"/>
+    </dgm:scene3d>
+    <dgm:sp3d/>
+    <dgm:txPr/>
+    <dgm:style>
+      <a:lnRef idx="2">
+        <a:scrgbClr r="0" g="0" b="0"/>
+      </a:lnRef>
+      <a:fillRef idx="1">
+        <a:scrgbClr r="0" g="0" b="0"/>
+      </a:fillRef>
+      <a:effectRef idx="0">
+        <a:scrgbClr r="0" g="0" b="0"/>
+      </a:effectRef>
+      <a:fontRef idx="minor"/>
+    </dgm:style>
+  </dgm:styleLbl>
+  <dgm:styleLbl name="solidAlignAcc1">
+    <dgm:scene3d>
+      <a:camera prst="orthographicFront"/>
+      <a:lightRig rig="threePt" dir="t"/>
+    </dgm:scene3d>
+    <dgm:sp3d/>
+    <dgm:txPr/>
+    <dgm:style>
+      <a:lnRef idx="2">
+        <a:scrgbClr r="0" g="0" b="0"/>
+      </a:lnRef>
+      <a:fillRef idx="1">
+        <a:scrgbClr r="0" g="0" b="0"/>
+      </a:fillRef>
+      <a:effectRef idx="0">
+        <a:scrgbClr r="0" g="0" b="0"/>
+      </a:effectRef>
+      <a:fontRef idx="minor"/>
+    </dgm:style>
+  </dgm:styleLbl>
+  <dgm:styleLbl name="solidBgAcc1">
+    <dgm:scene3d>
+      <a:camera prst="orthographicFront"/>
+      <a:lightRig rig="threePt" dir="t"/>
+    </dgm:scene3d>
+    <dgm:sp3d/>
+    <dgm:txPr/>
+    <dgm:style>
+      <a:lnRef idx="2">
+        <a:scrgbClr r="0" g="0" b="0"/>
+      </a:lnRef>
+      <a:fillRef idx="1">
+        <a:scrgbClr r="0" g="0" b="0"/>
+      </a:fillRef>
+      <a:effectRef idx="0">
+        <a:scrgbClr r="0" g="0" b="0"/>
+      </a:effectRef>
+      <a:fontRef idx="minor"/>
+    </dgm:style>
+  </dgm:styleLbl>
+  <dgm:styleLbl name="fgAccFollowNode1">
+    <dgm:scene3d>
+      <a:camera prst="orthographicFront"/>
+      <a:lightRig rig="threePt" dir="t"/>
+    </dgm:scene3d>
+    <dgm:sp3d/>
+    <dgm:txPr/>
+    <dgm:style>
+      <a:lnRef idx="2">
+        <a:scrgbClr r="0" g="0" b="0"/>
+      </a:lnRef>
+      <a:fillRef idx="1">
+        <a:scrgbClr r="0" g="0" b="0"/>
+      </a:fillRef>
+      <a:effectRef idx="0">
+        <a:scrgbClr r="0" g="0" b="0"/>
+      </a:effectRef>
+      <a:fontRef idx="minor"/>
+    </dgm:style>
+  </dgm:styleLbl>
+  <dgm:styleLbl name="alignAccFollowNode1">
+    <dgm:scene3d>
+      <a:camera prst="orthographicFront"/>
+      <a:lightRig rig="threePt" dir="t"/>
+    </dgm:scene3d>
+    <dgm:sp3d/>
+    <dgm:txPr/>
+    <dgm:style>
+      <a:lnRef idx="2">
+        <a:scrgbClr r="0" g="0" b="0"/>
+      </a:lnRef>
+      <a:fillRef idx="1">
+        <a:scrgbClr r="0" g="0" b="0"/>
+      </a:fillRef>
+      <a:effectRef idx="0">
+        <a:scrgbClr r="0" g="0" b="0"/>
+      </a:effectRef>
+      <a:fontRef idx="minor"/>
+    </dgm:style>
+  </dgm:styleLbl>
+  <dgm:styleLbl name="bgAccFollowNode1">
+    <dgm:scene3d>
+      <a:camera prst="orthographicFront"/>
+      <a:lightRig rig="threePt" dir="t"/>
+    </dgm:scene3d>
+    <dgm:sp3d/>
+    <dgm:txPr/>
+    <dgm:style>
+      <a:lnRef idx="2">
+        <a:scrgbClr r="0" g="0" b="0"/>
+      </a:lnRef>
+      <a:fillRef idx="1">
+        <a:scrgbClr r="0" g="0" b="0"/>
+      </a:fillRef>
+      <a:effectRef idx="0">
+        <a:scrgbClr r="0" g="0" b="0"/>
+      </a:effectRef>
+      <a:fontRef idx="minor"/>
+    </dgm:style>
+  </dgm:styleLbl>
+  <dgm:styleLbl name="fgAcc0">
+    <dgm:scene3d>
+      <a:camera prst="orthographicFront"/>
+      <a:lightRig rig="threePt" dir="t"/>
+    </dgm:scene3d>
+    <dgm:sp3d/>
+    <dgm:txPr/>
+    <dgm:style>
+      <a:lnRef idx="2">
+        <a:scrgbClr r="0" g="0" b="0"/>
+      </a:lnRef>
+      <a:fillRef idx="1">
+        <a:scrgbClr r="0" g="0" b="0"/>
+      </a:fillRef>
+      <a:effectRef idx="0">
+        <a:scrgbClr r="0" g="0" b="0"/>
+      </a:effectRef>
+      <a:fontRef idx="minor"/>
+    </dgm:style>
+  </dgm:styleLbl>
+  <dgm:styleLbl name="fgAcc2">
+    <dgm:scene3d>
+      <a:camera prst="orthographicFront"/>
+      <a:lightRig rig="threePt" dir="t"/>
+    </dgm:scene3d>
+    <dgm:sp3d/>
+    <dgm:txPr/>
+    <dgm:style>
+      <a:lnRef idx="2">
+        <a:scrgbClr r="0" g="0" b="0"/>
+      </a:lnRef>
+      <a:fillRef idx="1">
+        <a:scrgbClr r="0" g="0" b="0"/>
+      </a:fillRef>
+      <a:effectRef idx="0">
+        <a:scrgbClr r="0" g="0" b="0"/>
+      </a:effectRef>
+      <a:fontRef idx="minor"/>
+    </dgm:style>
+  </dgm:styleLbl>
+  <dgm:styleLbl name="fgAcc3">
+    <dgm:scene3d>
+      <a:camera prst="orthographicFront"/>
+      <a:lightRig rig="threePt" dir="t"/>
+    </dgm:scene3d>
+    <dgm:sp3d/>
+    <dgm:txPr/>
+    <dgm:style>
+      <a:lnRef idx="2">
+        <a:scrgbClr r="0" g="0" b="0"/>
+      </a:lnRef>
+      <a:fillRef idx="1">
+        <a:scrgbClr r="0" g="0" b="0"/>
+      </a:fillRef>
+      <a:effectRef idx="0">
+        <a:scrgbClr r="0" g="0" b="0"/>
+      </a:effectRef>
+      <a:fontRef idx="minor"/>
+    </dgm:style>
+  </dgm:styleLbl>
+  <dgm:styleLbl name="fgAcc4">
+    <dgm:scene3d>
+      <a:camera prst="orthographicFront"/>
+      <a:lightRig rig="threePt" dir="t"/>
+    </dgm:scene3d>
+    <dgm:sp3d/>
+    <dgm:txPr/>
+    <dgm:style>
+      <a:lnRef idx="2">
+        <a:scrgbClr r="0" g="0" b="0"/>
+      </a:lnRef>
+      <a:fillRef idx="1">
+        <a:scrgbClr r="0" g="0" b="0"/>
+      </a:fillRef>
+      <a:effectRef idx="0">
+        <a:scrgbClr r="0" g="0" b="0"/>
+      </a:effectRef>
+      <a:fontRef idx="minor"/>
+    </dgm:style>
+  </dgm:styleLbl>
+  <dgm:styleLbl name="bgShp">
+    <dgm:scene3d>
+      <a:camera prst="orthographicFront"/>
+      <a:lightRig rig="threePt" dir="t"/>
+    </dgm:scene3d>
+    <dgm:sp3d/>
+    <dgm:txPr/>
+    <dgm:style>
+      <a:lnRef idx="0">
+        <a:scrgbClr r="0" g="0" b="0"/>
+      </a:lnRef>
+      <a:fillRef idx="1">
+        <a:scrgbClr r="0" g="0" b="0"/>
+      </a:fillRef>
+      <a:effectRef idx="0">
+        <a:scrgbClr r="0" g="0" b="0"/>
+      </a:effectRef>
+      <a:fontRef idx="minor"/>
+    </dgm:style>
+  </dgm:styleLbl>
+  <dgm:styleLbl name="dkBgShp">
+    <dgm:scene3d>
+      <a:camera prst="orthographicFront"/>
+      <a:lightRig rig="threePt" dir="t"/>
+    </dgm:scene3d>
+    <dgm:sp3d/>
+    <dgm:txPr/>
+    <dgm:style>
+      <a:lnRef idx="0">
+        <a:scrgbClr r="0" g="0" b="0"/>
+      </a:lnRef>
+      <a:fillRef idx="1">
+        <a:scrgbClr r="0" g="0" b="0"/>
+      </a:fillRef>
+      <a:effectRef idx="0">
+        <a:scrgbClr r="0" g="0" b="0"/>
+      </a:effectRef>
+      <a:fontRef idx="minor"/>
+    </dgm:style>
+  </dgm:styleLbl>
+  <dgm:styleLbl name="trBgShp">
+    <dgm:scene3d>
+      <a:camera prst="orthographicFront"/>
+      <a:lightRig rig="threePt" dir="t"/>
+    </dgm:scene3d>
+    <dgm:sp3d/>
+    <dgm:txPr/>
+    <dgm:style>
+      <a:lnRef idx="0">
+        <a:scrgbClr r="0" g="0" b="0"/>
+      </a:lnRef>
+      <a:fillRef idx="1">
+        <a:scrgbClr r="0" g="0" b="0"/>
+      </a:fillRef>
+      <a:effectRef idx="0">
+        <a:scrgbClr r="0" g="0" b="0"/>
+      </a:effectRef>
+      <a:fontRef idx="minor"/>
+    </dgm:style>
+  </dgm:styleLbl>
+  <dgm:styleLbl name="fgShp">
+    <dgm:scene3d>
+      <a:camera prst="orthographicFront"/>
+      <a:lightRig rig="threePt" dir="t"/>
+    </dgm:scene3d>
+    <dgm:sp3d/>
+    <dgm:txPr/>
+    <dgm:style>
+      <a:lnRef idx="2">
+        <a:scrgbClr r="0" g="0" b="0"/>
+      </a:lnRef>
+      <a:fillRef idx="1">
+        <a:scrgbClr r="0" g="0" b="0"/>
+      </a:fillRef>
+      <a:effectRef idx="0">
+        <a:scrgbClr r="0" g="0" b="0"/>
+      </a:effectRef>
+      <a:fontRef idx="minor"/>
+    </dgm:style>
+  </dgm:styleLbl>
+  <dgm:styleLbl name="revTx">
+    <dgm:scene3d>
+      <a:camera prst="orthographicFront"/>
+      <a:lightRig rig="threePt" dir="t"/>
+    </dgm:scene3d>
+    <dgm:sp3d/>
+    <dgm:txPr/>
+    <dgm:style>
+      <a:lnRef idx="0">
+        <a:scrgbClr r="0" g="0" b="0"/>
+      </a:lnRef>
+      <a:fillRef idx="0">
+        <a:scrgbClr r="0" g="0" b="0"/>
+      </a:fillRef>
+      <a:effectRef idx="0">
+        <a:scrgbClr r="0" g="0" b="0"/>
+      </a:effectRef>
+      <a:fontRef idx="minor"/>
+    </dgm:style>
+  </dgm:styleLbl>
+</dgm:styleDef>
+</file>
+
+<file path=ppt/diagrams/quickStyle2.xml><?xml version="1.0" encoding="utf-8"?>
+<dgm:styleDef xmlns:dgm="http://schemas.openxmlformats.org/drawingml/2006/diagram" xmlns:a="http://schemas.openxmlformats.org/drawingml/2006/main" uniqueId="urn:microsoft.com/office/officeart/2005/8/quickstyle/simple1">
+  <dgm:title val=""/>
+  <dgm:desc val=""/>
+  <dgm:catLst>
+    <dgm:cat type="simple" pri="10100"/>
+  </dgm:catLst>
+  <dgm:scene3d>
+    <a:camera prst="orthographicFront"/>
+    <a:lightRig rig="threePt" dir="t"/>
+  </dgm:scene3d>
+  <dgm:styleLbl name="node0">
+    <dgm:scene3d>
+      <a:camera prst="orthographicFront"/>
+      <a:lightRig rig="threePt" dir="t"/>
+    </dgm:scene3d>
+    <dgm:sp3d/>
+    <dgm:txPr/>
+    <dgm:style>
+      <a:lnRef idx="2">
+        <a:scrgbClr r="0" g="0" b="0"/>
+      </a:lnRef>
+      <a:fillRef idx="1">
+        <a:scrgbClr r="0" g="0" b="0"/>
+      </a:fillRef>
+      <a:effectRef idx="0">
+        <a:scrgbClr r="0" g="0" b="0"/>
+      </a:effectRef>
+      <a:fontRef idx="minor">
+        <a:schemeClr val="lt1"/>
+      </a:fontRef>
+    </dgm:style>
+  </dgm:styleLbl>
+  <dgm:styleLbl name="lnNode1">
+    <dgm:scene3d>
+      <a:camera prst="orthographicFront"/>
+      <a:lightRig rig="threePt" dir="t"/>
+    </dgm:scene3d>
+    <dgm:sp3d/>
+    <dgm:txPr/>
+    <dgm:style>
+      <a:lnRef idx="2">
+        <a:scrgbClr r="0" g="0" b="0"/>
+      </a:lnRef>
+      <a:fillRef idx="1">
+        <a:scrgbClr r="0" g="0" b="0"/>
+      </a:fillRef>
+      <a:effectRef idx="0">
+        <a:scrgbClr r="0" g="0" b="0"/>
+      </a:effectRef>
+      <a:fontRef idx="minor">
+        <a:schemeClr val="lt1"/>
+      </a:fontRef>
+    </dgm:style>
+  </dgm:styleLbl>
+  <dgm:styleLbl name="vennNode1">
+    <dgm:scene3d>
+      <a:camera prst="orthographicFront"/>
+      <a:lightRig rig="threePt" dir="t"/>
+    </dgm:scene3d>
+    <dgm:sp3d/>
+    <dgm:txPr/>
+    <dgm:style>
+      <a:lnRef idx="2">
+        <a:scrgbClr r="0" g="0" b="0"/>
+      </a:lnRef>
+      <a:fillRef idx="1">
+        <a:scrgbClr r="0" g="0" b="0"/>
+      </a:fillRef>
+      <a:effectRef idx="0">
+        <a:scrgbClr r="0" g="0" b="0"/>
+      </a:effectRef>
+      <a:fontRef idx="minor">
+        <a:schemeClr val="tx1"/>
+      </a:fontRef>
+    </dgm:style>
+  </dgm:styleLbl>
+  <dgm:styleLbl name="alignNode1">
+    <dgm:scene3d>
+      <a:camera prst="orthographicFront"/>
+      <a:lightRig rig="threePt" dir="t"/>
+    </dgm:scene3d>
+    <dgm:sp3d/>
+    <dgm:txPr/>
+    <dgm:style>
+      <a:lnRef idx="2">
+        <a:scrgbClr r="0" g="0" b="0"/>
+      </a:lnRef>
+      <a:fillRef idx="1">
+        <a:scrgbClr r="0" g="0" b="0"/>
+      </a:fillRef>
+      <a:effectRef idx="0">
+        <a:scrgbClr r="0" g="0" b="0"/>
+      </a:effectRef>
+      <a:fontRef idx="minor">
+        <a:schemeClr val="lt1"/>
+      </a:fontRef>
+    </dgm:style>
+  </dgm:styleLbl>
+  <dgm:styleLbl name="node1">
+    <dgm:scene3d>
+      <a:camera prst="orthographicFront"/>
+      <a:lightRig rig="threePt" dir="t"/>
+    </dgm:scene3d>
+    <dgm:sp3d/>
+    <dgm:txPr/>
+    <dgm:style>
+      <a:lnRef idx="2">
+        <a:scrgbClr r="0" g="0" b="0"/>
+      </a:lnRef>
+      <a:fillRef idx="1">
+        <a:scrgbClr r="0" g="0" b="0"/>
+      </a:fillRef>
+      <a:effectRef idx="0">
+        <a:scrgbClr r="0" g="0" b="0"/>
+      </a:effectRef>
+      <a:fontRef idx="minor">
+        <a:schemeClr val="lt1"/>
+      </a:fontRef>
+    </dgm:style>
+  </dgm:styleLbl>
+  <dgm:styleLbl name="node2">
+    <dgm:scene3d>
+      <a:camera prst="orthographicFront"/>
+      <a:lightRig rig="threePt" dir="t"/>
+    </dgm:scene3d>
+    <dgm:sp3d/>
+    <dgm:txPr/>
+    <dgm:style>
+      <a:lnRef idx="2">
+        <a:scrgbClr r="0" g="0" b="0"/>
+      </a:lnRef>
+      <a:fillRef idx="1">
+        <a:scrgbClr r="0" g="0" b="0"/>
+      </a:fillRef>
+      <a:effectRef idx="0">
+        <a:scrgbClr r="0" g="0" b="0"/>
+      </a:effectRef>
+      <a:fontRef idx="minor">
+        <a:schemeClr val="lt1"/>
+      </a:fontRef>
+    </dgm:style>
+  </dgm:styleLbl>
+  <dgm:styleLbl name="node3">
+    <dgm:scene3d>
+      <a:camera prst="orthographicFront"/>
+      <a:lightRig rig="threePt" dir="t"/>
+    </dgm:scene3d>
+    <dgm:sp3d/>
+    <dgm:txPr/>
+    <dgm:style>
+      <a:lnRef idx="2">
+        <a:scrgbClr r="0" g="0" b="0"/>
+      </a:lnRef>
+      <a:fillRef idx="1">
+        <a:scrgbClr r="0" g="0" b="0"/>
+      </a:fillRef>
+      <a:effectRef idx="0">
+        <a:scrgbClr r="0" g="0" b="0"/>
+      </a:effectRef>
+      <a:fontRef idx="minor">
+        <a:schemeClr val="lt1"/>
+      </a:fontRef>
+    </dgm:style>
+  </dgm:styleLbl>
+  <dgm:styleLbl name="node4">
+    <dgm:scene3d>
+      <a:camera prst="orthographicFront"/>
+      <a:lightRig rig="threePt" dir="t"/>
+    </dgm:scene3d>
+    <dgm:sp3d/>
+    <dgm:txPr/>
+    <dgm:style>
+      <a:lnRef idx="2">
+        <a:scrgbClr r="0" g="0" b="0"/>
+      </a:lnRef>
+      <a:fillRef idx="1">
+        <a:scrgbClr r="0" g="0" b="0"/>
+      </a:fillRef>
+      <a:effectRef idx="0">
+        <a:scrgbClr r="0" g="0" b="0"/>
+      </a:effectRef>
+      <a:fontRef idx="minor">
+        <a:schemeClr val="lt1"/>
+      </a:fontRef>
+    </dgm:style>
+  </dgm:styleLbl>
+  <dgm:styleLbl name="fgImgPlace1">
+    <dgm:scene3d>
+      <a:camera prst="orthographicFront"/>
+      <a:lightRig rig="threePt" dir="t"/>
+    </dgm:scene3d>
+    <dgm:sp3d/>
+    <dgm:txPr/>
+    <dgm:style>
+      <a:lnRef idx="2">
+        <a:scrgbClr r="0" g="0" b="0"/>
+      </a:lnRef>
+      <a:fillRef idx="1">
+        <a:scrgbClr r="0" g="0" b="0"/>
+      </a:fillRef>
+      <a:effectRef idx="0">
+        <a:scrgbClr r="0" g="0" b="0"/>
+      </a:effectRef>
+      <a:fontRef idx="minor"/>
+    </dgm:style>
+  </dgm:styleLbl>
+  <dgm:styleLbl name="alignImgPlace1">
+    <dgm:scene3d>
+      <a:camera prst="orthographicFront"/>
+      <a:lightRig rig="threePt" dir="t"/>
+    </dgm:scene3d>
+    <dgm:sp3d/>
+    <dgm:txPr/>
+    <dgm:style>
+      <a:lnRef idx="2">
+        <a:scrgbClr r="0" g="0" b="0"/>
+      </a:lnRef>
+      <a:fillRef idx="1">
+        <a:scrgbClr r="0" g="0" b="0"/>
+      </a:fillRef>
+      <a:effectRef idx="0">
+        <a:scrgbClr r="0" g="0" b="0"/>
+      </a:effectRef>
+      <a:fontRef idx="minor"/>
+    </dgm:style>
+  </dgm:styleLbl>
+  <dgm:styleLbl name="bgImgPlace1">
+    <dgm:scene3d>
+      <a:camera prst="orthographicFront"/>
+      <a:lightRig rig="threePt" dir="t"/>
+    </dgm:scene3d>
+    <dgm:sp3d/>
+    <dgm:txPr/>
+    <dgm:style>
+      <a:lnRef idx="2">
+        <a:scrgbClr r="0" g="0" b="0"/>
+      </a:lnRef>
+      <a:fillRef idx="1">
+        <a:scrgbClr r="0" g="0" b="0"/>
+      </a:fillRef>
+      <a:effectRef idx="0">
+        <a:scrgbClr r="0" g="0" b="0"/>
+      </a:effectRef>
+      <a:fontRef idx="minor"/>
+    </dgm:style>
+  </dgm:styleLbl>
+  <dgm:styleLbl name="sibTrans2D1">
+    <dgm:scene3d>
+      <a:camera prst="orthographicFront"/>
+      <a:lightRig rig="threePt" dir="t"/>
+    </dgm:scene3d>
+    <dgm:sp3d/>
+    <dgm:txPr/>
+    <dgm:style>
+      <a:lnRef idx="0">
+        <a:scrgbClr r="0" g="0" b="0"/>
+      </a:lnRef>
+      <a:fillRef idx="1">
+        <a:scrgbClr r="0" g="0" b="0"/>
+      </a:fillRef>
+      <a:effectRef idx="0">
+        <a:scrgbClr r="0" g="0" b="0"/>
+      </a:effectRef>
+      <a:fontRef idx="minor">
+        <a:schemeClr val="lt1"/>
+      </a:fontRef>
+    </dgm:style>
+  </dgm:styleLbl>
+  <dgm:styleLbl name="fgSibTrans2D1">
+    <dgm:scene3d>
+      <a:camera prst="orthographicFront"/>
+      <a:lightRig rig="threePt" dir="t"/>
+    </dgm:scene3d>
+    <dgm:sp3d/>
+    <dgm:txPr/>
+    <dgm:style>
+      <a:lnRef idx="0">
+        <a:scrgbClr r="0" g="0" b="0"/>
+      </a:lnRef>
+      <a:fillRef idx="1">
+        <a:scrgbClr r="0" g="0" b="0"/>
+      </a:fillRef>
+      <a:effectRef idx="0">
+        <a:scrgbClr r="0" g="0" b="0"/>
+      </a:effectRef>
+      <a:fontRef idx="minor">
+        <a:schemeClr val="lt1"/>
+      </a:fontRef>
+    </dgm:style>
+  </dgm:styleLbl>
+  <dgm:styleLbl name="bgSibTrans2D1">
+    <dgm:scene3d>
+      <a:camera prst="orthographicFront"/>
+      <a:lightRig rig="threePt" dir="t"/>
+    </dgm:scene3d>
+    <dgm:sp3d/>
+    <dgm:txPr/>
+    <dgm:style>
+      <a:lnRef idx="0">
+        <a:scrgbClr r="0" g="0" b="0"/>
+      </a:lnRef>
+      <a:fillRef idx="1">
+        <a:scrgbClr r="0" g="0" b="0"/>
+      </a:fillRef>
+      <a:effectRef idx="0">
+        <a:scrgbClr r="0" g="0" b="0"/>
+      </a:effectRef>
+      <a:fontRef idx="minor">
+        <a:schemeClr val="lt1"/>
+      </a:fontRef>
+    </dgm:style>
+  </dgm:styleLbl>
+  <dgm:styleLbl name="sibTrans1D1">
+    <dgm:scene3d>
+      <a:camera prst="orthographicFront"/>
+      <a:lightRig rig="threePt" dir="t"/>
+    </dgm:scene3d>
+    <dgm:sp3d/>
+    <dgm:txPr/>
+    <dgm:style>
+      <a:lnRef idx="1">
+        <a:scrgbClr r="0" g="0" b="0"/>
+      </a:lnRef>
+      <a:fillRef idx="0">
+        <a:scrgbClr r="0" g="0" b="0"/>
+      </a:fillRef>
+      <a:effectRef idx="0">
+        <a:scrgbClr r="0" g="0" b="0"/>
+      </a:effectRef>
+      <a:fontRef idx="minor"/>
+    </dgm:style>
+  </dgm:styleLbl>
+  <dgm:styleLbl name="callout">
+    <dgm:scene3d>
+      <a:camera prst="orthographicFront"/>
+      <a:lightRig rig="threePt" dir="t"/>
+    </dgm:scene3d>
+    <dgm:sp3d/>
+    <dgm:txPr/>
+    <dgm:style>
+      <a:lnRef idx="2">
+        <a:scrgbClr r="0" g="0" b="0"/>
+      </a:lnRef>
+      <a:fillRef idx="1">
+        <a:scrgbClr r="0" g="0" b="0"/>
+      </a:fillRef>
+      <a:effectRef idx="0">
+        <a:scrgbClr r="0" g="0" b="0"/>
+      </a:effectRef>
+      <a:fontRef idx="minor"/>
+    </dgm:style>
+  </dgm:styleLbl>
+  <dgm:styleLbl name="asst0">
+    <dgm:scene3d>
+      <a:camera prst="orthographicFront"/>
+      <a:lightRig rig="threePt" dir="t"/>
+    </dgm:scene3d>
+    <dgm:sp3d/>
+    <dgm:txPr/>
+    <dgm:style>
+      <a:lnRef idx="2">
+        <a:scrgbClr r="0" g="0" b="0"/>
+      </a:lnRef>
+      <a:fillRef idx="1">
+        <a:scrgbClr r="0" g="0" b="0"/>
+      </a:fillRef>
+      <a:effectRef idx="0">
+        <a:scrgbClr r="0" g="0" b="0"/>
+      </a:effectRef>
+      <a:fontRef idx="minor">
+        <a:schemeClr val="lt1"/>
+      </a:fontRef>
+    </dgm:style>
+  </dgm:styleLbl>
+  <dgm:styleLbl name="asst1">
+    <dgm:scene3d>
+      <a:camera prst="orthographicFront"/>
+      <a:lightRig rig="threePt" dir="t"/>
+    </dgm:scene3d>
+    <dgm:sp3d/>
+    <dgm:txPr/>
+    <dgm:style>
+      <a:lnRef idx="2">
+        <a:scrgbClr r="0" g="0" b="0"/>
+      </a:lnRef>
+      <a:fillRef idx="1">
+        <a:scrgbClr r="0" g="0" b="0"/>
+      </a:fillRef>
+      <a:effectRef idx="0">
+        <a:scrgbClr r="0" g="0" b="0"/>
+      </a:effectRef>
+      <a:fontRef idx="minor">
+        <a:schemeClr val="lt1"/>
+      </a:fontRef>
+    </dgm:style>
+  </dgm:styleLbl>
+  <dgm:styleLbl name="asst2">
+    <dgm:scene3d>
+      <a:camera prst="orthographicFront"/>
+      <a:lightRig rig="threePt" dir="t"/>
+    </dgm:scene3d>
+    <dgm:sp3d/>
+    <dgm:txPr/>
+    <dgm:style>
+      <a:lnRef idx="2">
+        <a:scrgbClr r="0" g="0" b="0"/>
+      </a:lnRef>
+      <a:fillRef idx="1">
+        <a:scrgbClr r="0" g="0" b="0"/>
+      </a:fillRef>
+      <a:effectRef idx="0">
+        <a:scrgbClr r="0" g="0" b="0"/>
+      </a:effectRef>
+      <a:fontRef idx="minor">
+        <a:schemeClr val="lt1"/>
+      </a:fontRef>
+    </dgm:style>
+  </dgm:styleLbl>
+  <dgm:styleLbl name="asst3">
+    <dgm:scene3d>
+      <a:camera prst="orthographicFront"/>
+      <a:lightRig rig="threePt" dir="t"/>
+    </dgm:scene3d>
+    <dgm:sp3d/>
+    <dgm:txPr/>
+    <dgm:style>
+      <a:lnRef idx="2">
+        <a:scrgbClr r="0" g="0" b="0"/>
+      </a:lnRef>
+      <a:fillRef idx="1">
+        <a:scrgbClr r="0" g="0" b="0"/>
+      </a:fillRef>
+      <a:effectRef idx="0">
+        <a:scrgbClr r="0" g="0" b="0"/>
+      </a:effectRef>
+      <a:fontRef idx="minor">
+        <a:schemeClr val="lt1"/>
+      </a:fontRef>
+    </dgm:style>
+  </dgm:styleLbl>
+  <dgm:styleLbl name="asst4">
+    <dgm:scene3d>
+      <a:camera prst="orthographicFront"/>
+      <a:lightRig rig="threePt" dir="t"/>
+    </dgm:scene3d>
+    <dgm:sp3d/>
+    <dgm:txPr/>
+    <dgm:style>
+      <a:lnRef idx="2">
+        <a:scrgbClr r="0" g="0" b="0"/>
+      </a:lnRef>
+      <a:fillRef idx="1">
+        <a:scrgbClr r="0" g="0" b="0"/>
+      </a:fillRef>
+      <a:effectRef idx="0">
+        <a:scrgbClr r="0" g="0" b="0"/>
+      </a:effectRef>
+      <a:fontRef idx="minor">
+        <a:schemeClr val="lt1"/>
+      </a:fontRef>
+    </dgm:style>
+  </dgm:styleLbl>
+  <dgm:styleLbl name="parChTrans2D1">
+    <dgm:scene3d>
+      <a:camera prst="orthographicFront"/>
+      <a:lightRig rig="threePt" dir="t"/>
+    </dgm:scene3d>
+    <dgm:sp3d/>
+    <dgm:txPr/>
+    <dgm:style>
+      <a:lnRef idx="2">
+        <a:scrgbClr r="0" g="0" b="0"/>
+      </a:lnRef>
+      <a:fillRef idx="1">
+        <a:scrgbClr r="0" g="0" b="0"/>
+      </a:fillRef>
+      <a:effectRef idx="0">
+        <a:scrgbClr r="0" g="0" b="0"/>
+      </a:effectRef>
+      <a:fontRef idx="minor">
+        <a:schemeClr val="lt1"/>
+      </a:fontRef>
+    </dgm:style>
+  </dgm:styleLbl>
+  <dgm:styleLbl name="parChTrans2D2">
+    <dgm:scene3d>
+      <a:camera prst="orthographicFront"/>
+      <a:lightRig rig="threePt" dir="t"/>
+    </dgm:scene3d>
+    <dgm:sp3d/>
+    <dgm:txPr/>
+    <dgm:style>
+      <a:lnRef idx="2">
+        <a:scrgbClr r="0" g="0" b="0"/>
+      </a:lnRef>
+      <a:fillRef idx="1">
+        <a:scrgbClr r="0" g="0" b="0"/>
+      </a:fillRef>
+      <a:effectRef idx="0">
+        <a:scrgbClr r="0" g="0" b="0"/>
+      </a:effectRef>
+      <a:fontRef idx="minor">
+        <a:schemeClr val="lt1"/>
+      </a:fontRef>
+    </dgm:style>
+  </dgm:styleLbl>
+  <dgm:styleLbl name="parChTrans2D3">
+    <dgm:scene3d>
+      <a:camera prst="orthographicFront"/>
+      <a:lightRig rig="threePt" dir="t"/>
+    </dgm:scene3d>
+    <dgm:sp3d/>
+    <dgm:txPr/>
+    <dgm:style>
+      <a:lnRef idx="2">
+        <a:scrgbClr r="0" g="0" b="0"/>
+      </a:lnRef>
+      <a:fillRef idx="1">
+        <a:scrgbClr r="0" g="0" b="0"/>
+      </a:fillRef>
+      <a:effectRef idx="0">
+        <a:scrgbClr r="0" g="0" b="0"/>
+      </a:effectRef>
+      <a:fontRef idx="minor">
+        <a:schemeClr val="lt1"/>
+      </a:fontRef>
+    </dgm:style>
+  </dgm:styleLbl>
+  <dgm:styleLbl name="parChTrans2D4">
+    <dgm:scene3d>
+      <a:camera prst="orthographicFront"/>
+      <a:lightRig rig="threePt" dir="t"/>
+    </dgm:scene3d>
+    <dgm:sp3d/>
+    <dgm:txPr/>
+    <dgm:style>
+      <a:lnRef idx="2">
+        <a:scrgbClr r="0" g="0" b="0"/>
+      </a:lnRef>
+      <a:fillRef idx="1">
+        <a:scrgbClr r="0" g="0" b="0"/>
+      </a:fillRef>
+      <a:effectRef idx="0">
+        <a:scrgbClr r="0" g="0" b="0"/>
+      </a:effectRef>
+      <a:fontRef idx="minor">
+        <a:schemeClr val="lt1"/>
+      </a:fontRef>
+    </dgm:style>
+  </dgm:styleLbl>
+  <dgm:styleLbl name="parChTrans1D1">
+    <dgm:scene3d>
+      <a:camera prst="orthographicFront"/>
+      <a:lightRig rig="threePt" dir="t"/>
+    </dgm:scene3d>
+    <dgm:sp3d/>
+    <dgm:txPr/>
+    <dgm:style>
+      <a:lnRef idx="2">
+        <a:scrgbClr r="0" g="0" b="0"/>
+      </a:lnRef>
+      <a:fillRef idx="0">
+        <a:scrgbClr r="0" g="0" b="0"/>
+      </a:fillRef>
+      <a:effectRef idx="0">
+        <a:scrgbClr r="0" g="0" b="0"/>
+      </a:effectRef>
+      <a:fontRef idx="minor"/>
+    </dgm:style>
+  </dgm:styleLbl>
+  <dgm:styleLbl name="parChTrans1D2">
+    <dgm:scene3d>
+      <a:camera prst="orthographicFront"/>
+      <a:lightRig rig="threePt" dir="t"/>
+    </dgm:scene3d>
+    <dgm:sp3d/>
+    <dgm:txPr/>
+    <dgm:style>
+      <a:lnRef idx="2">
+        <a:scrgbClr r="0" g="0" b="0"/>
+      </a:lnRef>
+      <a:fillRef idx="0">
+        <a:scrgbClr r="0" g="0" b="0"/>
+      </a:fillRef>
+      <a:effectRef idx="0">
+        <a:scrgbClr r="0" g="0" b="0"/>
+      </a:effectRef>
+      <a:fontRef idx="minor"/>
+    </dgm:style>
+  </dgm:styleLbl>
+  <dgm:styleLbl name="parChTrans1D3">
+    <dgm:scene3d>
+      <a:camera prst="orthographicFront"/>
+      <a:lightRig rig="threePt" dir="t"/>
+    </dgm:scene3d>
+    <dgm:sp3d/>
+    <dgm:txPr/>
+    <dgm:style>
+      <a:lnRef idx="2">
+        <a:scrgbClr r="0" g="0" b="0"/>
+      </a:lnRef>
+      <a:fillRef idx="0">
+        <a:scrgbClr r="0" g="0" b="0"/>
+      </a:fillRef>
+      <a:effectRef idx="0">
+        <a:scrgbClr r="0" g="0" b="0"/>
+      </a:effectRef>
+      <a:fontRef idx="minor"/>
+    </dgm:style>
+  </dgm:styleLbl>
+  <dgm:styleLbl name="parChTrans1D4">
+    <dgm:scene3d>
+      <a:camera prst="orthographicFront"/>
+      <a:lightRig rig="threePt" dir="t"/>
+    </dgm:scene3d>
+    <dgm:sp3d/>
+    <dgm:txPr/>
+    <dgm:style>
+      <a:lnRef idx="2">
+        <a:scrgbClr r="0" g="0" b="0"/>
+      </a:lnRef>
+      <a:fillRef idx="0">
+        <a:scrgbClr r="0" g="0" b="0"/>
+      </a:fillRef>
+      <a:effectRef idx="0">
+        <a:scrgbClr r="0" g="0" b="0"/>
+      </a:effectRef>
+      <a:fontRef idx="minor"/>
+    </dgm:style>
+  </dgm:styleLbl>
+  <dgm:styleLbl name="fgAcc1">
+    <dgm:scene3d>
+      <a:camera prst="orthographicFront"/>
+      <a:lightRig rig="threePt" dir="t"/>
+    </dgm:scene3d>
+    <dgm:sp3d/>
+    <dgm:txPr/>
+    <dgm:style>
+      <a:lnRef idx="2">
+        <a:scrgbClr r="0" g="0" b="0"/>
+      </a:lnRef>
+      <a:fillRef idx="1">
+        <a:scrgbClr r="0" g="0" b="0"/>
+      </a:fillRef>
+      <a:effectRef idx="0">
+        <a:scrgbClr r="0" g="0" b="0"/>
+      </a:effectRef>
+      <a:fontRef idx="minor"/>
+    </dgm:style>
+  </dgm:styleLbl>
+  <dgm:styleLbl name="conFgAcc1">
+    <dgm:scene3d>
+      <a:camera prst="orthographicFront"/>
+      <a:lightRig rig="threePt" dir="t"/>
+    </dgm:scene3d>
+    <dgm:sp3d/>
+    <dgm:txPr/>
+    <dgm:style>
+      <a:lnRef idx="2">
+        <a:scrgbClr r="0" g="0" b="0"/>
+      </a:lnRef>
+      <a:fillRef idx="1">
+        <a:scrgbClr r="0" g="0" b="0"/>
+      </a:fillRef>
+      <a:effectRef idx="0">
+        <a:scrgbClr r="0" g="0" b="0"/>
+      </a:effectRef>
+      <a:fontRef idx="minor"/>
+    </dgm:style>
+  </dgm:styleLbl>
+  <dgm:styleLbl name="alignAcc1">
+    <dgm:scene3d>
+      <a:camera prst="orthographicFront"/>
+      <a:lightRig rig="threePt" dir="t"/>
+    </dgm:scene3d>
+    <dgm:sp3d/>
+    <dgm:txPr/>
+    <dgm:style>
+      <a:lnRef idx="2">
+        <a:scrgbClr r="0" g="0" b="0"/>
+      </a:lnRef>
+      <a:fillRef idx="1">
+        <a:scrgbClr r="0" g="0" b="0"/>
+      </a:fillRef>
+      <a:effectRef idx="0">
+        <a:scrgbClr r="0" g="0" b="0"/>
+      </a:effectRef>
+      <a:fontRef idx="minor"/>
+    </dgm:style>
+  </dgm:styleLbl>
+  <dgm:styleLbl name="trAlignAcc1">
+    <dgm:scene3d>
+      <a:camera prst="orthographicFront"/>
+      <a:lightRig rig="threePt" dir="t"/>
+    </dgm:scene3d>
+    <dgm:sp3d/>
+    <dgm:txPr/>
+    <dgm:style>
+      <a:lnRef idx="1">
+        <a:scrgbClr r="0" g="0" b="0"/>
+      </a:lnRef>
+      <a:fillRef idx="1">
+        <a:scrgbClr r="0" g="0" b="0"/>
+      </a:fillRef>
+      <a:effectRef idx="0">
+        <a:scrgbClr r="0" g="0" b="0"/>
+      </a:effectRef>
+      <a:fontRef idx="minor"/>
+    </dgm:style>
+  </dgm:styleLbl>
+  <dgm:styleLbl name="bgAcc1">
+    <dgm:scene3d>
+      <a:camera prst="orthographicFront"/>
+      <a:lightRig rig="threePt" dir="t"/>
+    </dgm:scene3d>
+    <dgm:sp3d/>
+    <dgm:txPr/>
+    <dgm:style>
+      <a:lnRef idx="2">
+        <a:scrgbClr r="0" g="0" b="0"/>
+      </a:lnRef>
+      <a:fillRef idx="1">
+        <a:scrgbClr r="0" g="0" b="0"/>
+      </a:fillRef>
+      <a:effectRef idx="0">
+        <a:scrgbClr r="0" g="0" b="0"/>
+      </a:effectRef>
+      <a:fontRef idx="minor"/>
+    </dgm:style>
+  </dgm:styleLbl>
+  <dgm:styleLbl name="solidFgAcc1">
+    <dgm:scene3d>
+      <a:camera prst="orthographicFront"/>
+      <a:lightRig rig="threePt" dir="t"/>
+    </dgm:scene3d>
+    <dgm:sp3d/>
+    <dgm:txPr/>
+    <dgm:style>
+      <a:lnRef idx="2">
+        <a:scrgbClr r="0" g="0" b="0"/>
+      </a:lnRef>
+      <a:fillRef idx="1">
+        <a:scrgbClr r="0" g="0" b="0"/>
+      </a:fillRef>
+      <a:effectRef idx="0">
+        <a:scrgbClr r="0" g="0" b="0"/>
+      </a:effectRef>
+      <a:fontRef idx="minor"/>
+    </dgm:style>
+  </dgm:styleLbl>
+  <dgm:styleLbl name="solidAlignAcc1">
+    <dgm:scene3d>
+      <a:camera prst="orthographicFront"/>
+      <a:lightRig rig="threePt" dir="t"/>
+    </dgm:scene3d>
+    <dgm:sp3d/>
+    <dgm:txPr/>
+    <dgm:style>
+      <a:lnRef idx="2">
+        <a:scrgbClr r="0" g="0" b="0"/>
+      </a:lnRef>
+      <a:fillRef idx="1">
+        <a:scrgbClr r="0" g="0" b="0"/>
+      </a:fillRef>
+      <a:effectRef idx="0">
+        <a:scrgbClr r="0" g="0" b="0"/>
+      </a:effectRef>
+      <a:fontRef idx="minor"/>
+    </dgm:style>
+  </dgm:styleLbl>
+  <dgm:styleLbl name="solidBgAcc1">
+    <dgm:scene3d>
+      <a:camera prst="orthographicFront"/>
+      <a:lightRig rig="threePt" dir="t"/>
+    </dgm:scene3d>
+    <dgm:sp3d/>
+    <dgm:txPr/>
+    <dgm:style>
+      <a:lnRef idx="2">
+        <a:scrgbClr r="0" g="0" b="0"/>
+      </a:lnRef>
+      <a:fillRef idx="1">
+        <a:scrgbClr r="0" g="0" b="0"/>
+      </a:fillRef>
+      <a:effectRef idx="0">
+        <a:scrgbClr r="0" g="0" b="0"/>
+      </a:effectRef>
+      <a:fontRef idx="minor"/>
+    </dgm:style>
+  </dgm:styleLbl>
+  <dgm:styleLbl name="fgAccFollowNode1">
+    <dgm:scene3d>
+      <a:camera prst="orthographicFront"/>
+      <a:lightRig rig="threePt" dir="t"/>
+    </dgm:scene3d>
+    <dgm:sp3d/>
+    <dgm:txPr/>
+    <dgm:style>
+      <a:lnRef idx="2">
+        <a:scrgbClr r="0" g="0" b="0"/>
+      </a:lnRef>
+      <a:fillRef idx="1">
+        <a:scrgbClr r="0" g="0" b="0"/>
+      </a:fillRef>
+      <a:effectRef idx="0">
+        <a:scrgbClr r="0" g="0" b="0"/>
+      </a:effectRef>
+      <a:fontRef idx="minor"/>
+    </dgm:style>
+  </dgm:styleLbl>
+  <dgm:styleLbl name="alignAccFollowNode1">
+    <dgm:scene3d>
+      <a:camera prst="orthographicFront"/>
+      <a:lightRig rig="threePt" dir="t"/>
+    </dgm:scene3d>
+    <dgm:sp3d/>
+    <dgm:txPr/>
+    <dgm:style>
+      <a:lnRef idx="2">
+        <a:scrgbClr r="0" g="0" b="0"/>
+      </a:lnRef>
+      <a:fillRef idx="1">
+        <a:scrgbClr r="0" g="0" b="0"/>
+      </a:fillRef>
+      <a:effectRef idx="0">
+        <a:scrgbClr r="0" g="0" b="0"/>
+      </a:effectRef>
+      <a:fontRef idx="minor"/>
+    </dgm:style>
+  </dgm:styleLbl>
+  <dgm:styleLbl name="bgAccFollowNode1">
+    <dgm:scene3d>
+      <a:camera prst="orthographicFront"/>
+      <a:lightRig rig="threePt" dir="t"/>
+    </dgm:scene3d>
+    <dgm:sp3d/>
+    <dgm:txPr/>
+    <dgm:style>
+      <a:lnRef idx="2">
+        <a:scrgbClr r="0" g="0" b="0"/>
+      </a:lnRef>
+      <a:fillRef idx="1">
+        <a:scrgbClr r="0" g="0" b="0"/>
+      </a:fillRef>
+      <a:effectRef idx="0">
+        <a:scrgbClr r="0" g="0" b="0"/>
+      </a:effectRef>
+      <a:fontRef idx="minor"/>
+    </dgm:style>
+  </dgm:styleLbl>
+  <dgm:styleLbl name="fgAcc0">
+    <dgm:scene3d>
+      <a:camera prst="orthographicFront"/>
+      <a:lightRig rig="threePt" dir="t"/>
+    </dgm:scene3d>
+    <dgm:sp3d/>
+    <dgm:txPr/>
+    <dgm:style>
+      <a:lnRef idx="2">
+        <a:scrgbClr r="0" g="0" b="0"/>
+      </a:lnRef>
+      <a:fillRef idx="1">
+        <a:scrgbClr r="0" g="0" b="0"/>
+      </a:fillRef>
+      <a:effectRef idx="0">
+        <a:scrgbClr r="0" g="0" b="0"/>
+      </a:effectRef>
+      <a:fontRef idx="minor"/>
+    </dgm:style>
+  </dgm:styleLbl>
+  <dgm:styleLbl name="fgAcc2">
+    <dgm:scene3d>
+      <a:camera prst="orthographicFront"/>
+      <a:lightRig rig="threePt" dir="t"/>
+    </dgm:scene3d>
+    <dgm:sp3d/>
+    <dgm:txPr/>
+    <dgm:style>
+      <a:lnRef idx="2">
+        <a:scrgbClr r="0" g="0" b="0"/>
+      </a:lnRef>
+      <a:fillRef idx="1">
+        <a:scrgbClr r="0" g="0" b="0"/>
+      </a:fillRef>
+      <a:effectRef idx="0">
+        <a:scrgbClr r="0" g="0" b="0"/>
+      </a:effectRef>
+      <a:fontRef idx="minor"/>
+    </dgm:style>
+  </dgm:styleLbl>
+  <dgm:styleLbl name="fgAcc3">
+    <dgm:scene3d>
+      <a:camera prst="orthographicFront"/>
+      <a:lightRig rig="threePt" dir="t"/>
+    </dgm:scene3d>
+    <dgm:sp3d/>
+    <dgm:txPr/>
+    <dgm:style>
+      <a:lnRef idx="2">
+        <a:scrgbClr r="0" g="0" b="0"/>
+      </a:lnRef>
+      <a:fillRef idx="1">
+        <a:scrgbClr r="0" g="0" b="0"/>
+      </a:fillRef>
+      <a:effectRef idx="0">
+        <a:scrgbClr r="0" g="0" b="0"/>
+      </a:effectRef>
+      <a:fontRef idx="minor"/>
+    </dgm:style>
+  </dgm:styleLbl>
+  <dgm:styleLbl name="fgAcc4">
+    <dgm:scene3d>
+      <a:camera prst="orthographicFront"/>
+      <a:lightRig rig="threePt" dir="t"/>
+    </dgm:scene3d>
+    <dgm:sp3d/>
+    <dgm:txPr/>
+    <dgm:style>
+      <a:lnRef idx="2">
+        <a:scrgbClr r="0" g="0" b="0"/>
+      </a:lnRef>
+      <a:fillRef idx="1">
+        <a:scrgbClr r="0" g="0" b="0"/>
+      </a:fillRef>
+      <a:effectRef idx="0">
+        <a:scrgbClr r="0" g="0" b="0"/>
+      </a:effectRef>
+      <a:fontRef idx="minor"/>
+    </dgm:style>
+  </dgm:styleLbl>
+  <dgm:styleLbl name="bgShp">
+    <dgm:scene3d>
+      <a:camera prst="orthographicFront"/>
+      <a:lightRig rig="threePt" dir="t"/>
+    </dgm:scene3d>
+    <dgm:sp3d/>
+    <dgm:txPr/>
+    <dgm:style>
+      <a:lnRef idx="0">
+        <a:scrgbClr r="0" g="0" b="0"/>
+      </a:lnRef>
+      <a:fillRef idx="1">
+        <a:scrgbClr r="0" g="0" b="0"/>
+      </a:fillRef>
+      <a:effectRef idx="0">
+        <a:scrgbClr r="0" g="0" b="0"/>
+      </a:effectRef>
+      <a:fontRef idx="minor"/>
+    </dgm:style>
+  </dgm:styleLbl>
+  <dgm:styleLbl name="dkBgShp">
+    <dgm:scene3d>
+      <a:camera prst="orthographicFront"/>
+      <a:lightRig rig="threePt" dir="t"/>
+    </dgm:scene3d>
+    <dgm:sp3d/>
+    <dgm:txPr/>
+    <dgm:style>
+      <a:lnRef idx="0">
+        <a:scrgbClr r="0" g="0" b="0"/>
+      </a:lnRef>
+      <a:fillRef idx="1">
+        <a:scrgbClr r="0" g="0" b="0"/>
+      </a:fillRef>
+      <a:effectRef idx="0">
+        <a:scrgbClr r="0" g="0" b="0"/>
+      </a:effectRef>
+      <a:fontRef idx="minor"/>
+    </dgm:style>
+  </dgm:styleLbl>
+  <dgm:styleLbl name="trBgShp">
+    <dgm:scene3d>
+      <a:camera prst="orthographicFront"/>
+      <a:lightRig rig="threePt" dir="t"/>
+    </dgm:scene3d>
+    <dgm:sp3d/>
+    <dgm:txPr/>
+    <dgm:style>
+      <a:lnRef idx="0">
+        <a:scrgbClr r="0" g="0" b="0"/>
+      </a:lnRef>
+      <a:fillRef idx="1">
+        <a:scrgbClr r="0" g="0" b="0"/>
+      </a:fillRef>
+      <a:effectRef idx="0">
+        <a:scrgbClr r="0" g="0" b="0"/>
+      </a:effectRef>
+      <a:fontRef idx="minor"/>
+    </dgm:style>
+  </dgm:styleLbl>
+  <dgm:styleLbl name="fgShp">
+    <dgm:scene3d>
+      <a:camera prst="orthographicFront"/>
+      <a:lightRig rig="threePt" dir="t"/>
+    </dgm:scene3d>
+    <dgm:sp3d/>
+    <dgm:txPr/>
+    <dgm:style>
+      <a:lnRef idx="2">
+        <a:scrgbClr r="0" g="0" b="0"/>
+      </a:lnRef>
+      <a:fillRef idx="1">
+        <a:scrgbClr r="0" g="0" b="0"/>
+      </a:fillRef>
+      <a:effectRef idx="0">
+        <a:scrgbClr r="0" g="0" b="0"/>
+      </a:effectRef>
+      <a:fontRef idx="minor"/>
+    </dgm:style>
+  </dgm:styleLbl>
+  <dgm:styleLbl name="revTx">
+    <dgm:scene3d>
+      <a:camera prst="orthographicFront"/>
+      <a:lightRig rig="threePt" dir="t"/>
+    </dgm:scene3d>
+    <dgm:sp3d/>
+    <dgm:txPr/>
+    <dgm:style>
+      <a:lnRef idx="0">
+        <a:scrgbClr r="0" g="0" b="0"/>
+      </a:lnRef>
+      <a:fillRef idx="0">
+        <a:scrgbClr r="0" g="0" b="0"/>
+      </a:fillRef>
+      <a:effectRef idx="0">
+        <a:scrgbClr r="0" g="0" b="0"/>
+      </a:effectRef>
+      <a:fontRef idx="minor"/>
+    </dgm:style>
+  </dgm:styleLbl>
+</dgm:styleDef>
 </file>
 
 <file path=ppt/slideLayouts/slideLayout1.xml><?xml version="1.0" encoding="utf-8"?>
@@ -6859,7 +12508,7 @@
 </p:sld>
 </file>
 
-<file path=ppt/slides/slide2.xml><?xml version="1.0" encoding="utf-8"?>
+<file path=ppt/slides/slide10.xml><?xml version="1.0" encoding="utf-8"?>
 <p:sld xmlns:a="http://schemas.openxmlformats.org/drawingml/2006/main" xmlns:r="http://schemas.openxmlformats.org/officeDocument/2006/relationships" xmlns:p="http://schemas.openxmlformats.org/presentationml/2006/main">
   <p:cSld>
     <p:spTree>
@@ -6892,9 +12541,14 @@
           <a:lstStyle/>
           <a:p>
             <a:r>
-              <a:rPr lang="en-PH" dirty="0"/>
-              <a:t>Materials:</a:t>
+              <a:rPr lang="en-US" dirty="0"/>
+              <a:t>Codes </a:t>
             </a:r>
+            <a:r>
+              <a:rPr lang="en-US" sz="2400" dirty="0"/>
+              <a:t>(snippet)</a:t>
+            </a:r>
+            <a:endParaRPr lang="en-US" dirty="0"/>
           </a:p>
         </p:txBody>
       </p:sp>
@@ -6908,36 +12562,126 @@
             <p:ph idx="1"/>
           </p:nvPr>
         </p:nvSpPr>
-        <p:spPr/>
+        <p:spPr>
+          <a:xfrm>
+            <a:off x="1371600" y="1552579"/>
+            <a:ext cx="10178322" cy="523873"/>
+          </a:xfrm>
+        </p:spPr>
         <p:txBody>
           <a:bodyPr>
-            <a:normAutofit/>
+            <a:noAutofit/>
           </a:bodyPr>
           <a:lstStyle/>
           <a:p>
             <a:r>
-              <a:rPr lang="en-PH" sz="3200" dirty="0"/>
-              <a:t>Arduino 328 Board</a:t>
+              <a:rPr lang="en-US" sz="2800" dirty="0" err="1"/>
+              <a:t>updatendef</a:t>
             </a:r>
-          </a:p>
-          <a:p>
-            <a:r>
-              <a:rPr lang="en-PH" sz="3200" dirty="0"/>
-              <a:t>PN532 RFID/NFC Shield</a:t>
-            </a:r>
-          </a:p>
-          <a:p>
-            <a:r>
-              <a:rPr lang="en-PH" sz="3200" dirty="0"/>
-              <a:t>RFID Card</a:t>
-            </a:r>
+            <a:endParaRPr lang="en-US" sz="2800" dirty="0"/>
           </a:p>
         </p:txBody>
       </p:sp>
+      <p:pic>
+        <p:nvPicPr>
+          <p:cNvPr id="8" name="Picture 7"/>
+          <p:cNvPicPr>
+            <a:picLocks noChangeAspect="1"/>
+          </p:cNvPicPr>
+          <p:nvPr/>
+        </p:nvPicPr>
+        <p:blipFill>
+          <a:blip r:embed="rId2"/>
+          <a:stretch>
+            <a:fillRect/>
+          </a:stretch>
+        </p:blipFill>
+        <p:spPr>
+          <a:xfrm>
+            <a:off x="1371600" y="2196986"/>
+            <a:ext cx="2581275" cy="847725"/>
+          </a:xfrm>
+          <a:prstGeom prst="rect">
+            <a:avLst/>
+          </a:prstGeom>
+        </p:spPr>
+      </p:pic>
+      <p:pic>
+        <p:nvPicPr>
+          <p:cNvPr id="9" name="Picture 8"/>
+          <p:cNvPicPr>
+            <a:picLocks noChangeAspect="1"/>
+          </p:cNvPicPr>
+          <p:nvPr/>
+        </p:nvPicPr>
+        <p:blipFill>
+          <a:blip r:embed="rId3"/>
+          <a:stretch>
+            <a:fillRect/>
+          </a:stretch>
+        </p:blipFill>
+        <p:spPr>
+          <a:xfrm>
+            <a:off x="1251678" y="3246646"/>
+            <a:ext cx="4438650" cy="676275"/>
+          </a:xfrm>
+          <a:prstGeom prst="rect">
+            <a:avLst/>
+          </a:prstGeom>
+        </p:spPr>
+      </p:pic>
+      <p:pic>
+        <p:nvPicPr>
+          <p:cNvPr id="10" name="Picture 9"/>
+          <p:cNvPicPr>
+            <a:picLocks noChangeAspect="1"/>
+          </p:cNvPicPr>
+          <p:nvPr/>
+        </p:nvPicPr>
+        <p:blipFill>
+          <a:blip r:embed="rId4"/>
+          <a:stretch>
+            <a:fillRect/>
+          </a:stretch>
+        </p:blipFill>
+        <p:spPr>
+          <a:xfrm>
+            <a:off x="1251678" y="4124856"/>
+            <a:ext cx="3467100" cy="485775"/>
+          </a:xfrm>
+          <a:prstGeom prst="rect">
+            <a:avLst/>
+          </a:prstGeom>
+        </p:spPr>
+      </p:pic>
+      <p:pic>
+        <p:nvPicPr>
+          <p:cNvPr id="11" name="Picture 10"/>
+          <p:cNvPicPr>
+            <a:picLocks noChangeAspect="1"/>
+          </p:cNvPicPr>
+          <p:nvPr/>
+        </p:nvPicPr>
+        <p:blipFill>
+          <a:blip r:embed="rId5"/>
+          <a:stretch>
+            <a:fillRect/>
+          </a:stretch>
+        </p:blipFill>
+        <p:spPr>
+          <a:xfrm>
+            <a:off x="1251678" y="4812566"/>
+            <a:ext cx="8172450" cy="1314450"/>
+          </a:xfrm>
+          <a:prstGeom prst="rect">
+            <a:avLst/>
+          </a:prstGeom>
+        </p:spPr>
+      </p:pic>
     </p:spTree>
     <p:extLst>
       <p:ext uri="{BB962C8B-B14F-4D97-AF65-F5344CB8AC3E}">
-        <p14:creationId xmlns:p14="http://schemas.microsoft.com/office/powerpoint/2010/main" val="737375059"/>
+        <p14:creationId xmlns:p14="http://schemas.microsoft.com/office/powerpoint/2010/main" val="1472528203"/>
       </p:ext>
     </p:extLst>
   </p:cSld>
@@ -6947,7 +12691,287 @@
 </p:sld>
 </file>
 
-<file path=ppt/slides/slide3.xml><?xml version="1.0" encoding="utf-8"?>
+<file path=ppt/slides/slide11.xml><?xml version="1.0" encoding="utf-8"?>
+<p:sld xmlns:a="http://schemas.openxmlformats.org/drawingml/2006/main" xmlns:r="http://schemas.openxmlformats.org/officeDocument/2006/relationships" xmlns:p="http://schemas.openxmlformats.org/presentationml/2006/main">
+  <p:cSld>
+    <p:spTree>
+      <p:nvGrpSpPr>
+        <p:cNvPr id="1" name=""/>
+        <p:cNvGrpSpPr/>
+        <p:nvPr/>
+      </p:nvGrpSpPr>
+      <p:grpSpPr>
+        <a:xfrm>
+          <a:off x="0" y="0"/>
+          <a:ext cx="0" cy="0"/>
+          <a:chOff x="0" y="0"/>
+          <a:chExt cx="0" cy="0"/>
+        </a:xfrm>
+      </p:grpSpPr>
+      <p:sp>
+        <p:nvSpPr>
+          <p:cNvPr id="2" name="Title 1"/>
+          <p:cNvSpPr>
+            <a:spLocks noGrp="1"/>
+          </p:cNvSpPr>
+          <p:nvPr>
+            <p:ph type="title"/>
+          </p:nvPr>
+        </p:nvSpPr>
+        <p:spPr>
+          <a:xfrm>
+            <a:off x="1251678" y="322383"/>
+            <a:ext cx="10178322" cy="1492132"/>
+          </a:xfrm>
+        </p:spPr>
+        <p:txBody>
+          <a:bodyPr/>
+          <a:lstStyle/>
+          <a:p>
+            <a:r>
+              <a:rPr lang="en-US" dirty="0"/>
+              <a:t>Codes </a:t>
+            </a:r>
+            <a:r>
+              <a:rPr lang="en-US" sz="2400" dirty="0"/>
+              <a:t>(snippet)</a:t>
+            </a:r>
+            <a:endParaRPr lang="en-US" dirty="0"/>
+          </a:p>
+        </p:txBody>
+      </p:sp>
+      <p:sp>
+        <p:nvSpPr>
+          <p:cNvPr id="3" name="Content Placeholder 2"/>
+          <p:cNvSpPr>
+            <a:spLocks noGrp="1"/>
+          </p:cNvSpPr>
+          <p:nvPr>
+            <p:ph idx="1"/>
+          </p:nvPr>
+        </p:nvSpPr>
+        <p:spPr>
+          <a:xfrm>
+            <a:off x="1371600" y="1552579"/>
+            <a:ext cx="10178322" cy="523873"/>
+          </a:xfrm>
+        </p:spPr>
+        <p:txBody>
+          <a:bodyPr>
+            <a:noAutofit/>
+          </a:bodyPr>
+          <a:lstStyle/>
+          <a:p>
+            <a:r>
+              <a:rPr lang="en-US" sz="2800" dirty="0" err="1"/>
+              <a:t>updatendef</a:t>
+            </a:r>
+            <a:endParaRPr lang="en-US" sz="2800" dirty="0"/>
+          </a:p>
+        </p:txBody>
+      </p:sp>
+      <p:pic>
+        <p:nvPicPr>
+          <p:cNvPr id="7" name="Picture 6"/>
+          <p:cNvPicPr>
+            <a:picLocks noChangeAspect="1"/>
+          </p:cNvPicPr>
+          <p:nvPr/>
+        </p:nvPicPr>
+        <p:blipFill>
+          <a:blip r:embed="rId2"/>
+          <a:stretch>
+            <a:fillRect/>
+          </a:stretch>
+        </p:blipFill>
+        <p:spPr>
+          <a:xfrm>
+            <a:off x="1371600" y="2364583"/>
+            <a:ext cx="7715250" cy="1981200"/>
+          </a:xfrm>
+          <a:prstGeom prst="rect">
+            <a:avLst/>
+          </a:prstGeom>
+        </p:spPr>
+      </p:pic>
+      <p:pic>
+        <p:nvPicPr>
+          <p:cNvPr id="8" name="Picture 7"/>
+          <p:cNvPicPr>
+            <a:picLocks noChangeAspect="1"/>
+          </p:cNvPicPr>
+          <p:nvPr/>
+        </p:nvPicPr>
+        <p:blipFill>
+          <a:blip r:embed="rId3"/>
+          <a:stretch>
+            <a:fillRect/>
+          </a:stretch>
+        </p:blipFill>
+        <p:spPr>
+          <a:xfrm>
+            <a:off x="1371600" y="4633914"/>
+            <a:ext cx="7620000" cy="1676400"/>
+          </a:xfrm>
+          <a:prstGeom prst="rect">
+            <a:avLst/>
+          </a:prstGeom>
+        </p:spPr>
+      </p:pic>
+    </p:spTree>
+    <p:extLst>
+      <p:ext uri="{BB962C8B-B14F-4D97-AF65-F5344CB8AC3E}">
+        <p14:creationId xmlns:p14="http://schemas.microsoft.com/office/powerpoint/2010/main" val="3426794168"/>
+      </p:ext>
+    </p:extLst>
+  </p:cSld>
+  <p:clrMapOvr>
+    <a:masterClrMapping/>
+  </p:clrMapOvr>
+</p:sld>
+</file>
+
+<file path=ppt/slides/slide12.xml><?xml version="1.0" encoding="utf-8"?>
+<p:sld xmlns:a="http://schemas.openxmlformats.org/drawingml/2006/main" xmlns:r="http://schemas.openxmlformats.org/officeDocument/2006/relationships" xmlns:p="http://schemas.openxmlformats.org/presentationml/2006/main">
+  <p:cSld>
+    <p:spTree>
+      <p:nvGrpSpPr>
+        <p:cNvPr id="1" name=""/>
+        <p:cNvGrpSpPr/>
+        <p:nvPr/>
+      </p:nvGrpSpPr>
+      <p:grpSpPr>
+        <a:xfrm>
+          <a:off x="0" y="0"/>
+          <a:ext cx="0" cy="0"/>
+          <a:chOff x="0" y="0"/>
+          <a:chExt cx="0" cy="0"/>
+        </a:xfrm>
+      </p:grpSpPr>
+      <p:sp>
+        <p:nvSpPr>
+          <p:cNvPr id="2" name="Title 1"/>
+          <p:cNvSpPr>
+            <a:spLocks noGrp="1"/>
+          </p:cNvSpPr>
+          <p:nvPr>
+            <p:ph type="title"/>
+          </p:nvPr>
+        </p:nvSpPr>
+        <p:spPr>
+          <a:xfrm>
+            <a:off x="1251678" y="322383"/>
+            <a:ext cx="10178322" cy="1492132"/>
+          </a:xfrm>
+        </p:spPr>
+        <p:txBody>
+          <a:bodyPr/>
+          <a:lstStyle/>
+          <a:p>
+            <a:r>
+              <a:rPr lang="en-US" dirty="0"/>
+              <a:t>Codes </a:t>
+            </a:r>
+            <a:r>
+              <a:rPr lang="en-US" sz="2400" dirty="0"/>
+              <a:t>(snippet)</a:t>
+            </a:r>
+            <a:endParaRPr lang="en-US" dirty="0"/>
+          </a:p>
+        </p:txBody>
+      </p:sp>
+      <p:sp>
+        <p:nvSpPr>
+          <p:cNvPr id="3" name="Content Placeholder 2"/>
+          <p:cNvSpPr>
+            <a:spLocks noGrp="1"/>
+          </p:cNvSpPr>
+          <p:nvPr>
+            <p:ph idx="1"/>
+          </p:nvPr>
+        </p:nvSpPr>
+        <p:spPr>
+          <a:xfrm>
+            <a:off x="1371600" y="1552579"/>
+            <a:ext cx="10178322" cy="523873"/>
+          </a:xfrm>
+        </p:spPr>
+        <p:txBody>
+          <a:bodyPr>
+            <a:noAutofit/>
+          </a:bodyPr>
+          <a:lstStyle/>
+          <a:p>
+            <a:r>
+              <a:rPr lang="en-US" sz="2800" dirty="0" err="1"/>
+              <a:t>memdump</a:t>
+            </a:r>
+            <a:endParaRPr lang="en-US" sz="2800" dirty="0"/>
+          </a:p>
+        </p:txBody>
+      </p:sp>
+      <p:pic>
+        <p:nvPicPr>
+          <p:cNvPr id="6" name="Picture 5"/>
+          <p:cNvPicPr>
+            <a:picLocks noChangeAspect="1"/>
+          </p:cNvPicPr>
+          <p:nvPr/>
+        </p:nvPicPr>
+        <p:blipFill>
+          <a:blip r:embed="rId2"/>
+          <a:stretch>
+            <a:fillRect/>
+          </a:stretch>
+        </p:blipFill>
+        <p:spPr>
+          <a:xfrm>
+            <a:off x="4783269" y="714375"/>
+            <a:ext cx="6886575" cy="6038850"/>
+          </a:xfrm>
+          <a:prstGeom prst="rect">
+            <a:avLst/>
+          </a:prstGeom>
+        </p:spPr>
+      </p:pic>
+      <p:pic>
+        <p:nvPicPr>
+          <p:cNvPr id="8" name="Picture 7"/>
+          <p:cNvPicPr>
+            <a:picLocks noChangeAspect="1"/>
+          </p:cNvPicPr>
+          <p:nvPr/>
+        </p:nvPicPr>
+        <p:blipFill>
+          <a:blip r:embed="rId3"/>
+          <a:stretch>
+            <a:fillRect/>
+          </a:stretch>
+        </p:blipFill>
+        <p:spPr>
+          <a:xfrm>
+            <a:off x="1371600" y="3143251"/>
+            <a:ext cx="2581275" cy="847725"/>
+          </a:xfrm>
+          <a:prstGeom prst="rect">
+            <a:avLst/>
+          </a:prstGeom>
+        </p:spPr>
+      </p:pic>
+    </p:spTree>
+    <p:extLst>
+      <p:ext uri="{BB962C8B-B14F-4D97-AF65-F5344CB8AC3E}">
+        <p14:creationId xmlns:p14="http://schemas.microsoft.com/office/powerpoint/2010/main" val="1351838148"/>
+      </p:ext>
+    </p:extLst>
+  </p:cSld>
+  <p:clrMapOvr>
+    <a:masterClrMapping/>
+  </p:clrMapOvr>
+</p:sld>
+</file>
+
+<file path=ppt/slides/slide13.xml><?xml version="1.0" encoding="utf-8"?>
 <p:sld xmlns:a="http://schemas.openxmlformats.org/drawingml/2006/main" xmlns:r="http://schemas.openxmlformats.org/officeDocument/2006/relationships" xmlns:p="http://schemas.openxmlformats.org/presentationml/2006/main">
   <p:cSld>
     <p:spTree>
@@ -6979,7 +13003,10 @@
           <a:bodyPr/>
           <a:lstStyle/>
           <a:p>
-            <a:endParaRPr lang="en-PH"/>
+            <a:r>
+              <a:rPr lang="en-US" dirty="0"/>
+              <a:t>Recommendation	</a:t>
+            </a:r>
           </a:p>
         </p:txBody>
       </p:sp>
@@ -6998,7 +13025,1003 @@
           <a:bodyPr/>
           <a:lstStyle/>
           <a:p>
-            <a:endParaRPr lang="en-PH"/>
+            <a:endParaRPr lang="en-US" dirty="0"/>
+          </a:p>
+        </p:txBody>
+      </p:sp>
+    </p:spTree>
+    <p:extLst>
+      <p:ext uri="{BB962C8B-B14F-4D97-AF65-F5344CB8AC3E}">
+        <p14:creationId xmlns:p14="http://schemas.microsoft.com/office/powerpoint/2010/main" val="1954502107"/>
+      </p:ext>
+    </p:extLst>
+  </p:cSld>
+  <p:clrMapOvr>
+    <a:masterClrMapping/>
+  </p:clrMapOvr>
+</p:sld>
+</file>
+
+<file path=ppt/slides/slide14.xml><?xml version="1.0" encoding="utf-8"?>
+<p:sld xmlns:a="http://schemas.openxmlformats.org/drawingml/2006/main" xmlns:r="http://schemas.openxmlformats.org/officeDocument/2006/relationships" xmlns:p="http://schemas.openxmlformats.org/presentationml/2006/main">
+  <p:cSld>
+    <p:spTree>
+      <p:nvGrpSpPr>
+        <p:cNvPr id="1" name=""/>
+        <p:cNvGrpSpPr/>
+        <p:nvPr/>
+      </p:nvGrpSpPr>
+      <p:grpSpPr>
+        <a:xfrm>
+          <a:off x="0" y="0"/>
+          <a:ext cx="0" cy="0"/>
+          <a:chOff x="0" y="0"/>
+          <a:chExt cx="0" cy="0"/>
+        </a:xfrm>
+      </p:grpSpPr>
+      <p:sp>
+        <p:nvSpPr>
+          <p:cNvPr id="2" name="Title 1"/>
+          <p:cNvSpPr>
+            <a:spLocks noGrp="1"/>
+          </p:cNvSpPr>
+          <p:nvPr>
+            <p:ph type="title"/>
+          </p:nvPr>
+        </p:nvSpPr>
+        <p:spPr/>
+        <p:txBody>
+          <a:bodyPr/>
+          <a:lstStyle/>
+          <a:p>
+            <a:r>
+              <a:rPr lang="en-US" dirty="0"/>
+              <a:t>References:</a:t>
+            </a:r>
+          </a:p>
+        </p:txBody>
+      </p:sp>
+      <p:sp>
+        <p:nvSpPr>
+          <p:cNvPr id="3" name="Content Placeholder 2"/>
+          <p:cNvSpPr>
+            <a:spLocks noGrp="1"/>
+          </p:cNvSpPr>
+          <p:nvPr>
+            <p:ph idx="1"/>
+          </p:nvPr>
+        </p:nvSpPr>
+        <p:spPr/>
+        <p:txBody>
+          <a:bodyPr/>
+          <a:lstStyle/>
+          <a:p>
+            <a:r>
+              <a:rPr lang="en-US" dirty="0">
+                <a:hlinkClick r:id="rId2"/>
+              </a:rPr>
+              <a:t>https://cdn-learn.adafruit.com/downloads/pdf/adafruit-pn532-rfid-nfc.pdf</a:t>
+            </a:r>
+            <a:endParaRPr lang="en-US" dirty="0"/>
+          </a:p>
+          <a:p>
+            <a:r>
+              <a:rPr lang="en-US" dirty="0">
+                <a:hlinkClick r:id="rId3"/>
+              </a:rPr>
+              <a:t>http://fut-electronics.com/wp-content/plugins/fe_downloads/Uploads/How%20to%20use%20NFC%20Shield%20with%20Arduino%20and%20demo%20code.pdf</a:t>
+            </a:r>
+            <a:endParaRPr lang="en-US" dirty="0"/>
+          </a:p>
+          <a:p>
+            <a:r>
+              <a:rPr lang="en-US" dirty="0">
+                <a:hlinkClick r:id="rId4"/>
+              </a:rPr>
+              <a:t>https://learn.adafruit.com/adafruit-pn532-rfid-nfc/arduino-library</a:t>
+            </a:r>
+            <a:endParaRPr lang="en-US" dirty="0"/>
+          </a:p>
+          <a:p>
+            <a:r>
+              <a:rPr lang="en-US" dirty="0">
+                <a:hlinkClick r:id="rId5"/>
+              </a:rPr>
+              <a:t>https://github.com/gregington/RfidDb/blob/master/src/RfidDb.h</a:t>
+            </a:r>
+            <a:endParaRPr lang="en-US" dirty="0"/>
+          </a:p>
+          <a:p>
+            <a:endParaRPr lang="en-US" dirty="0"/>
+          </a:p>
+        </p:txBody>
+      </p:sp>
+    </p:spTree>
+    <p:extLst>
+      <p:ext uri="{BB962C8B-B14F-4D97-AF65-F5344CB8AC3E}">
+        <p14:creationId xmlns:p14="http://schemas.microsoft.com/office/powerpoint/2010/main" val="1990138610"/>
+      </p:ext>
+    </p:extLst>
+  </p:cSld>
+  <p:clrMapOvr>
+    <a:masterClrMapping/>
+  </p:clrMapOvr>
+</p:sld>
+</file>
+
+<file path=ppt/slides/slide2.xml><?xml version="1.0" encoding="utf-8"?>
+<p:sld xmlns:a="http://schemas.openxmlformats.org/drawingml/2006/main" xmlns:r="http://schemas.openxmlformats.org/officeDocument/2006/relationships" xmlns:p="http://schemas.openxmlformats.org/presentationml/2006/main">
+  <p:cSld>
+    <p:spTree>
+      <p:nvGrpSpPr>
+        <p:cNvPr id="1" name=""/>
+        <p:cNvGrpSpPr/>
+        <p:nvPr/>
+      </p:nvGrpSpPr>
+      <p:grpSpPr>
+        <a:xfrm>
+          <a:off x="0" y="0"/>
+          <a:ext cx="0" cy="0"/>
+          <a:chOff x="0" y="0"/>
+          <a:chExt cx="0" cy="0"/>
+        </a:xfrm>
+      </p:grpSpPr>
+      <p:sp useBgFill="1">
+        <p:nvSpPr>
+          <p:cNvPr id="12" name="Rectangle 11"/>
+          <p:cNvSpPr>
+            <a:spLocks noGrp="1" noRot="1" noChangeAspect="1" noMove="1" noResize="1" noEditPoints="1" noAdjustHandles="1" noChangeArrowheads="1" noChangeShapeType="1" noTextEdit="1"/>
+          </p:cNvSpPr>
+          <p:nvPr>
+            <p:extLst>
+              <p:ext uri="{386F3935-93C4-4BCD-93E2-E3B085C9AB24}">
+                <p16:designElem xmlns:p16="http://schemas.microsoft.com/office/powerpoint/2015/main" val="1"/>
+              </p:ext>
+            </p:extLst>
+          </p:nvPr>
+        </p:nvSpPr>
+        <p:spPr bwMode="white">
+          <a:xfrm>
+            <a:off x="0" y="0"/>
+            <a:ext cx="12192000" cy="6858000"/>
+          </a:xfrm>
+          <a:prstGeom prst="rect">
+            <a:avLst/>
+          </a:prstGeom>
+          <a:ln>
+            <a:noFill/>
+          </a:ln>
+        </p:spPr>
+        <p:style>
+          <a:lnRef idx="2">
+            <a:schemeClr val="accent1">
+              <a:shade val="50000"/>
+            </a:schemeClr>
+          </a:lnRef>
+          <a:fillRef idx="1">
+            <a:schemeClr val="accent1"/>
+          </a:fillRef>
+          <a:effectRef idx="0">
+            <a:schemeClr val="accent1"/>
+          </a:effectRef>
+          <a:fontRef idx="minor">
+            <a:schemeClr val="lt1"/>
+          </a:fontRef>
+        </p:style>
+        <p:txBody>
+          <a:bodyPr rot="0" spcFirstLastPara="0" vert="horz" wrap="square" lIns="91440" tIns="45720" rIns="91440" bIns="45720" numCol="1" spcCol="0" rtlCol="0" fromWordArt="0" anchor="ctr" anchorCtr="0" forceAA="0" compatLnSpc="1">
+            <a:prstTxWarp prst="textNoShape">
+              <a:avLst/>
+            </a:prstTxWarp>
+            <a:noAutofit/>
+          </a:bodyPr>
+          <a:lstStyle>
+            <a:defPPr>
+              <a:defRPr lang="en-US"/>
+            </a:defPPr>
+            <a:lvl1pPr marL="0" algn="l" defTabSz="914400" rtl="0" eaLnBrk="1" latinLnBrk="0" hangingPunct="1">
+              <a:defRPr sz="1800" kern="1200">
+                <a:solidFill>
+                  <a:schemeClr val="lt1"/>
+                </a:solidFill>
+                <a:latin typeface="+mn-lt"/>
+                <a:ea typeface="+mn-ea"/>
+                <a:cs typeface="+mn-cs"/>
+              </a:defRPr>
+            </a:lvl1pPr>
+            <a:lvl2pPr marL="457200" algn="l" defTabSz="914400" rtl="0" eaLnBrk="1" latinLnBrk="0" hangingPunct="1">
+              <a:defRPr sz="1800" kern="1200">
+                <a:solidFill>
+                  <a:schemeClr val="lt1"/>
+                </a:solidFill>
+                <a:latin typeface="+mn-lt"/>
+                <a:ea typeface="+mn-ea"/>
+                <a:cs typeface="+mn-cs"/>
+              </a:defRPr>
+            </a:lvl2pPr>
+            <a:lvl3pPr marL="914400" algn="l" defTabSz="914400" rtl="0" eaLnBrk="1" latinLnBrk="0" hangingPunct="1">
+              <a:defRPr sz="1800" kern="1200">
+                <a:solidFill>
+                  <a:schemeClr val="lt1"/>
+                </a:solidFill>
+                <a:latin typeface="+mn-lt"/>
+                <a:ea typeface="+mn-ea"/>
+                <a:cs typeface="+mn-cs"/>
+              </a:defRPr>
+            </a:lvl3pPr>
+            <a:lvl4pPr marL="1371600" algn="l" defTabSz="914400" rtl="0" eaLnBrk="1" latinLnBrk="0" hangingPunct="1">
+              <a:defRPr sz="1800" kern="1200">
+                <a:solidFill>
+                  <a:schemeClr val="lt1"/>
+                </a:solidFill>
+                <a:latin typeface="+mn-lt"/>
+                <a:ea typeface="+mn-ea"/>
+                <a:cs typeface="+mn-cs"/>
+              </a:defRPr>
+            </a:lvl4pPr>
+            <a:lvl5pPr marL="1828800" algn="l" defTabSz="914400" rtl="0" eaLnBrk="1" latinLnBrk="0" hangingPunct="1">
+              <a:defRPr sz="1800" kern="1200">
+                <a:solidFill>
+                  <a:schemeClr val="lt1"/>
+                </a:solidFill>
+                <a:latin typeface="+mn-lt"/>
+                <a:ea typeface="+mn-ea"/>
+                <a:cs typeface="+mn-cs"/>
+              </a:defRPr>
+            </a:lvl5pPr>
+            <a:lvl6pPr marL="2286000" algn="l" defTabSz="914400" rtl="0" eaLnBrk="1" latinLnBrk="0" hangingPunct="1">
+              <a:defRPr sz="1800" kern="1200">
+                <a:solidFill>
+                  <a:schemeClr val="lt1"/>
+                </a:solidFill>
+                <a:latin typeface="+mn-lt"/>
+                <a:ea typeface="+mn-ea"/>
+                <a:cs typeface="+mn-cs"/>
+              </a:defRPr>
+            </a:lvl6pPr>
+            <a:lvl7pPr marL="2743200" algn="l" defTabSz="914400" rtl="0" eaLnBrk="1" latinLnBrk="0" hangingPunct="1">
+              <a:defRPr sz="1800" kern="1200">
+                <a:solidFill>
+                  <a:schemeClr val="lt1"/>
+                </a:solidFill>
+                <a:latin typeface="+mn-lt"/>
+                <a:ea typeface="+mn-ea"/>
+                <a:cs typeface="+mn-cs"/>
+              </a:defRPr>
+            </a:lvl7pPr>
+            <a:lvl8pPr marL="3200400" algn="l" defTabSz="914400" rtl="0" eaLnBrk="1" latinLnBrk="0" hangingPunct="1">
+              <a:defRPr sz="1800" kern="1200">
+                <a:solidFill>
+                  <a:schemeClr val="lt1"/>
+                </a:solidFill>
+                <a:latin typeface="+mn-lt"/>
+                <a:ea typeface="+mn-ea"/>
+                <a:cs typeface="+mn-cs"/>
+              </a:defRPr>
+            </a:lvl8pPr>
+            <a:lvl9pPr marL="3657600" algn="l" defTabSz="914400" rtl="0" eaLnBrk="1" latinLnBrk="0" hangingPunct="1">
+              <a:defRPr sz="1800" kern="1200">
+                <a:solidFill>
+                  <a:schemeClr val="lt1"/>
+                </a:solidFill>
+                <a:latin typeface="+mn-lt"/>
+                <a:ea typeface="+mn-ea"/>
+                <a:cs typeface="+mn-cs"/>
+              </a:defRPr>
+            </a:lvl9pPr>
+          </a:lstStyle>
+          <a:p>
+            <a:pPr algn="ctr"/>
+            <a:endParaRPr lang="en-US"/>
+          </a:p>
+        </p:txBody>
+      </p:sp>
+      <p:sp>
+        <p:nvSpPr>
+          <p:cNvPr id="14" name="Freeform 11" title="right scallop background shape"/>
+          <p:cNvSpPr>
+            <a:spLocks noGrp="1" noRot="1" noChangeAspect="1" noMove="1" noResize="1" noEditPoints="1" noAdjustHandles="1" noChangeArrowheads="1" noChangeShapeType="1" noTextEdit="1"/>
+          </p:cNvSpPr>
+          <p:nvPr>
+            <p:extLst>
+              <p:ext uri="{386F3935-93C4-4BCD-93E2-E3B085C9AB24}">
+                <p16:designElem xmlns:p16="http://schemas.microsoft.com/office/powerpoint/2015/main" val="1"/>
+              </p:ext>
+            </p:extLst>
+          </p:nvPr>
+        </p:nvSpPr>
+        <p:spPr bwMode="auto">
+          <a:xfrm>
+            <a:off x="7548664" y="0"/>
+            <a:ext cx="4643336" cy="6858000"/>
+          </a:xfrm>
+          <a:custGeom>
+            <a:avLst/>
+            <a:gdLst/>
+            <a:ahLst/>
+            <a:cxnLst/>
+            <a:rect l="0" t="0" r="r" b="b"/>
+            <a:pathLst>
+              <a:path w="3025" h="4320">
+                <a:moveTo>
+                  <a:pt x="0" y="0"/>
+                </a:moveTo>
+                <a:lnTo>
+                  <a:pt x="3025" y="0"/>
+                </a:lnTo>
+                <a:lnTo>
+                  <a:pt x="3025" y="4320"/>
+                </a:lnTo>
+                <a:lnTo>
+                  <a:pt x="0" y="4320"/>
+                </a:lnTo>
+                <a:lnTo>
+                  <a:pt x="3" y="4278"/>
+                </a:lnTo>
+                <a:lnTo>
+                  <a:pt x="8" y="4243"/>
+                </a:lnTo>
+                <a:lnTo>
+                  <a:pt x="14" y="4210"/>
+                </a:lnTo>
+                <a:lnTo>
+                  <a:pt x="24" y="4183"/>
+                </a:lnTo>
+                <a:lnTo>
+                  <a:pt x="34" y="4156"/>
+                </a:lnTo>
+                <a:lnTo>
+                  <a:pt x="46" y="4133"/>
+                </a:lnTo>
+                <a:lnTo>
+                  <a:pt x="58" y="4109"/>
+                </a:lnTo>
+                <a:lnTo>
+                  <a:pt x="69" y="4087"/>
+                </a:lnTo>
+                <a:lnTo>
+                  <a:pt x="80" y="4062"/>
+                </a:lnTo>
+                <a:lnTo>
+                  <a:pt x="90" y="4036"/>
+                </a:lnTo>
+                <a:lnTo>
+                  <a:pt x="99" y="4007"/>
+                </a:lnTo>
+                <a:lnTo>
+                  <a:pt x="106" y="3976"/>
+                </a:lnTo>
+                <a:lnTo>
+                  <a:pt x="111" y="3938"/>
+                </a:lnTo>
+                <a:lnTo>
+                  <a:pt x="113" y="3895"/>
+                </a:lnTo>
+                <a:lnTo>
+                  <a:pt x="111" y="3851"/>
+                </a:lnTo>
+                <a:lnTo>
+                  <a:pt x="106" y="3815"/>
+                </a:lnTo>
+                <a:lnTo>
+                  <a:pt x="99" y="3782"/>
+                </a:lnTo>
+                <a:lnTo>
+                  <a:pt x="90" y="3752"/>
+                </a:lnTo>
+                <a:lnTo>
+                  <a:pt x="80" y="3726"/>
+                </a:lnTo>
+                <a:lnTo>
+                  <a:pt x="68" y="3702"/>
+                </a:lnTo>
+                <a:lnTo>
+                  <a:pt x="56" y="3679"/>
+                </a:lnTo>
+                <a:lnTo>
+                  <a:pt x="44" y="3655"/>
+                </a:lnTo>
+                <a:lnTo>
+                  <a:pt x="33" y="3630"/>
+                </a:lnTo>
+                <a:lnTo>
+                  <a:pt x="22" y="3604"/>
+                </a:lnTo>
+                <a:lnTo>
+                  <a:pt x="13" y="3575"/>
+                </a:lnTo>
+                <a:lnTo>
+                  <a:pt x="7" y="3542"/>
+                </a:lnTo>
+                <a:lnTo>
+                  <a:pt x="1" y="3504"/>
+                </a:lnTo>
+                <a:lnTo>
+                  <a:pt x="0" y="3461"/>
+                </a:lnTo>
+                <a:lnTo>
+                  <a:pt x="1" y="3418"/>
+                </a:lnTo>
+                <a:lnTo>
+                  <a:pt x="7" y="3380"/>
+                </a:lnTo>
+                <a:lnTo>
+                  <a:pt x="13" y="3347"/>
+                </a:lnTo>
+                <a:lnTo>
+                  <a:pt x="22" y="3319"/>
+                </a:lnTo>
+                <a:lnTo>
+                  <a:pt x="33" y="3292"/>
+                </a:lnTo>
+                <a:lnTo>
+                  <a:pt x="44" y="3267"/>
+                </a:lnTo>
+                <a:lnTo>
+                  <a:pt x="56" y="3244"/>
+                </a:lnTo>
+                <a:lnTo>
+                  <a:pt x="68" y="3222"/>
+                </a:lnTo>
+                <a:lnTo>
+                  <a:pt x="80" y="3197"/>
+                </a:lnTo>
+                <a:lnTo>
+                  <a:pt x="90" y="3171"/>
+                </a:lnTo>
+                <a:lnTo>
+                  <a:pt x="99" y="3142"/>
+                </a:lnTo>
+                <a:lnTo>
+                  <a:pt x="106" y="3109"/>
+                </a:lnTo>
+                <a:lnTo>
+                  <a:pt x="111" y="3071"/>
+                </a:lnTo>
+                <a:lnTo>
+                  <a:pt x="113" y="3028"/>
+                </a:lnTo>
+                <a:lnTo>
+                  <a:pt x="111" y="2985"/>
+                </a:lnTo>
+                <a:lnTo>
+                  <a:pt x="106" y="2947"/>
+                </a:lnTo>
+                <a:lnTo>
+                  <a:pt x="99" y="2914"/>
+                </a:lnTo>
+                <a:lnTo>
+                  <a:pt x="90" y="2885"/>
+                </a:lnTo>
+                <a:lnTo>
+                  <a:pt x="80" y="2858"/>
+                </a:lnTo>
+                <a:lnTo>
+                  <a:pt x="68" y="2834"/>
+                </a:lnTo>
+                <a:lnTo>
+                  <a:pt x="44" y="2787"/>
+                </a:lnTo>
+                <a:lnTo>
+                  <a:pt x="33" y="2763"/>
+                </a:lnTo>
+                <a:lnTo>
+                  <a:pt x="22" y="2736"/>
+                </a:lnTo>
+                <a:lnTo>
+                  <a:pt x="13" y="2707"/>
+                </a:lnTo>
+                <a:lnTo>
+                  <a:pt x="7" y="2674"/>
+                </a:lnTo>
+                <a:lnTo>
+                  <a:pt x="1" y="2637"/>
+                </a:lnTo>
+                <a:lnTo>
+                  <a:pt x="0" y="2593"/>
+                </a:lnTo>
+                <a:lnTo>
+                  <a:pt x="1" y="2550"/>
+                </a:lnTo>
+                <a:lnTo>
+                  <a:pt x="7" y="2512"/>
+                </a:lnTo>
+                <a:lnTo>
+                  <a:pt x="13" y="2479"/>
+                </a:lnTo>
+                <a:lnTo>
+                  <a:pt x="22" y="2451"/>
+                </a:lnTo>
+                <a:lnTo>
+                  <a:pt x="33" y="2424"/>
+                </a:lnTo>
+                <a:lnTo>
+                  <a:pt x="44" y="2401"/>
+                </a:lnTo>
+                <a:lnTo>
+                  <a:pt x="68" y="2354"/>
+                </a:lnTo>
+                <a:lnTo>
+                  <a:pt x="80" y="2329"/>
+                </a:lnTo>
+                <a:lnTo>
+                  <a:pt x="90" y="2303"/>
+                </a:lnTo>
+                <a:lnTo>
+                  <a:pt x="99" y="2274"/>
+                </a:lnTo>
+                <a:lnTo>
+                  <a:pt x="106" y="2241"/>
+                </a:lnTo>
+                <a:lnTo>
+                  <a:pt x="111" y="2203"/>
+                </a:lnTo>
+                <a:lnTo>
+                  <a:pt x="113" y="2159"/>
+                </a:lnTo>
+                <a:lnTo>
+                  <a:pt x="111" y="2117"/>
+                </a:lnTo>
+                <a:lnTo>
+                  <a:pt x="106" y="2079"/>
+                </a:lnTo>
+                <a:lnTo>
+                  <a:pt x="99" y="2046"/>
+                </a:lnTo>
+                <a:lnTo>
+                  <a:pt x="90" y="2017"/>
+                </a:lnTo>
+                <a:lnTo>
+                  <a:pt x="80" y="1991"/>
+                </a:lnTo>
+                <a:lnTo>
+                  <a:pt x="68" y="1966"/>
+                </a:lnTo>
+                <a:lnTo>
+                  <a:pt x="56" y="1943"/>
+                </a:lnTo>
+                <a:lnTo>
+                  <a:pt x="44" y="1919"/>
+                </a:lnTo>
+                <a:lnTo>
+                  <a:pt x="33" y="1896"/>
+                </a:lnTo>
+                <a:lnTo>
+                  <a:pt x="22" y="1869"/>
+                </a:lnTo>
+                <a:lnTo>
+                  <a:pt x="13" y="1841"/>
+                </a:lnTo>
+                <a:lnTo>
+                  <a:pt x="7" y="1807"/>
+                </a:lnTo>
+                <a:lnTo>
+                  <a:pt x="1" y="1770"/>
+                </a:lnTo>
+                <a:lnTo>
+                  <a:pt x="0" y="1727"/>
+                </a:lnTo>
+                <a:lnTo>
+                  <a:pt x="1" y="1683"/>
+                </a:lnTo>
+                <a:lnTo>
+                  <a:pt x="7" y="1646"/>
+                </a:lnTo>
+                <a:lnTo>
+                  <a:pt x="13" y="1613"/>
+                </a:lnTo>
+                <a:lnTo>
+                  <a:pt x="22" y="1583"/>
+                </a:lnTo>
+                <a:lnTo>
+                  <a:pt x="33" y="1557"/>
+                </a:lnTo>
+                <a:lnTo>
+                  <a:pt x="44" y="1533"/>
+                </a:lnTo>
+                <a:lnTo>
+                  <a:pt x="56" y="1509"/>
+                </a:lnTo>
+                <a:lnTo>
+                  <a:pt x="68" y="1486"/>
+                </a:lnTo>
+                <a:lnTo>
+                  <a:pt x="80" y="1461"/>
+                </a:lnTo>
+                <a:lnTo>
+                  <a:pt x="90" y="1435"/>
+                </a:lnTo>
+                <a:lnTo>
+                  <a:pt x="99" y="1406"/>
+                </a:lnTo>
+                <a:lnTo>
+                  <a:pt x="106" y="1373"/>
+                </a:lnTo>
+                <a:lnTo>
+                  <a:pt x="111" y="1335"/>
+                </a:lnTo>
+                <a:lnTo>
+                  <a:pt x="113" y="1292"/>
+                </a:lnTo>
+                <a:lnTo>
+                  <a:pt x="111" y="1249"/>
+                </a:lnTo>
+                <a:lnTo>
+                  <a:pt x="106" y="1211"/>
+                </a:lnTo>
+                <a:lnTo>
+                  <a:pt x="99" y="1178"/>
+                </a:lnTo>
+                <a:lnTo>
+                  <a:pt x="90" y="1149"/>
+                </a:lnTo>
+                <a:lnTo>
+                  <a:pt x="80" y="1123"/>
+                </a:lnTo>
+                <a:lnTo>
+                  <a:pt x="68" y="1098"/>
+                </a:lnTo>
+                <a:lnTo>
+                  <a:pt x="56" y="1076"/>
+                </a:lnTo>
+                <a:lnTo>
+                  <a:pt x="44" y="1053"/>
+                </a:lnTo>
+                <a:lnTo>
+                  <a:pt x="33" y="1028"/>
+                </a:lnTo>
+                <a:lnTo>
+                  <a:pt x="22" y="1001"/>
+                </a:lnTo>
+                <a:lnTo>
+                  <a:pt x="13" y="973"/>
+                </a:lnTo>
+                <a:lnTo>
+                  <a:pt x="7" y="940"/>
+                </a:lnTo>
+                <a:lnTo>
+                  <a:pt x="1" y="902"/>
+                </a:lnTo>
+                <a:lnTo>
+                  <a:pt x="0" y="859"/>
+                </a:lnTo>
+                <a:lnTo>
+                  <a:pt x="1" y="816"/>
+                </a:lnTo>
+                <a:lnTo>
+                  <a:pt x="7" y="778"/>
+                </a:lnTo>
+                <a:lnTo>
+                  <a:pt x="13" y="745"/>
+                </a:lnTo>
+                <a:lnTo>
+                  <a:pt x="22" y="716"/>
+                </a:lnTo>
+                <a:lnTo>
+                  <a:pt x="33" y="690"/>
+                </a:lnTo>
+                <a:lnTo>
+                  <a:pt x="44" y="665"/>
+                </a:lnTo>
+                <a:lnTo>
+                  <a:pt x="56" y="641"/>
+                </a:lnTo>
+                <a:lnTo>
+                  <a:pt x="68" y="618"/>
+                </a:lnTo>
+                <a:lnTo>
+                  <a:pt x="80" y="594"/>
+                </a:lnTo>
+                <a:lnTo>
+                  <a:pt x="90" y="568"/>
+                </a:lnTo>
+                <a:lnTo>
+                  <a:pt x="99" y="538"/>
+                </a:lnTo>
+                <a:lnTo>
+                  <a:pt x="106" y="505"/>
+                </a:lnTo>
+                <a:lnTo>
+                  <a:pt x="111" y="469"/>
+                </a:lnTo>
+                <a:lnTo>
+                  <a:pt x="113" y="424"/>
+                </a:lnTo>
+                <a:lnTo>
+                  <a:pt x="111" y="382"/>
+                </a:lnTo>
+                <a:lnTo>
+                  <a:pt x="106" y="344"/>
+                </a:lnTo>
+                <a:lnTo>
+                  <a:pt x="99" y="313"/>
+                </a:lnTo>
+                <a:lnTo>
+                  <a:pt x="90" y="284"/>
+                </a:lnTo>
+                <a:lnTo>
+                  <a:pt x="80" y="258"/>
+                </a:lnTo>
+                <a:lnTo>
+                  <a:pt x="69" y="233"/>
+                </a:lnTo>
+                <a:lnTo>
+                  <a:pt x="58" y="211"/>
+                </a:lnTo>
+                <a:lnTo>
+                  <a:pt x="46" y="187"/>
+                </a:lnTo>
+                <a:lnTo>
+                  <a:pt x="34" y="164"/>
+                </a:lnTo>
+                <a:lnTo>
+                  <a:pt x="24" y="137"/>
+                </a:lnTo>
+                <a:lnTo>
+                  <a:pt x="14" y="110"/>
+                </a:lnTo>
+                <a:lnTo>
+                  <a:pt x="8" y="77"/>
+                </a:lnTo>
+                <a:lnTo>
+                  <a:pt x="3" y="42"/>
+                </a:lnTo>
+                <a:lnTo>
+                  <a:pt x="0" y="0"/>
+                </a:lnTo>
+                <a:close/>
+              </a:path>
+            </a:pathLst>
+          </a:custGeom>
+          <a:solidFill>
+            <a:schemeClr val="tx2"/>
+          </a:solidFill>
+          <a:ln w="0">
+            <a:noFill/>
+            <a:prstDash val="solid"/>
+            <a:round/>
+            <a:headEnd/>
+            <a:tailEnd/>
+          </a:ln>
+        </p:spPr>
+      </p:sp>
+      <p:sp>
+        <p:nvSpPr>
+          <p:cNvPr id="16" name="Rectangle 15" title="left edge border"/>
+          <p:cNvSpPr>
+            <a:spLocks noGrp="1" noRot="1" noChangeAspect="1" noMove="1" noResize="1" noEditPoints="1" noAdjustHandles="1" noChangeArrowheads="1" noChangeShapeType="1" noTextEdit="1"/>
+          </p:cNvSpPr>
+          <p:nvPr>
+            <p:extLst>
+              <p:ext uri="{386F3935-93C4-4BCD-93E2-E3B085C9AB24}">
+                <p16:designElem xmlns:p16="http://schemas.microsoft.com/office/powerpoint/2015/main" val="1"/>
+              </p:ext>
+            </p:extLst>
+          </p:nvPr>
+        </p:nvSpPr>
+        <p:spPr>
+          <a:xfrm>
+            <a:off x="0" y="0"/>
+            <a:ext cx="283464" cy="6858000"/>
+          </a:xfrm>
+          <a:prstGeom prst="rect">
+            <a:avLst/>
+          </a:prstGeom>
+          <a:solidFill>
+            <a:schemeClr val="accent1"/>
+          </a:solidFill>
+          <a:ln>
+            <a:noFill/>
+          </a:ln>
+        </p:spPr>
+        <p:style>
+          <a:lnRef idx="2">
+            <a:schemeClr val="accent1">
+              <a:shade val="50000"/>
+            </a:schemeClr>
+          </a:lnRef>
+          <a:fillRef idx="1">
+            <a:schemeClr val="accent1"/>
+          </a:fillRef>
+          <a:effectRef idx="0">
+            <a:schemeClr val="accent1"/>
+          </a:effectRef>
+          <a:fontRef idx="minor">
+            <a:schemeClr val="lt1"/>
+          </a:fontRef>
+        </p:style>
+      </p:sp>
+      <p:pic>
+        <p:nvPicPr>
+          <p:cNvPr id="6" name="Content Placeholder 3"/>
+          <p:cNvPicPr>
+            <a:picLocks noChangeAspect="1"/>
+          </p:cNvPicPr>
+          <p:nvPr/>
+        </p:nvPicPr>
+        <p:blipFill>
+          <a:blip r:embed="rId2"/>
+          <a:stretch>
+            <a:fillRect/>
+          </a:stretch>
+        </p:blipFill>
+        <p:spPr>
+          <a:xfrm>
+            <a:off x="444157" y="825071"/>
+            <a:ext cx="6943813" cy="5207858"/>
+          </a:xfrm>
+          <a:prstGeom prst="rect">
+            <a:avLst/>
+          </a:prstGeom>
+        </p:spPr>
+      </p:pic>
+      <p:sp>
+        <p:nvSpPr>
+          <p:cNvPr id="2" name="Title 1"/>
+          <p:cNvSpPr>
+            <a:spLocks noGrp="1"/>
+          </p:cNvSpPr>
+          <p:nvPr>
+            <p:ph type="title"/>
+          </p:nvPr>
+        </p:nvSpPr>
+        <p:spPr>
+          <a:xfrm>
+            <a:off x="8009792" y="298939"/>
+            <a:ext cx="4182208" cy="1197864"/>
+          </a:xfrm>
+        </p:spPr>
+        <p:txBody>
+          <a:bodyPr anchor="b">
+            <a:normAutofit/>
+          </a:bodyPr>
+          <a:lstStyle/>
+          <a:p>
+            <a:r>
+              <a:rPr lang="en-PH" sz="2400" dirty="0">
+                <a:solidFill>
+                  <a:schemeClr val="accent1"/>
+                </a:solidFill>
+              </a:rPr>
+              <a:t>RFID Counter and reader</a:t>
+            </a:r>
+          </a:p>
+        </p:txBody>
+      </p:sp>
+      <p:sp>
+        <p:nvSpPr>
+          <p:cNvPr id="8" name="Content Placeholder 7"/>
+          <p:cNvSpPr>
+            <a:spLocks noGrp="1"/>
+          </p:cNvSpPr>
+          <p:nvPr>
+            <p:ph idx="1"/>
+          </p:nvPr>
+        </p:nvSpPr>
+        <p:spPr>
+          <a:xfrm>
+            <a:off x="8009792" y="1391296"/>
+            <a:ext cx="3090672" cy="4224528"/>
+          </a:xfrm>
+        </p:spPr>
+        <p:txBody>
+          <a:bodyPr>
+            <a:normAutofit lnSpcReduction="10000"/>
+          </a:bodyPr>
+          <a:lstStyle/>
+          <a:p>
+            <a:pPr>
+              <a:buClr>
+                <a:schemeClr val="bg2"/>
+              </a:buClr>
+            </a:pPr>
+            <a:endParaRPr lang="en-US" sz="1600" dirty="0">
+              <a:solidFill>
+                <a:schemeClr val="bg2"/>
+              </a:solidFill>
+            </a:endParaRPr>
+          </a:p>
+          <a:p>
+            <a:pPr>
+              <a:buClr>
+                <a:schemeClr val="bg2"/>
+              </a:buClr>
+            </a:pPr>
+            <a:r>
+              <a:rPr lang="en-US" dirty="0">
+                <a:solidFill>
+                  <a:schemeClr val="bg2"/>
+                </a:solidFill>
+              </a:rPr>
+              <a:t>RFID – Radio Frequency Identification</a:t>
+            </a:r>
+          </a:p>
+          <a:p>
+            <a:pPr>
+              <a:buClr>
+                <a:schemeClr val="bg2"/>
+              </a:buClr>
+            </a:pPr>
+            <a:r>
+              <a:rPr lang="en-US" dirty="0">
+                <a:solidFill>
+                  <a:schemeClr val="bg2"/>
+                </a:solidFill>
+              </a:rPr>
+              <a:t>RFID Reader/Writer</a:t>
+            </a:r>
+          </a:p>
+          <a:p>
+            <a:pPr>
+              <a:buClr>
+                <a:schemeClr val="bg2"/>
+              </a:buClr>
+            </a:pPr>
+            <a:r>
+              <a:rPr lang="en-US" dirty="0">
+                <a:solidFill>
+                  <a:schemeClr val="bg2"/>
+                </a:solidFill>
+              </a:rPr>
+              <a:t>Identify tags attached in the RFID</a:t>
+            </a:r>
+          </a:p>
+          <a:p>
+            <a:pPr>
+              <a:buClr>
+                <a:schemeClr val="bg2"/>
+              </a:buClr>
+            </a:pPr>
+            <a:r>
+              <a:rPr lang="en-US" dirty="0">
+                <a:solidFill>
+                  <a:schemeClr val="bg2"/>
+                </a:solidFill>
+              </a:rPr>
+              <a:t>Monitors number of users</a:t>
+            </a:r>
+          </a:p>
+          <a:p>
+            <a:pPr>
+              <a:buClr>
+                <a:schemeClr val="bg2"/>
+              </a:buClr>
+            </a:pPr>
+            <a:r>
+              <a:rPr lang="en-US" dirty="0">
+                <a:solidFill>
+                  <a:schemeClr val="bg2"/>
+                </a:solidFill>
+              </a:rPr>
+              <a:t>Adds wireless tagging of RFID. </a:t>
+            </a:r>
+          </a:p>
+          <a:p>
+            <a:pPr>
+              <a:buClr>
+                <a:schemeClr val="bg2"/>
+              </a:buClr>
+            </a:pPr>
+            <a:r>
+              <a:rPr lang="en-US" dirty="0">
+                <a:solidFill>
+                  <a:schemeClr val="bg2"/>
+                </a:solidFill>
+              </a:rPr>
+              <a:t>Updates the RFID tag</a:t>
+            </a:r>
+          </a:p>
+          <a:p>
+            <a:pPr>
+              <a:buClr>
+                <a:schemeClr val="bg2"/>
+              </a:buClr>
+            </a:pPr>
+            <a:endParaRPr lang="en-US" sz="1600" dirty="0">
+              <a:solidFill>
+                <a:schemeClr val="bg2"/>
+              </a:solidFill>
+            </a:endParaRPr>
           </a:p>
         </p:txBody>
       </p:sp>
@@ -7006,6 +14029,1456 @@
     <p:extLst>
       <p:ext uri="{BB962C8B-B14F-4D97-AF65-F5344CB8AC3E}">
         <p14:creationId xmlns:p14="http://schemas.microsoft.com/office/powerpoint/2010/main" val="1058707157"/>
+      </p:ext>
+    </p:extLst>
+  </p:cSld>
+  <p:clrMapOvr>
+    <a:masterClrMapping/>
+  </p:clrMapOvr>
+</p:sld>
+</file>
+
+<file path=ppt/slides/slide3.xml><?xml version="1.0" encoding="utf-8"?>
+<p:sld xmlns:a="http://schemas.openxmlformats.org/drawingml/2006/main" xmlns:r="http://schemas.openxmlformats.org/officeDocument/2006/relationships" xmlns:p="http://schemas.openxmlformats.org/presentationml/2006/main">
+  <p:cSld>
+    <p:spTree>
+      <p:nvGrpSpPr>
+        <p:cNvPr id="1" name=""/>
+        <p:cNvGrpSpPr/>
+        <p:nvPr/>
+      </p:nvGrpSpPr>
+      <p:grpSpPr>
+        <a:xfrm>
+          <a:off x="0" y="0"/>
+          <a:ext cx="0" cy="0"/>
+          <a:chOff x="0" y="0"/>
+          <a:chExt cx="0" cy="0"/>
+        </a:xfrm>
+      </p:grpSpPr>
+      <p:pic>
+        <p:nvPicPr>
+          <p:cNvPr id="20" name="Picture Placeholder 19"/>
+          <p:cNvPicPr>
+            <a:picLocks noGrp="1" noChangeAspect="1"/>
+          </p:cNvPicPr>
+          <p:nvPr>
+            <p:ph type="pic" idx="1"/>
+          </p:nvPr>
+        </p:nvPicPr>
+        <p:blipFill>
+          <a:blip r:embed="rId2"/>
+          <a:srcRect l="9783" r="9783"/>
+          <a:stretch>
+            <a:fillRect/>
+          </a:stretch>
+        </p:blipFill>
+        <p:spPr/>
+      </p:pic>
+      <p:sp>
+        <p:nvSpPr>
+          <p:cNvPr id="2" name="Title 1"/>
+          <p:cNvSpPr>
+            <a:spLocks noGrp="1"/>
+          </p:cNvSpPr>
+          <p:nvPr>
+            <p:ph type="title"/>
+          </p:nvPr>
+        </p:nvSpPr>
+        <p:spPr/>
+        <p:txBody>
+          <a:bodyPr>
+            <a:normAutofit/>
+          </a:bodyPr>
+          <a:lstStyle/>
+          <a:p>
+            <a:r>
+              <a:rPr lang="en-PH" dirty="0"/>
+              <a:t>Materials:</a:t>
+            </a:r>
+          </a:p>
+        </p:txBody>
+      </p:sp>
+      <p:sp>
+        <p:nvSpPr>
+          <p:cNvPr id="3" name="Content Placeholder 2"/>
+          <p:cNvSpPr>
+            <a:spLocks noGrp="1"/>
+          </p:cNvSpPr>
+          <p:nvPr>
+            <p:ph type="body" sz="half" idx="2"/>
+          </p:nvPr>
+        </p:nvSpPr>
+        <p:spPr>
+          <a:xfrm>
+            <a:off x="8071183" y="2141386"/>
+            <a:ext cx="3854117" cy="1059014"/>
+          </a:xfrm>
+        </p:spPr>
+        <p:txBody>
+          <a:bodyPr>
+            <a:noAutofit/>
+          </a:bodyPr>
+          <a:lstStyle/>
+          <a:p>
+            <a:r>
+              <a:rPr lang="en-PH" sz="3600" dirty="0"/>
+              <a:t>Arduino 328 Board</a:t>
+            </a:r>
+          </a:p>
+        </p:txBody>
+      </p:sp>
+    </p:spTree>
+    <p:extLst>
+      <p:ext uri="{BB962C8B-B14F-4D97-AF65-F5344CB8AC3E}">
+        <p14:creationId xmlns:p14="http://schemas.microsoft.com/office/powerpoint/2010/main" val="737375059"/>
+      </p:ext>
+    </p:extLst>
+  </p:cSld>
+  <p:clrMapOvr>
+    <a:masterClrMapping/>
+  </p:clrMapOvr>
+</p:sld>
+</file>
+
+<file path=ppt/slides/slide4.xml><?xml version="1.0" encoding="utf-8"?>
+<p:sld xmlns:a="http://schemas.openxmlformats.org/drawingml/2006/main" xmlns:r="http://schemas.openxmlformats.org/officeDocument/2006/relationships" xmlns:p="http://schemas.openxmlformats.org/presentationml/2006/main">
+  <p:cSld>
+    <p:spTree>
+      <p:nvGrpSpPr>
+        <p:cNvPr id="1" name=""/>
+        <p:cNvGrpSpPr/>
+        <p:nvPr/>
+      </p:nvGrpSpPr>
+      <p:grpSpPr>
+        <a:xfrm>
+          <a:off x="0" y="0"/>
+          <a:ext cx="0" cy="0"/>
+          <a:chOff x="0" y="0"/>
+          <a:chExt cx="0" cy="0"/>
+        </a:xfrm>
+      </p:grpSpPr>
+      <p:pic>
+        <p:nvPicPr>
+          <p:cNvPr id="7" name="Picture Placeholder 6"/>
+          <p:cNvPicPr>
+            <a:picLocks noGrp="1" noChangeAspect="1"/>
+          </p:cNvPicPr>
+          <p:nvPr>
+            <p:ph type="pic" idx="1"/>
+          </p:nvPr>
+        </p:nvPicPr>
+        <p:blipFill>
+          <a:blip r:embed="rId2"/>
+          <a:srcRect l="9783" r="9783"/>
+          <a:stretch>
+            <a:fillRect/>
+          </a:stretch>
+        </p:blipFill>
+        <p:spPr/>
+      </p:pic>
+      <p:sp>
+        <p:nvSpPr>
+          <p:cNvPr id="2" name="Title 1"/>
+          <p:cNvSpPr>
+            <a:spLocks noGrp="1"/>
+          </p:cNvSpPr>
+          <p:nvPr>
+            <p:ph type="title"/>
+          </p:nvPr>
+        </p:nvSpPr>
+        <p:spPr>
+          <a:xfrm>
+            <a:off x="8337883" y="-9525"/>
+            <a:ext cx="3092117" cy="1196670"/>
+          </a:xfrm>
+        </p:spPr>
+        <p:txBody>
+          <a:bodyPr>
+            <a:normAutofit/>
+          </a:bodyPr>
+          <a:lstStyle/>
+          <a:p>
+            <a:r>
+              <a:rPr lang="en-PH" dirty="0"/>
+              <a:t>Materials:</a:t>
+            </a:r>
+          </a:p>
+        </p:txBody>
+      </p:sp>
+      <p:sp>
+        <p:nvSpPr>
+          <p:cNvPr id="13" name="Content Placeholder 2"/>
+          <p:cNvSpPr txBox="1">
+            <a:spLocks/>
+          </p:cNvSpPr>
+          <p:nvPr/>
+        </p:nvSpPr>
+        <p:spPr>
+          <a:xfrm>
+            <a:off x="8337883" y="2103708"/>
+            <a:ext cx="3039214" cy="541398"/>
+          </a:xfrm>
+          <a:prstGeom prst="rect">
+            <a:avLst/>
+          </a:prstGeom>
+        </p:spPr>
+        <p:txBody>
+          <a:bodyPr vert="horz" lIns="91440" tIns="45720" rIns="91440" bIns="45720" rtlCol="0">
+            <a:normAutofit/>
+          </a:bodyPr>
+          <a:lstStyle>
+            <a:lvl1pPr marL="228600" indent="-228600" algn="l" defTabSz="914400" rtl="0" eaLnBrk="1" latinLnBrk="0" hangingPunct="1">
+              <a:lnSpc>
+                <a:spcPct val="110000"/>
+              </a:lnSpc>
+              <a:spcBef>
+                <a:spcPts val="700"/>
+              </a:spcBef>
+              <a:buClr>
+                <a:schemeClr val="tx2"/>
+              </a:buClr>
+              <a:buFont typeface="Arial" panose="020B0604020202020204" pitchFamily="34" charset="0"/>
+              <a:buChar char="•"/>
+              <a:defRPr sz="2000" kern="1200">
+                <a:solidFill>
+                  <a:schemeClr val="tx1">
+                    <a:lumMod val="65000"/>
+                    <a:lumOff val="35000"/>
+                  </a:schemeClr>
+                </a:solidFill>
+                <a:latin typeface="+mn-lt"/>
+                <a:ea typeface="+mn-ea"/>
+                <a:cs typeface="+mn-cs"/>
+              </a:defRPr>
+            </a:lvl1pPr>
+            <a:lvl2pPr marL="685800" indent="-228600" algn="l" defTabSz="914400" rtl="0" eaLnBrk="1" latinLnBrk="0" hangingPunct="1">
+              <a:lnSpc>
+                <a:spcPct val="110000"/>
+              </a:lnSpc>
+              <a:spcBef>
+                <a:spcPts val="700"/>
+              </a:spcBef>
+              <a:buClr>
+                <a:schemeClr val="tx2"/>
+              </a:buClr>
+              <a:buFont typeface="Gill Sans MT" panose="020B0502020104020203" pitchFamily="34" charset="0"/>
+              <a:buChar char="–"/>
+              <a:defRPr sz="1800" kern="1200">
+                <a:solidFill>
+                  <a:schemeClr val="tx1">
+                    <a:lumMod val="65000"/>
+                    <a:lumOff val="35000"/>
+                  </a:schemeClr>
+                </a:solidFill>
+                <a:latin typeface="+mn-lt"/>
+                <a:ea typeface="+mn-ea"/>
+                <a:cs typeface="+mn-cs"/>
+              </a:defRPr>
+            </a:lvl2pPr>
+            <a:lvl3pPr marL="1143000" indent="-228600" algn="l" defTabSz="914400" rtl="0" eaLnBrk="1" latinLnBrk="0" hangingPunct="1">
+              <a:lnSpc>
+                <a:spcPct val="110000"/>
+              </a:lnSpc>
+              <a:spcBef>
+                <a:spcPts val="700"/>
+              </a:spcBef>
+              <a:buClr>
+                <a:schemeClr val="tx2"/>
+              </a:buClr>
+              <a:buFont typeface="Arial" panose="020B0604020202020204" pitchFamily="34" charset="0"/>
+              <a:buChar char="•"/>
+              <a:defRPr sz="1600" kern="1200">
+                <a:solidFill>
+                  <a:schemeClr val="tx1">
+                    <a:lumMod val="65000"/>
+                    <a:lumOff val="35000"/>
+                  </a:schemeClr>
+                </a:solidFill>
+                <a:latin typeface="+mn-lt"/>
+                <a:ea typeface="+mn-ea"/>
+                <a:cs typeface="+mn-cs"/>
+              </a:defRPr>
+            </a:lvl3pPr>
+            <a:lvl4pPr marL="1600200" indent="-228600" algn="l" defTabSz="914400" rtl="0" eaLnBrk="1" latinLnBrk="0" hangingPunct="1">
+              <a:lnSpc>
+                <a:spcPct val="110000"/>
+              </a:lnSpc>
+              <a:spcBef>
+                <a:spcPts val="700"/>
+              </a:spcBef>
+              <a:buClr>
+                <a:schemeClr val="tx2"/>
+              </a:buClr>
+              <a:buFont typeface="Gill Sans MT" panose="020B0502020104020203" pitchFamily="34" charset="0"/>
+              <a:buChar char="–"/>
+              <a:defRPr sz="1400" kern="1200">
+                <a:solidFill>
+                  <a:schemeClr val="tx1">
+                    <a:lumMod val="65000"/>
+                    <a:lumOff val="35000"/>
+                  </a:schemeClr>
+                </a:solidFill>
+                <a:latin typeface="+mn-lt"/>
+                <a:ea typeface="+mn-ea"/>
+                <a:cs typeface="+mn-cs"/>
+              </a:defRPr>
+            </a:lvl4pPr>
+            <a:lvl5pPr marL="2057400" indent="-228600" algn="l" defTabSz="914400" rtl="0" eaLnBrk="1" latinLnBrk="0" hangingPunct="1">
+              <a:lnSpc>
+                <a:spcPct val="110000"/>
+              </a:lnSpc>
+              <a:spcBef>
+                <a:spcPts val="700"/>
+              </a:spcBef>
+              <a:buClr>
+                <a:schemeClr val="tx2"/>
+              </a:buClr>
+              <a:buFont typeface="Arial" panose="020B0604020202020204" pitchFamily="34" charset="0"/>
+              <a:buChar char="•"/>
+              <a:defRPr sz="1400" kern="1200">
+                <a:solidFill>
+                  <a:schemeClr val="tx1">
+                    <a:lumMod val="65000"/>
+                    <a:lumOff val="35000"/>
+                  </a:schemeClr>
+                </a:solidFill>
+                <a:latin typeface="+mn-lt"/>
+                <a:ea typeface="+mn-ea"/>
+                <a:cs typeface="+mn-cs"/>
+              </a:defRPr>
+            </a:lvl5pPr>
+            <a:lvl6pPr marL="2514600" indent="-228600" algn="l" defTabSz="914400" rtl="0" eaLnBrk="1" latinLnBrk="0" hangingPunct="1">
+              <a:lnSpc>
+                <a:spcPct val="110000"/>
+              </a:lnSpc>
+              <a:spcBef>
+                <a:spcPts val="700"/>
+              </a:spcBef>
+              <a:buClr>
+                <a:schemeClr val="tx2"/>
+              </a:buClr>
+              <a:buFont typeface="Gill Sans MT" panose="020B0502020104020203" pitchFamily="34" charset="0"/>
+              <a:buChar char="–"/>
+              <a:defRPr sz="1400" kern="1200">
+                <a:solidFill>
+                  <a:schemeClr val="tx1">
+                    <a:lumMod val="65000"/>
+                    <a:lumOff val="35000"/>
+                  </a:schemeClr>
+                </a:solidFill>
+                <a:latin typeface="+mn-lt"/>
+                <a:ea typeface="+mn-ea"/>
+                <a:cs typeface="+mn-cs"/>
+              </a:defRPr>
+            </a:lvl6pPr>
+            <a:lvl7pPr marL="2971800" indent="-228600" algn="l" defTabSz="914400" rtl="0" eaLnBrk="1" latinLnBrk="0" hangingPunct="1">
+              <a:lnSpc>
+                <a:spcPct val="110000"/>
+              </a:lnSpc>
+              <a:spcBef>
+                <a:spcPts val="700"/>
+              </a:spcBef>
+              <a:buClr>
+                <a:schemeClr val="tx2"/>
+              </a:buClr>
+              <a:buFont typeface="Arial" panose="020B0604020202020204" pitchFamily="34" charset="0"/>
+              <a:buChar char="•"/>
+              <a:defRPr sz="1400" kern="1200">
+                <a:solidFill>
+                  <a:schemeClr val="tx1">
+                    <a:lumMod val="65000"/>
+                    <a:lumOff val="35000"/>
+                  </a:schemeClr>
+                </a:solidFill>
+                <a:latin typeface="+mn-lt"/>
+                <a:ea typeface="+mn-ea"/>
+                <a:cs typeface="+mn-cs"/>
+              </a:defRPr>
+            </a:lvl7pPr>
+            <a:lvl8pPr marL="3429000" indent="-228600" algn="l" defTabSz="914400" rtl="0" eaLnBrk="1" latinLnBrk="0" hangingPunct="1">
+              <a:lnSpc>
+                <a:spcPct val="110000"/>
+              </a:lnSpc>
+              <a:spcBef>
+                <a:spcPts val="700"/>
+              </a:spcBef>
+              <a:buClr>
+                <a:schemeClr val="tx2"/>
+              </a:buClr>
+              <a:buFont typeface="Gill Sans MT" panose="020B0502020104020203" pitchFamily="34" charset="0"/>
+              <a:buChar char="–"/>
+              <a:defRPr sz="1400" kern="1200" baseline="0">
+                <a:solidFill>
+                  <a:schemeClr val="tx1">
+                    <a:lumMod val="65000"/>
+                    <a:lumOff val="35000"/>
+                  </a:schemeClr>
+                </a:solidFill>
+                <a:latin typeface="+mn-lt"/>
+                <a:ea typeface="+mn-ea"/>
+                <a:cs typeface="+mn-cs"/>
+              </a:defRPr>
+            </a:lvl8pPr>
+            <a:lvl9pPr marL="3886200" indent="-228600" algn="l" defTabSz="914400" rtl="0" eaLnBrk="1" latinLnBrk="0" hangingPunct="1">
+              <a:lnSpc>
+                <a:spcPct val="110000"/>
+              </a:lnSpc>
+              <a:spcBef>
+                <a:spcPts val="700"/>
+              </a:spcBef>
+              <a:buClr>
+                <a:schemeClr val="tx2"/>
+              </a:buClr>
+              <a:buFont typeface="Arial" panose="020B0604020202020204" pitchFamily="34" charset="0"/>
+              <a:buChar char="•"/>
+              <a:defRPr sz="1400" kern="1200" baseline="0">
+                <a:solidFill>
+                  <a:schemeClr val="tx1">
+                    <a:lumMod val="65000"/>
+                    <a:lumOff val="35000"/>
+                  </a:schemeClr>
+                </a:solidFill>
+                <a:latin typeface="+mn-lt"/>
+                <a:ea typeface="+mn-ea"/>
+                <a:cs typeface="+mn-cs"/>
+              </a:defRPr>
+            </a:lvl9pPr>
+          </a:lstStyle>
+          <a:p>
+            <a:endParaRPr lang="en-US" dirty="0"/>
+          </a:p>
+        </p:txBody>
+      </p:sp>
+      <p:sp>
+        <p:nvSpPr>
+          <p:cNvPr id="23" name="Content Placeholder 2"/>
+          <p:cNvSpPr txBox="1">
+            <a:spLocks/>
+          </p:cNvSpPr>
+          <p:nvPr/>
+        </p:nvSpPr>
+        <p:spPr>
+          <a:xfrm>
+            <a:off x="7852108" y="1711549"/>
+            <a:ext cx="3854117" cy="4946426"/>
+          </a:xfrm>
+          <a:prstGeom prst="rect">
+            <a:avLst/>
+          </a:prstGeom>
+        </p:spPr>
+        <p:txBody>
+          <a:bodyPr vert="horz" lIns="91440" tIns="45720" rIns="91440" bIns="45720" rtlCol="0">
+            <a:noAutofit/>
+          </a:bodyPr>
+          <a:lstStyle>
+            <a:lvl1pPr marL="0" indent="0" algn="l" defTabSz="914400" rtl="0" eaLnBrk="1" latinLnBrk="0" hangingPunct="1">
+              <a:lnSpc>
+                <a:spcPct val="120000"/>
+              </a:lnSpc>
+              <a:spcBef>
+                <a:spcPts val="1200"/>
+              </a:spcBef>
+              <a:buClr>
+                <a:schemeClr val="tx2"/>
+              </a:buClr>
+              <a:buFont typeface="Arial" panose="020B0604020202020204" pitchFamily="34" charset="0"/>
+              <a:buNone/>
+              <a:defRPr sz="1600" kern="1200" baseline="0">
+                <a:solidFill>
+                  <a:schemeClr val="bg2"/>
+                </a:solidFill>
+                <a:latin typeface="+mn-lt"/>
+                <a:ea typeface="+mn-ea"/>
+                <a:cs typeface="+mn-cs"/>
+              </a:defRPr>
+            </a:lvl1pPr>
+            <a:lvl2pPr marL="457200" indent="0" algn="l" defTabSz="914400" rtl="0" eaLnBrk="1" latinLnBrk="0" hangingPunct="1">
+              <a:lnSpc>
+                <a:spcPct val="110000"/>
+              </a:lnSpc>
+              <a:spcBef>
+                <a:spcPts val="700"/>
+              </a:spcBef>
+              <a:buClr>
+                <a:schemeClr val="tx2"/>
+              </a:buClr>
+              <a:buFont typeface="Gill Sans MT" panose="020B0502020104020203" pitchFamily="34" charset="0"/>
+              <a:buNone/>
+              <a:defRPr sz="1400" kern="1200">
+                <a:solidFill>
+                  <a:schemeClr val="tx1">
+                    <a:lumMod val="65000"/>
+                    <a:lumOff val="35000"/>
+                  </a:schemeClr>
+                </a:solidFill>
+                <a:latin typeface="+mn-lt"/>
+                <a:ea typeface="+mn-ea"/>
+                <a:cs typeface="+mn-cs"/>
+              </a:defRPr>
+            </a:lvl2pPr>
+            <a:lvl3pPr marL="914400" indent="0" algn="l" defTabSz="914400" rtl="0" eaLnBrk="1" latinLnBrk="0" hangingPunct="1">
+              <a:lnSpc>
+                <a:spcPct val="110000"/>
+              </a:lnSpc>
+              <a:spcBef>
+                <a:spcPts val="700"/>
+              </a:spcBef>
+              <a:buClr>
+                <a:schemeClr val="tx2"/>
+              </a:buClr>
+              <a:buFont typeface="Arial" panose="020B0604020202020204" pitchFamily="34" charset="0"/>
+              <a:buNone/>
+              <a:defRPr sz="1200" kern="1200">
+                <a:solidFill>
+                  <a:schemeClr val="tx1">
+                    <a:lumMod val="65000"/>
+                    <a:lumOff val="35000"/>
+                  </a:schemeClr>
+                </a:solidFill>
+                <a:latin typeface="+mn-lt"/>
+                <a:ea typeface="+mn-ea"/>
+                <a:cs typeface="+mn-cs"/>
+              </a:defRPr>
+            </a:lvl3pPr>
+            <a:lvl4pPr marL="1371600" indent="0" algn="l" defTabSz="914400" rtl="0" eaLnBrk="1" latinLnBrk="0" hangingPunct="1">
+              <a:lnSpc>
+                <a:spcPct val="110000"/>
+              </a:lnSpc>
+              <a:spcBef>
+                <a:spcPts val="700"/>
+              </a:spcBef>
+              <a:buClr>
+                <a:schemeClr val="tx2"/>
+              </a:buClr>
+              <a:buFont typeface="Gill Sans MT" panose="020B0502020104020203" pitchFamily="34" charset="0"/>
+              <a:buNone/>
+              <a:defRPr sz="1000" kern="1200">
+                <a:solidFill>
+                  <a:schemeClr val="tx1">
+                    <a:lumMod val="65000"/>
+                    <a:lumOff val="35000"/>
+                  </a:schemeClr>
+                </a:solidFill>
+                <a:latin typeface="+mn-lt"/>
+                <a:ea typeface="+mn-ea"/>
+                <a:cs typeface="+mn-cs"/>
+              </a:defRPr>
+            </a:lvl4pPr>
+            <a:lvl5pPr marL="1828800" indent="0" algn="l" defTabSz="914400" rtl="0" eaLnBrk="1" latinLnBrk="0" hangingPunct="1">
+              <a:lnSpc>
+                <a:spcPct val="110000"/>
+              </a:lnSpc>
+              <a:spcBef>
+                <a:spcPts val="700"/>
+              </a:spcBef>
+              <a:buClr>
+                <a:schemeClr val="tx2"/>
+              </a:buClr>
+              <a:buFont typeface="Arial" panose="020B0604020202020204" pitchFamily="34" charset="0"/>
+              <a:buNone/>
+              <a:defRPr sz="1000" kern="1200">
+                <a:solidFill>
+                  <a:schemeClr val="tx1">
+                    <a:lumMod val="65000"/>
+                    <a:lumOff val="35000"/>
+                  </a:schemeClr>
+                </a:solidFill>
+                <a:latin typeface="+mn-lt"/>
+                <a:ea typeface="+mn-ea"/>
+                <a:cs typeface="+mn-cs"/>
+              </a:defRPr>
+            </a:lvl5pPr>
+            <a:lvl6pPr marL="2286000" indent="0" algn="l" defTabSz="914400" rtl="0" eaLnBrk="1" latinLnBrk="0" hangingPunct="1">
+              <a:lnSpc>
+                <a:spcPct val="110000"/>
+              </a:lnSpc>
+              <a:spcBef>
+                <a:spcPts val="700"/>
+              </a:spcBef>
+              <a:buClr>
+                <a:schemeClr val="tx2"/>
+              </a:buClr>
+              <a:buFont typeface="Gill Sans MT" panose="020B0502020104020203" pitchFamily="34" charset="0"/>
+              <a:buNone/>
+              <a:defRPr sz="1000" kern="1200">
+                <a:solidFill>
+                  <a:schemeClr val="tx1">
+                    <a:lumMod val="65000"/>
+                    <a:lumOff val="35000"/>
+                  </a:schemeClr>
+                </a:solidFill>
+                <a:latin typeface="+mn-lt"/>
+                <a:ea typeface="+mn-ea"/>
+                <a:cs typeface="+mn-cs"/>
+              </a:defRPr>
+            </a:lvl6pPr>
+            <a:lvl7pPr marL="2743200" indent="0" algn="l" defTabSz="914400" rtl="0" eaLnBrk="1" latinLnBrk="0" hangingPunct="1">
+              <a:lnSpc>
+                <a:spcPct val="110000"/>
+              </a:lnSpc>
+              <a:spcBef>
+                <a:spcPts val="700"/>
+              </a:spcBef>
+              <a:buClr>
+                <a:schemeClr val="tx2"/>
+              </a:buClr>
+              <a:buFont typeface="Arial" panose="020B0604020202020204" pitchFamily="34" charset="0"/>
+              <a:buNone/>
+              <a:defRPr sz="1000" kern="1200">
+                <a:solidFill>
+                  <a:schemeClr val="tx1">
+                    <a:lumMod val="65000"/>
+                    <a:lumOff val="35000"/>
+                  </a:schemeClr>
+                </a:solidFill>
+                <a:latin typeface="+mn-lt"/>
+                <a:ea typeface="+mn-ea"/>
+                <a:cs typeface="+mn-cs"/>
+              </a:defRPr>
+            </a:lvl7pPr>
+            <a:lvl8pPr marL="3200400" indent="0" algn="l" defTabSz="914400" rtl="0" eaLnBrk="1" latinLnBrk="0" hangingPunct="1">
+              <a:lnSpc>
+                <a:spcPct val="110000"/>
+              </a:lnSpc>
+              <a:spcBef>
+                <a:spcPts val="700"/>
+              </a:spcBef>
+              <a:buClr>
+                <a:schemeClr val="tx2"/>
+              </a:buClr>
+              <a:buFont typeface="Gill Sans MT" panose="020B0502020104020203" pitchFamily="34" charset="0"/>
+              <a:buNone/>
+              <a:defRPr sz="1000" kern="1200" baseline="0">
+                <a:solidFill>
+                  <a:schemeClr val="tx1">
+                    <a:lumMod val="65000"/>
+                    <a:lumOff val="35000"/>
+                  </a:schemeClr>
+                </a:solidFill>
+                <a:latin typeface="+mn-lt"/>
+                <a:ea typeface="+mn-ea"/>
+                <a:cs typeface="+mn-cs"/>
+              </a:defRPr>
+            </a:lvl8pPr>
+            <a:lvl9pPr marL="3657600" indent="0" algn="l" defTabSz="914400" rtl="0" eaLnBrk="1" latinLnBrk="0" hangingPunct="1">
+              <a:lnSpc>
+                <a:spcPct val="110000"/>
+              </a:lnSpc>
+              <a:spcBef>
+                <a:spcPts val="700"/>
+              </a:spcBef>
+              <a:buClr>
+                <a:schemeClr val="tx2"/>
+              </a:buClr>
+              <a:buFont typeface="Arial" panose="020B0604020202020204" pitchFamily="34" charset="0"/>
+              <a:buNone/>
+              <a:defRPr sz="1000" kern="1200" baseline="0">
+                <a:solidFill>
+                  <a:schemeClr val="tx1">
+                    <a:lumMod val="65000"/>
+                    <a:lumOff val="35000"/>
+                  </a:schemeClr>
+                </a:solidFill>
+                <a:latin typeface="+mn-lt"/>
+                <a:ea typeface="+mn-ea"/>
+                <a:cs typeface="+mn-cs"/>
+              </a:defRPr>
+            </a:lvl9pPr>
+          </a:lstStyle>
+          <a:p>
+            <a:r>
+              <a:rPr lang="en-PH" sz="3600" dirty="0"/>
+              <a:t>PN532 RFID/NFC Shield</a:t>
+            </a:r>
+            <a:endParaRPr lang="en-PH" sz="2000" dirty="0"/>
+          </a:p>
+          <a:p>
+            <a:endParaRPr lang="en-US" sz="3600" dirty="0"/>
+          </a:p>
+          <a:p>
+            <a:pPr marL="342900" indent="-342900">
+              <a:buClr>
+                <a:schemeClr val="bg2"/>
+              </a:buClr>
+              <a:buFont typeface="Arial" panose="020B0604020202020204" pitchFamily="34" charset="0"/>
+              <a:buChar char="•"/>
+            </a:pPr>
+            <a:r>
+              <a:rPr lang="en-US" sz="2000" dirty="0"/>
+              <a:t>Acts as an access point for RFID </a:t>
+            </a:r>
+          </a:p>
+          <a:p>
+            <a:pPr marL="342900" indent="-342900">
+              <a:buClr>
+                <a:schemeClr val="bg2"/>
+              </a:buClr>
+              <a:buFont typeface="Arial" panose="020B0604020202020204" pitchFamily="34" charset="0"/>
+              <a:buChar char="•"/>
+            </a:pPr>
+            <a:r>
+              <a:rPr lang="en-US" sz="2000" dirty="0"/>
+              <a:t>Sends data or command to the RFID</a:t>
+            </a:r>
+          </a:p>
+          <a:p>
+            <a:pPr marL="342900" indent="-342900">
+              <a:buClr>
+                <a:schemeClr val="bg2"/>
+              </a:buClr>
+              <a:buFont typeface="Arial" panose="020B0604020202020204" pitchFamily="34" charset="0"/>
+              <a:buChar char="•"/>
+            </a:pPr>
+            <a:endParaRPr lang="en-US" sz="2400" dirty="0"/>
+          </a:p>
+          <a:p>
+            <a:endParaRPr lang="en-US" sz="3600" dirty="0"/>
+          </a:p>
+        </p:txBody>
+      </p:sp>
+    </p:spTree>
+    <p:extLst>
+      <p:ext uri="{BB962C8B-B14F-4D97-AF65-F5344CB8AC3E}">
+        <p14:creationId xmlns:p14="http://schemas.microsoft.com/office/powerpoint/2010/main" val="3288883579"/>
+      </p:ext>
+    </p:extLst>
+  </p:cSld>
+  <p:clrMapOvr>
+    <a:masterClrMapping/>
+  </p:clrMapOvr>
+</p:sld>
+</file>
+
+<file path=ppt/slides/slide5.xml><?xml version="1.0" encoding="utf-8"?>
+<p:sld xmlns:a="http://schemas.openxmlformats.org/drawingml/2006/main" xmlns:r="http://schemas.openxmlformats.org/officeDocument/2006/relationships" xmlns:p="http://schemas.openxmlformats.org/presentationml/2006/main">
+  <p:cSld>
+    <p:spTree>
+      <p:nvGrpSpPr>
+        <p:cNvPr id="1" name=""/>
+        <p:cNvGrpSpPr/>
+        <p:nvPr/>
+      </p:nvGrpSpPr>
+      <p:grpSpPr>
+        <a:xfrm>
+          <a:off x="0" y="0"/>
+          <a:ext cx="0" cy="0"/>
+          <a:chOff x="0" y="0"/>
+          <a:chExt cx="0" cy="0"/>
+        </a:xfrm>
+      </p:grpSpPr>
+      <p:pic>
+        <p:nvPicPr>
+          <p:cNvPr id="10" name="Picture Placeholder 9"/>
+          <p:cNvPicPr>
+            <a:picLocks noGrp="1" noChangeAspect="1"/>
+          </p:cNvPicPr>
+          <p:nvPr>
+            <p:ph type="pic" idx="1"/>
+          </p:nvPr>
+        </p:nvPicPr>
+        <p:blipFill>
+          <a:blip r:embed="rId2"/>
+          <a:srcRect l="9783" r="9783"/>
+          <a:stretch>
+            <a:fillRect/>
+          </a:stretch>
+        </p:blipFill>
+        <p:spPr/>
+      </p:pic>
+      <p:sp>
+        <p:nvSpPr>
+          <p:cNvPr id="2" name="Title 1"/>
+          <p:cNvSpPr>
+            <a:spLocks noGrp="1"/>
+          </p:cNvSpPr>
+          <p:nvPr>
+            <p:ph type="title"/>
+          </p:nvPr>
+        </p:nvSpPr>
+        <p:spPr/>
+        <p:txBody>
+          <a:bodyPr>
+            <a:normAutofit/>
+          </a:bodyPr>
+          <a:lstStyle/>
+          <a:p>
+            <a:r>
+              <a:rPr lang="en-PH" dirty="0"/>
+              <a:t>Materials:</a:t>
+            </a:r>
+          </a:p>
+        </p:txBody>
+      </p:sp>
+      <p:sp>
+        <p:nvSpPr>
+          <p:cNvPr id="11" name="Rectangle 10"/>
+          <p:cNvSpPr/>
+          <p:nvPr/>
+        </p:nvSpPr>
+        <p:spPr>
+          <a:xfrm>
+            <a:off x="8337883" y="2293695"/>
+            <a:ext cx="3705225" cy="1200329"/>
+          </a:xfrm>
+          <a:prstGeom prst="rect">
+            <a:avLst/>
+          </a:prstGeom>
+        </p:spPr>
+        <p:txBody>
+          <a:bodyPr wrap="square">
+            <a:spAutoFit/>
+          </a:bodyPr>
+          <a:lstStyle/>
+          <a:p>
+            <a:r>
+              <a:rPr lang="en-PH" sz="3600" dirty="0">
+                <a:solidFill>
+                  <a:schemeClr val="bg2"/>
+                </a:solidFill>
+              </a:rPr>
+              <a:t>RFID </a:t>
+            </a:r>
+          </a:p>
+          <a:p>
+            <a:endParaRPr lang="en-US" sz="3600" dirty="0">
+              <a:solidFill>
+                <a:schemeClr val="bg2"/>
+              </a:solidFill>
+            </a:endParaRPr>
+          </a:p>
+        </p:txBody>
+      </p:sp>
+      <p:sp>
+        <p:nvSpPr>
+          <p:cNvPr id="13" name="TextBox 12"/>
+          <p:cNvSpPr txBox="1"/>
+          <p:nvPr/>
+        </p:nvSpPr>
+        <p:spPr>
+          <a:xfrm>
+            <a:off x="8337883" y="4133850"/>
+            <a:ext cx="3092117" cy="923330"/>
+          </a:xfrm>
+          <a:prstGeom prst="rect">
+            <a:avLst/>
+          </a:prstGeom>
+          <a:noFill/>
+        </p:spPr>
+        <p:txBody>
+          <a:bodyPr wrap="square" rtlCol="0">
+            <a:spAutoFit/>
+          </a:bodyPr>
+          <a:lstStyle/>
+          <a:p>
+            <a:pPr marL="285750" indent="-285750">
+              <a:buFont typeface="Arial" panose="020B0604020202020204" pitchFamily="34" charset="0"/>
+              <a:buChar char="•"/>
+            </a:pPr>
+            <a:r>
+              <a:rPr lang="en-US" dirty="0">
+                <a:solidFill>
+                  <a:schemeClr val="bg2"/>
+                </a:solidFill>
+              </a:rPr>
+              <a:t>Tag chips contains memory which stores code and information</a:t>
+            </a:r>
+          </a:p>
+        </p:txBody>
+      </p:sp>
+      <p:sp>
+        <p:nvSpPr>
+          <p:cNvPr id="20" name="TextBox 19"/>
+          <p:cNvSpPr txBox="1"/>
+          <p:nvPr/>
+        </p:nvSpPr>
+        <p:spPr>
+          <a:xfrm>
+            <a:off x="8337882" y="5057180"/>
+            <a:ext cx="3092117" cy="646331"/>
+          </a:xfrm>
+          <a:prstGeom prst="rect">
+            <a:avLst/>
+          </a:prstGeom>
+          <a:noFill/>
+        </p:spPr>
+        <p:txBody>
+          <a:bodyPr wrap="square" rtlCol="0">
+            <a:spAutoFit/>
+          </a:bodyPr>
+          <a:lstStyle/>
+          <a:p>
+            <a:pPr marL="285750" indent="-285750">
+              <a:buFont typeface="Arial" panose="020B0604020202020204" pitchFamily="34" charset="0"/>
+              <a:buChar char="•"/>
+            </a:pPr>
+            <a:r>
+              <a:rPr lang="en-US" dirty="0">
+                <a:solidFill>
+                  <a:schemeClr val="bg2"/>
+                </a:solidFill>
+              </a:rPr>
+              <a:t>Read and tracked by RFID readers</a:t>
+            </a:r>
+          </a:p>
+        </p:txBody>
+      </p:sp>
+      <p:sp>
+        <p:nvSpPr>
+          <p:cNvPr id="21" name="TextBox 20"/>
+          <p:cNvSpPr txBox="1"/>
+          <p:nvPr/>
+        </p:nvSpPr>
+        <p:spPr>
+          <a:xfrm>
+            <a:off x="8337881" y="3384696"/>
+            <a:ext cx="3092117" cy="646331"/>
+          </a:xfrm>
+          <a:prstGeom prst="rect">
+            <a:avLst/>
+          </a:prstGeom>
+          <a:noFill/>
+        </p:spPr>
+        <p:txBody>
+          <a:bodyPr wrap="square" rtlCol="0">
+            <a:spAutoFit/>
+          </a:bodyPr>
+          <a:lstStyle/>
+          <a:p>
+            <a:pPr marL="285750" indent="-285750">
+              <a:buFont typeface="Arial" panose="020B0604020202020204" pitchFamily="34" charset="0"/>
+              <a:buChar char="•"/>
+            </a:pPr>
+            <a:r>
+              <a:rPr lang="en-US" dirty="0">
+                <a:solidFill>
+                  <a:schemeClr val="bg2"/>
+                </a:solidFill>
+              </a:rPr>
+              <a:t>Contains tag / Integrated circuit (IC)</a:t>
+            </a:r>
+          </a:p>
+        </p:txBody>
+      </p:sp>
+    </p:spTree>
+    <p:extLst>
+      <p:ext uri="{BB962C8B-B14F-4D97-AF65-F5344CB8AC3E}">
+        <p14:creationId xmlns:p14="http://schemas.microsoft.com/office/powerpoint/2010/main" val="157307039"/>
+      </p:ext>
+    </p:extLst>
+  </p:cSld>
+  <p:clrMapOvr>
+    <a:masterClrMapping/>
+  </p:clrMapOvr>
+</p:sld>
+</file>
+
+<file path=ppt/slides/slide6.xml><?xml version="1.0" encoding="utf-8"?>
+<p:sld xmlns:a="http://schemas.openxmlformats.org/drawingml/2006/main" xmlns:r="http://schemas.openxmlformats.org/officeDocument/2006/relationships" xmlns:p="http://schemas.openxmlformats.org/presentationml/2006/main">
+  <p:cSld>
+    <p:spTree>
+      <p:nvGrpSpPr>
+        <p:cNvPr id="1" name=""/>
+        <p:cNvGrpSpPr/>
+        <p:nvPr/>
+      </p:nvGrpSpPr>
+      <p:grpSpPr>
+        <a:xfrm>
+          <a:off x="0" y="0"/>
+          <a:ext cx="0" cy="0"/>
+          <a:chOff x="0" y="0"/>
+          <a:chExt cx="0" cy="0"/>
+        </a:xfrm>
+      </p:grpSpPr>
+      <p:sp>
+        <p:nvSpPr>
+          <p:cNvPr id="2" name="Title 1"/>
+          <p:cNvSpPr>
+            <a:spLocks noGrp="1"/>
+          </p:cNvSpPr>
+          <p:nvPr>
+            <p:ph type="title"/>
+          </p:nvPr>
+        </p:nvSpPr>
+        <p:spPr>
+          <a:xfrm>
+            <a:off x="1251678" y="382385"/>
+            <a:ext cx="10178322" cy="1492132"/>
+          </a:xfrm>
+        </p:spPr>
+        <p:txBody>
+          <a:bodyPr anchor="ctr">
+            <a:normAutofit/>
+          </a:bodyPr>
+          <a:lstStyle/>
+          <a:p>
+            <a:r>
+              <a:rPr lang="en-US" dirty="0"/>
+              <a:t>Objectives:</a:t>
+            </a:r>
+          </a:p>
+        </p:txBody>
+      </p:sp>
+      <p:graphicFrame>
+        <p:nvGraphicFramePr>
+          <p:cNvPr id="6" name="Content Placeholder 2"/>
+          <p:cNvGraphicFramePr>
+            <a:graphicFrameLocks noGrp="1"/>
+          </p:cNvGraphicFramePr>
+          <p:nvPr>
+            <p:ph idx="1"/>
+            <p:extLst>
+              <p:ext uri="{D42A27DB-BD31-4B8C-83A1-F6EECF244321}">
+                <p14:modId xmlns:p14="http://schemas.microsoft.com/office/powerpoint/2010/main" val="1353304229"/>
+              </p:ext>
+            </p:extLst>
+          </p:nvPr>
+        </p:nvGraphicFramePr>
+        <p:xfrm>
+          <a:off x="1250950" y="2286000"/>
+          <a:ext cx="10179050" cy="3594100"/>
+        </p:xfrm>
+        <a:graphic>
+          <a:graphicData uri="http://schemas.openxmlformats.org/drawingml/2006/diagram">
+            <dgm:relIds xmlns:dgm="http://schemas.openxmlformats.org/drawingml/2006/diagram" xmlns:r="http://schemas.openxmlformats.org/officeDocument/2006/relationships" r:dm="rId2" r:lo="rId3" r:qs="rId4" r:cs="rId5"/>
+          </a:graphicData>
+        </a:graphic>
+      </p:graphicFrame>
+    </p:spTree>
+    <p:extLst>
+      <p:ext uri="{BB962C8B-B14F-4D97-AF65-F5344CB8AC3E}">
+        <p14:creationId xmlns:p14="http://schemas.microsoft.com/office/powerpoint/2010/main" val="51576385"/>
+      </p:ext>
+    </p:extLst>
+  </p:cSld>
+  <p:clrMapOvr>
+    <a:masterClrMapping/>
+  </p:clrMapOvr>
+</p:sld>
+</file>
+
+<file path=ppt/slides/slide7.xml><?xml version="1.0" encoding="utf-8"?>
+<p:sld xmlns:a="http://schemas.openxmlformats.org/drawingml/2006/main" xmlns:r="http://schemas.openxmlformats.org/officeDocument/2006/relationships" xmlns:p="http://schemas.openxmlformats.org/presentationml/2006/main">
+  <p:cSld>
+    <p:spTree>
+      <p:nvGrpSpPr>
+        <p:cNvPr id="1" name=""/>
+        <p:cNvGrpSpPr/>
+        <p:nvPr/>
+      </p:nvGrpSpPr>
+      <p:grpSpPr>
+        <a:xfrm>
+          <a:off x="0" y="0"/>
+          <a:ext cx="0" cy="0"/>
+          <a:chOff x="0" y="0"/>
+          <a:chExt cx="0" cy="0"/>
+        </a:xfrm>
+      </p:grpSpPr>
+      <p:sp>
+        <p:nvSpPr>
+          <p:cNvPr id="2" name="Title 1"/>
+          <p:cNvSpPr>
+            <a:spLocks noGrp="1"/>
+          </p:cNvSpPr>
+          <p:nvPr>
+            <p:ph type="title"/>
+          </p:nvPr>
+        </p:nvSpPr>
+        <p:spPr>
+          <a:xfrm>
+            <a:off x="1251678" y="382385"/>
+            <a:ext cx="10178322" cy="1492132"/>
+          </a:xfrm>
+        </p:spPr>
+        <p:txBody>
+          <a:bodyPr anchor="ctr">
+            <a:normAutofit/>
+          </a:bodyPr>
+          <a:lstStyle/>
+          <a:p>
+            <a:r>
+              <a:rPr lang="en-US" dirty="0"/>
+              <a:t>Purpose:</a:t>
+            </a:r>
+            <a:endParaRPr lang="en-US"/>
+          </a:p>
+        </p:txBody>
+      </p:sp>
+      <p:graphicFrame>
+        <p:nvGraphicFramePr>
+          <p:cNvPr id="6" name="Content Placeholder 2"/>
+          <p:cNvGraphicFramePr>
+            <a:graphicFrameLocks noGrp="1"/>
+          </p:cNvGraphicFramePr>
+          <p:nvPr>
+            <p:ph idx="1"/>
+            <p:extLst>
+              <p:ext uri="{D42A27DB-BD31-4B8C-83A1-F6EECF244321}">
+                <p14:modId xmlns:p14="http://schemas.microsoft.com/office/powerpoint/2010/main" val="700630843"/>
+              </p:ext>
+            </p:extLst>
+          </p:nvPr>
+        </p:nvGraphicFramePr>
+        <p:xfrm>
+          <a:off x="1250950" y="2286000"/>
+          <a:ext cx="10179050" cy="3594100"/>
+        </p:xfrm>
+        <a:graphic>
+          <a:graphicData uri="http://schemas.openxmlformats.org/drawingml/2006/diagram">
+            <dgm:relIds xmlns:dgm="http://schemas.openxmlformats.org/drawingml/2006/diagram" xmlns:r="http://schemas.openxmlformats.org/officeDocument/2006/relationships" r:dm="rId2" r:lo="rId3" r:qs="rId4" r:cs="rId5"/>
+          </a:graphicData>
+        </a:graphic>
+      </p:graphicFrame>
+    </p:spTree>
+    <p:extLst>
+      <p:ext uri="{BB962C8B-B14F-4D97-AF65-F5344CB8AC3E}">
+        <p14:creationId xmlns:p14="http://schemas.microsoft.com/office/powerpoint/2010/main" val="1722767377"/>
+      </p:ext>
+    </p:extLst>
+  </p:cSld>
+  <p:clrMapOvr>
+    <a:masterClrMapping/>
+  </p:clrMapOvr>
+</p:sld>
+</file>
+
+<file path=ppt/slides/slide8.xml><?xml version="1.0" encoding="utf-8"?>
+<p:sld xmlns:a="http://schemas.openxmlformats.org/drawingml/2006/main" xmlns:r="http://schemas.openxmlformats.org/officeDocument/2006/relationships" xmlns:p="http://schemas.openxmlformats.org/presentationml/2006/main">
+  <p:cSld>
+    <p:spTree>
+      <p:nvGrpSpPr>
+        <p:cNvPr id="1" name=""/>
+        <p:cNvGrpSpPr/>
+        <p:nvPr/>
+      </p:nvGrpSpPr>
+      <p:grpSpPr>
+        <a:xfrm>
+          <a:off x="0" y="0"/>
+          <a:ext cx="0" cy="0"/>
+          <a:chOff x="0" y="0"/>
+          <a:chExt cx="0" cy="0"/>
+        </a:xfrm>
+      </p:grpSpPr>
+      <p:sp>
+        <p:nvSpPr>
+          <p:cNvPr id="2" name="Title 1"/>
+          <p:cNvSpPr>
+            <a:spLocks noGrp="1"/>
+          </p:cNvSpPr>
+          <p:nvPr>
+            <p:ph type="title"/>
+          </p:nvPr>
+        </p:nvSpPr>
+        <p:spPr/>
+        <p:txBody>
+          <a:bodyPr/>
+          <a:lstStyle/>
+          <a:p>
+            <a:r>
+              <a:rPr lang="en-US" dirty="0"/>
+              <a:t>Codes </a:t>
+            </a:r>
+            <a:r>
+              <a:rPr lang="en-US" sz="2400" dirty="0"/>
+              <a:t>(snippet)</a:t>
+            </a:r>
+            <a:endParaRPr lang="en-US" dirty="0"/>
+          </a:p>
+        </p:txBody>
+      </p:sp>
+      <p:sp>
+        <p:nvSpPr>
+          <p:cNvPr id="3" name="Content Placeholder 2"/>
+          <p:cNvSpPr>
+            <a:spLocks noGrp="1"/>
+          </p:cNvSpPr>
+          <p:nvPr>
+            <p:ph idx="1"/>
+          </p:nvPr>
+        </p:nvSpPr>
+        <p:spPr>
+          <a:xfrm>
+            <a:off x="1371600" y="1552579"/>
+            <a:ext cx="10178322" cy="523873"/>
+          </a:xfrm>
+        </p:spPr>
+        <p:txBody>
+          <a:bodyPr>
+            <a:noAutofit/>
+          </a:bodyPr>
+          <a:lstStyle/>
+          <a:p>
+            <a:r>
+              <a:rPr lang="en-US" sz="2800" dirty="0" err="1"/>
+              <a:t>ProjectRFID</a:t>
+            </a:r>
+            <a:endParaRPr lang="en-US" sz="2800" dirty="0"/>
+          </a:p>
+        </p:txBody>
+      </p:sp>
+      <p:pic>
+        <p:nvPicPr>
+          <p:cNvPr id="6" name="Picture 5"/>
+          <p:cNvPicPr>
+            <a:picLocks noChangeAspect="1"/>
+          </p:cNvPicPr>
+          <p:nvPr/>
+        </p:nvPicPr>
+        <p:blipFill>
+          <a:blip r:embed="rId2"/>
+          <a:stretch>
+            <a:fillRect/>
+          </a:stretch>
+        </p:blipFill>
+        <p:spPr>
+          <a:xfrm>
+            <a:off x="6460761" y="692449"/>
+            <a:ext cx="3228975" cy="1061272"/>
+          </a:xfrm>
+          <a:prstGeom prst="rect">
+            <a:avLst/>
+          </a:prstGeom>
+        </p:spPr>
+      </p:pic>
+      <p:pic>
+        <p:nvPicPr>
+          <p:cNvPr id="7" name="Picture 6"/>
+          <p:cNvPicPr>
+            <a:picLocks noChangeAspect="1"/>
+          </p:cNvPicPr>
+          <p:nvPr/>
+        </p:nvPicPr>
+        <p:blipFill>
+          <a:blip r:embed="rId3"/>
+          <a:stretch>
+            <a:fillRect/>
+          </a:stretch>
+        </p:blipFill>
+        <p:spPr>
+          <a:xfrm>
+            <a:off x="1537428" y="2238847"/>
+            <a:ext cx="9086850" cy="1104900"/>
+          </a:xfrm>
+          <a:prstGeom prst="rect">
+            <a:avLst/>
+          </a:prstGeom>
+        </p:spPr>
+      </p:pic>
+      <p:pic>
+        <p:nvPicPr>
+          <p:cNvPr id="8" name="Picture 7"/>
+          <p:cNvPicPr>
+            <a:picLocks noChangeAspect="1"/>
+          </p:cNvPicPr>
+          <p:nvPr/>
+        </p:nvPicPr>
+        <p:blipFill>
+          <a:blip r:embed="rId4"/>
+          <a:stretch>
+            <a:fillRect/>
+          </a:stretch>
+        </p:blipFill>
+        <p:spPr>
+          <a:xfrm>
+            <a:off x="1537428" y="4525787"/>
+            <a:ext cx="7915275" cy="2200275"/>
+          </a:xfrm>
+          <a:prstGeom prst="rect">
+            <a:avLst/>
+          </a:prstGeom>
+        </p:spPr>
+      </p:pic>
+      <p:pic>
+        <p:nvPicPr>
+          <p:cNvPr id="9" name="Picture 8"/>
+          <p:cNvPicPr>
+            <a:picLocks noChangeAspect="1"/>
+          </p:cNvPicPr>
+          <p:nvPr/>
+        </p:nvPicPr>
+        <p:blipFill>
+          <a:blip r:embed="rId5"/>
+          <a:stretch>
+            <a:fillRect/>
+          </a:stretch>
+        </p:blipFill>
+        <p:spPr>
+          <a:xfrm>
+            <a:off x="1537428" y="3506142"/>
+            <a:ext cx="6781800" cy="857250"/>
+          </a:xfrm>
+          <a:prstGeom prst="rect">
+            <a:avLst/>
+          </a:prstGeom>
+        </p:spPr>
+      </p:pic>
+    </p:spTree>
+    <p:extLst>
+      <p:ext uri="{BB962C8B-B14F-4D97-AF65-F5344CB8AC3E}">
+        <p14:creationId xmlns:p14="http://schemas.microsoft.com/office/powerpoint/2010/main" val="537397482"/>
+      </p:ext>
+    </p:extLst>
+  </p:cSld>
+  <p:clrMapOvr>
+    <a:masterClrMapping/>
+  </p:clrMapOvr>
+</p:sld>
+</file>
+
+<file path=ppt/slides/slide9.xml><?xml version="1.0" encoding="utf-8"?>
+<p:sld xmlns:a="http://schemas.openxmlformats.org/drawingml/2006/main" xmlns:r="http://schemas.openxmlformats.org/officeDocument/2006/relationships" xmlns:p="http://schemas.openxmlformats.org/presentationml/2006/main">
+  <p:cSld>
+    <p:spTree>
+      <p:nvGrpSpPr>
+        <p:cNvPr id="1" name=""/>
+        <p:cNvGrpSpPr/>
+        <p:nvPr/>
+      </p:nvGrpSpPr>
+      <p:grpSpPr>
+        <a:xfrm>
+          <a:off x="0" y="0"/>
+          <a:ext cx="0" cy="0"/>
+          <a:chOff x="0" y="0"/>
+          <a:chExt cx="0" cy="0"/>
+        </a:xfrm>
+      </p:grpSpPr>
+      <p:sp>
+        <p:nvSpPr>
+          <p:cNvPr id="2" name="Title 1"/>
+          <p:cNvSpPr>
+            <a:spLocks noGrp="1"/>
+          </p:cNvSpPr>
+          <p:nvPr>
+            <p:ph type="title"/>
+          </p:nvPr>
+        </p:nvSpPr>
+        <p:spPr>
+          <a:xfrm>
+            <a:off x="1251678" y="382385"/>
+            <a:ext cx="10178322" cy="1492132"/>
+          </a:xfrm>
+        </p:spPr>
+        <p:txBody>
+          <a:bodyPr/>
+          <a:lstStyle/>
+          <a:p>
+            <a:r>
+              <a:rPr lang="en-US" dirty="0"/>
+              <a:t>Codes </a:t>
+            </a:r>
+            <a:r>
+              <a:rPr lang="en-US" sz="2400" dirty="0"/>
+              <a:t>(snippet)</a:t>
+            </a:r>
+            <a:endParaRPr lang="en-US" dirty="0"/>
+          </a:p>
+        </p:txBody>
+      </p:sp>
+      <p:sp>
+        <p:nvSpPr>
+          <p:cNvPr id="3" name="Content Placeholder 2"/>
+          <p:cNvSpPr>
+            <a:spLocks noGrp="1"/>
+          </p:cNvSpPr>
+          <p:nvPr>
+            <p:ph idx="1"/>
+          </p:nvPr>
+        </p:nvSpPr>
+        <p:spPr>
+          <a:xfrm>
+            <a:off x="1371600" y="1552579"/>
+            <a:ext cx="10178322" cy="523873"/>
+          </a:xfrm>
+        </p:spPr>
+        <p:txBody>
+          <a:bodyPr>
+            <a:noAutofit/>
+          </a:bodyPr>
+          <a:lstStyle/>
+          <a:p>
+            <a:r>
+              <a:rPr lang="en-US" sz="2800" dirty="0" err="1"/>
+              <a:t>ProjectRFID</a:t>
+            </a:r>
+            <a:endParaRPr lang="en-US" sz="2800" dirty="0"/>
+          </a:p>
+        </p:txBody>
+      </p:sp>
+      <p:pic>
+        <p:nvPicPr>
+          <p:cNvPr id="9" name="Picture 8"/>
+          <p:cNvPicPr>
+            <a:picLocks noChangeAspect="1"/>
+          </p:cNvPicPr>
+          <p:nvPr/>
+        </p:nvPicPr>
+        <p:blipFill>
+          <a:blip r:embed="rId2"/>
+          <a:stretch>
+            <a:fillRect/>
+          </a:stretch>
+        </p:blipFill>
+        <p:spPr>
+          <a:xfrm>
+            <a:off x="7234237" y="3456196"/>
+            <a:ext cx="3590925" cy="1352550"/>
+          </a:xfrm>
+          <a:prstGeom prst="rect">
+            <a:avLst/>
+          </a:prstGeom>
+        </p:spPr>
+      </p:pic>
+      <p:pic>
+        <p:nvPicPr>
+          <p:cNvPr id="10" name="Picture 9"/>
+          <p:cNvPicPr>
+            <a:picLocks noChangeAspect="1"/>
+          </p:cNvPicPr>
+          <p:nvPr/>
+        </p:nvPicPr>
+        <p:blipFill>
+          <a:blip r:embed="rId3"/>
+          <a:stretch>
+            <a:fillRect/>
+          </a:stretch>
+        </p:blipFill>
+        <p:spPr>
+          <a:xfrm>
+            <a:off x="3971925" y="1814515"/>
+            <a:ext cx="2828925" cy="3524250"/>
+          </a:xfrm>
+          <a:prstGeom prst="rect">
+            <a:avLst/>
+          </a:prstGeom>
+        </p:spPr>
+      </p:pic>
+      <p:pic>
+        <p:nvPicPr>
+          <p:cNvPr id="11" name="Picture 10"/>
+          <p:cNvPicPr>
+            <a:picLocks noChangeAspect="1"/>
+          </p:cNvPicPr>
+          <p:nvPr/>
+        </p:nvPicPr>
+        <p:blipFill>
+          <a:blip r:embed="rId4"/>
+          <a:stretch>
+            <a:fillRect/>
+          </a:stretch>
+        </p:blipFill>
+        <p:spPr>
+          <a:xfrm>
+            <a:off x="1251678" y="5400675"/>
+            <a:ext cx="10029825" cy="1200150"/>
+          </a:xfrm>
+          <a:prstGeom prst="rect">
+            <a:avLst/>
+          </a:prstGeom>
+        </p:spPr>
+      </p:pic>
+    </p:spTree>
+    <p:extLst>
+      <p:ext uri="{BB962C8B-B14F-4D97-AF65-F5344CB8AC3E}">
+        <p14:creationId xmlns:p14="http://schemas.microsoft.com/office/powerpoint/2010/main" val="709457385"/>
       </p:ext>
     </p:extLst>
   </p:cSld>
